--- a/Mmc.Documentation/Eight semester Presentation1.pptx
+++ b/Mmc.Documentation/Eight semester Presentation1.pptx
@@ -126,6 +126,11 @@
       </a:defRPr>
     </a:lvl9pPr>
   </p:defaultTextStyle>
+  <p:extLst>
+    <p:ext uri="{EFAFB233-063F-42B5-8137-9DF3F51BA10A}">
+      <p15:sldGuideLst xmlns:p15="http://schemas.microsoft.com/office/powerpoint/2012/main"/>
+    </p:ext>
+  </p:extLst>
 </p:presentation>
 </file>
 
@@ -6439,10 +6444,6 @@
               </a:rPr>
               <a:t>Standards Compliance</a:t>
             </a:r>
-            <a:endParaRPr lang="en-US" dirty="0">
-              <a:latin typeface="Times New Roman" panose="02020603050405020304" pitchFamily="18" charset="0"/>
-              <a:cs typeface="Times New Roman" panose="02020603050405020304" pitchFamily="18" charset="0"/>
-            </a:endParaRPr>
           </a:p>
         </p:txBody>
       </p:sp>
@@ -6504,4070 +6505,6 @@
           </a:p>
         </p:txBody>
       </p:sp>
-      <p:graphicFrame>
-        <p:nvGraphicFramePr>
-          <p:cNvPr id="4" name="Content Placeholder 3"/>
-          <p:cNvGraphicFramePr>
-            <a:graphicFrameLocks noGrp="1"/>
-          </p:cNvGraphicFramePr>
-          <p:nvPr>
-            <p:ph idx="1"/>
-          </p:nvPr>
-        </p:nvGraphicFramePr>
-        <p:xfrm>
-          <a:off x="1893094" y="2327275"/>
-          <a:ext cx="6165850" cy="2711133"/>
-        </p:xfrm>
-        <a:graphic>
-          <a:graphicData uri="http://schemas.openxmlformats.org/drawingml/2006/table">
-            <a:tbl>
-              <a:tblPr firstRow="1" firstCol="1">
-                <a:tableStyleId>{5C22544A-7EE6-4342-B048-85BDC9FD1C3A}</a:tableStyleId>
-              </a:tblPr>
-              <a:tblGrid>
-                <a:gridCol w="1308122">
-                  <a:extLst>
-                    <a:ext uri="{9D8B030D-6E8A-4147-A177-3AD203B41FA5}">
-                      <a16:colId xmlns:a16="http://schemas.microsoft.com/office/drawing/2014/main" val="1879007923"/>
-                    </a:ext>
-                  </a:extLst>
-                </a:gridCol>
-                <a:gridCol w="585601">
-                  <a:extLst>
-                    <a:ext uri="{9D8B030D-6E8A-4147-A177-3AD203B41FA5}">
-                      <a16:colId xmlns:a16="http://schemas.microsoft.com/office/drawing/2014/main" val="3961103352"/>
-                    </a:ext>
-                  </a:extLst>
-                </a:gridCol>
-                <a:gridCol w="226913">
-                  <a:extLst>
-                    <a:ext uri="{9D8B030D-6E8A-4147-A177-3AD203B41FA5}">
-                      <a16:colId xmlns:a16="http://schemas.microsoft.com/office/drawing/2014/main" val="404855764"/>
-                    </a:ext>
-                  </a:extLst>
-                </a:gridCol>
-                <a:gridCol w="164560">
-                  <a:extLst>
-                    <a:ext uri="{9D8B030D-6E8A-4147-A177-3AD203B41FA5}">
-                      <a16:colId xmlns:a16="http://schemas.microsoft.com/office/drawing/2014/main" val="1927994479"/>
-                    </a:ext>
-                  </a:extLst>
-                </a:gridCol>
-                <a:gridCol w="231412">
-                  <a:extLst>
-                    <a:ext uri="{9D8B030D-6E8A-4147-A177-3AD203B41FA5}">
-                      <a16:colId xmlns:a16="http://schemas.microsoft.com/office/drawing/2014/main" val="2870552691"/>
-                    </a:ext>
-                  </a:extLst>
-                </a:gridCol>
-                <a:gridCol w="641526">
-                  <a:extLst>
-                    <a:ext uri="{9D8B030D-6E8A-4147-A177-3AD203B41FA5}">
-                      <a16:colId xmlns:a16="http://schemas.microsoft.com/office/drawing/2014/main" val="3943674972"/>
-                    </a:ext>
-                  </a:extLst>
-                </a:gridCol>
-                <a:gridCol w="537391">
-                  <a:extLst>
-                    <a:ext uri="{9D8B030D-6E8A-4147-A177-3AD203B41FA5}">
-                      <a16:colId xmlns:a16="http://schemas.microsoft.com/office/drawing/2014/main" val="3475725107"/>
-                    </a:ext>
-                  </a:extLst>
-                </a:gridCol>
-                <a:gridCol w="95136">
-                  <a:extLst>
-                    <a:ext uri="{9D8B030D-6E8A-4147-A177-3AD203B41FA5}">
-                      <a16:colId xmlns:a16="http://schemas.microsoft.com/office/drawing/2014/main" val="2565922608"/>
-                    </a:ext>
-                  </a:extLst>
-                </a:gridCol>
-                <a:gridCol w="95136">
-                  <a:extLst>
-                    <a:ext uri="{9D8B030D-6E8A-4147-A177-3AD203B41FA5}">
-                      <a16:colId xmlns:a16="http://schemas.microsoft.com/office/drawing/2014/main" val="1722029138"/>
-                    </a:ext>
-                  </a:extLst>
-                </a:gridCol>
-                <a:gridCol w="385687">
-                  <a:extLst>
-                    <a:ext uri="{9D8B030D-6E8A-4147-A177-3AD203B41FA5}">
-                      <a16:colId xmlns:a16="http://schemas.microsoft.com/office/drawing/2014/main" val="3178556990"/>
-                    </a:ext>
-                  </a:extLst>
-                </a:gridCol>
-                <a:gridCol w="164560">
-                  <a:extLst>
-                    <a:ext uri="{9D8B030D-6E8A-4147-A177-3AD203B41FA5}">
-                      <a16:colId xmlns:a16="http://schemas.microsoft.com/office/drawing/2014/main" val="3850236869"/>
-                    </a:ext>
-                  </a:extLst>
-                </a:gridCol>
-                <a:gridCol w="462824">
-                  <a:extLst>
-                    <a:ext uri="{9D8B030D-6E8A-4147-A177-3AD203B41FA5}">
-                      <a16:colId xmlns:a16="http://schemas.microsoft.com/office/drawing/2014/main" val="2237061173"/>
-                    </a:ext>
-                  </a:extLst>
-                </a:gridCol>
-                <a:gridCol w="606814">
-                  <a:extLst>
-                    <a:ext uri="{9D8B030D-6E8A-4147-A177-3AD203B41FA5}">
-                      <a16:colId xmlns:a16="http://schemas.microsoft.com/office/drawing/2014/main" val="3566759354"/>
-                    </a:ext>
-                  </a:extLst>
-                </a:gridCol>
-                <a:gridCol w="660168">
-                  <a:extLst>
-                    <a:ext uri="{9D8B030D-6E8A-4147-A177-3AD203B41FA5}">
-                      <a16:colId xmlns:a16="http://schemas.microsoft.com/office/drawing/2014/main" val="754897990"/>
-                    </a:ext>
-                  </a:extLst>
-                </a:gridCol>
-              </a:tblGrid>
-              <a:tr h="252730">
-                <a:tc>
-                  <a:txBody>
-                    <a:bodyPr/>
-                    <a:lstStyle/>
-                    <a:p>
-                      <a:pPr marL="0" marR="0" algn="ctr">
-                        <a:lnSpc>
-                          <a:spcPct val="150000"/>
-                        </a:lnSpc>
-                        <a:spcBef>
-                          <a:spcPts val="0"/>
-                        </a:spcBef>
-                        <a:spcAft>
-                          <a:spcPts val="0"/>
-                        </a:spcAft>
-                        <a:tabLst>
-                          <a:tab pos="571500" algn="l"/>
-                          <a:tab pos="6343650" algn="l"/>
-                        </a:tabLst>
-                      </a:pPr>
-                      <a:r>
-                        <a:rPr lang="en-US" sz="1100">
-                          <a:effectLst/>
-                        </a:rPr>
-                        <a:t> </a:t>
-                      </a:r>
-                      <a:endParaRPr lang="en-US" sz="1100">
-                        <a:effectLst/>
-                        <a:latin typeface="Calibri" panose="020F0502020204030204" pitchFamily="34" charset="0"/>
-                        <a:ea typeface="Calibri" panose="020F0502020204030204" pitchFamily="34" charset="0"/>
-                        <a:cs typeface="Times New Roman" panose="02020603050405020304" pitchFamily="18" charset="0"/>
-                      </a:endParaRPr>
-                    </a:p>
-                  </a:txBody>
-                  <a:tcPr marL="68580" marR="68580" marT="0" marB="0"/>
-                </a:tc>
-                <a:tc>
-                  <a:txBody>
-                    <a:bodyPr/>
-                    <a:lstStyle/>
-                    <a:p>
-                      <a:pPr marL="0" marR="0" algn="ctr">
-                        <a:lnSpc>
-                          <a:spcPct val="150000"/>
-                        </a:lnSpc>
-                        <a:spcBef>
-                          <a:spcPts val="0"/>
-                        </a:spcBef>
-                        <a:spcAft>
-                          <a:spcPts val="0"/>
-                        </a:spcAft>
-                        <a:tabLst>
-                          <a:tab pos="571500" algn="l"/>
-                          <a:tab pos="6343650" algn="l"/>
-                        </a:tabLst>
-                      </a:pPr>
-                      <a:r>
-                        <a:rPr lang="en-US" sz="1100">
-                          <a:effectLst/>
-                        </a:rPr>
-                        <a:t>Jan-9</a:t>
-                      </a:r>
-                      <a:endParaRPr lang="en-US" sz="1100">
-                        <a:effectLst/>
-                        <a:latin typeface="Calibri" panose="020F0502020204030204" pitchFamily="34" charset="0"/>
-                        <a:ea typeface="Calibri" panose="020F0502020204030204" pitchFamily="34" charset="0"/>
-                        <a:cs typeface="Times New Roman" panose="02020603050405020304" pitchFamily="18" charset="0"/>
-                      </a:endParaRPr>
-                    </a:p>
-                  </a:txBody>
-                  <a:tcPr marL="68580" marR="68580" marT="0" marB="0"/>
-                </a:tc>
-                <a:tc gridSpan="3">
-                  <a:txBody>
-                    <a:bodyPr/>
-                    <a:lstStyle/>
-                    <a:p>
-                      <a:pPr marL="0" marR="0" algn="ctr">
-                        <a:lnSpc>
-                          <a:spcPct val="150000"/>
-                        </a:lnSpc>
-                        <a:spcBef>
-                          <a:spcPts val="0"/>
-                        </a:spcBef>
-                        <a:spcAft>
-                          <a:spcPts val="0"/>
-                        </a:spcAft>
-                        <a:tabLst>
-                          <a:tab pos="571500" algn="l"/>
-                          <a:tab pos="6343650" algn="l"/>
-                        </a:tabLst>
-                      </a:pPr>
-                      <a:r>
-                        <a:rPr lang="en-US" sz="1100" dirty="0">
-                          <a:effectLst/>
-                        </a:rPr>
-                        <a:t>Feb-9</a:t>
-                      </a:r>
-                      <a:endParaRPr lang="en-US" sz="1100" dirty="0">
-                        <a:effectLst/>
-                        <a:latin typeface="Calibri" panose="020F0502020204030204" pitchFamily="34" charset="0"/>
-                        <a:ea typeface="Calibri" panose="020F0502020204030204" pitchFamily="34" charset="0"/>
-                        <a:cs typeface="Times New Roman" panose="02020603050405020304" pitchFamily="18" charset="0"/>
-                      </a:endParaRPr>
-                    </a:p>
-                  </a:txBody>
-                  <a:tcPr marL="68580" marR="68580" marT="0" marB="0"/>
-                </a:tc>
-                <a:tc hMerge="1">
-                  <a:txBody>
-                    <a:bodyPr/>
-                    <a:lstStyle/>
-                    <a:p>
-                      <a:endParaRPr lang="en-US"/>
-                    </a:p>
-                  </a:txBody>
-                  <a:tcPr/>
-                </a:tc>
-                <a:tc hMerge="1">
-                  <a:txBody>
-                    <a:bodyPr/>
-                    <a:lstStyle/>
-                    <a:p>
-                      <a:endParaRPr lang="en-US"/>
-                    </a:p>
-                  </a:txBody>
-                  <a:tcPr/>
-                </a:tc>
-                <a:tc>
-                  <a:txBody>
-                    <a:bodyPr/>
-                    <a:lstStyle/>
-                    <a:p>
-                      <a:pPr marL="0" marR="0" algn="ctr">
-                        <a:lnSpc>
-                          <a:spcPct val="150000"/>
-                        </a:lnSpc>
-                        <a:spcBef>
-                          <a:spcPts val="0"/>
-                        </a:spcBef>
-                        <a:spcAft>
-                          <a:spcPts val="0"/>
-                        </a:spcAft>
-                        <a:tabLst>
-                          <a:tab pos="571500" algn="l"/>
-                          <a:tab pos="6343650" algn="l"/>
-                        </a:tabLst>
-                      </a:pPr>
-                      <a:r>
-                        <a:rPr lang="en-US" sz="1100" dirty="0">
-                          <a:effectLst/>
-                        </a:rPr>
-                        <a:t>Mar-10</a:t>
-                      </a:r>
-                      <a:endParaRPr lang="en-US" sz="1100" dirty="0">
-                        <a:effectLst/>
-                        <a:latin typeface="Calibri" panose="020F0502020204030204" pitchFamily="34" charset="0"/>
-                        <a:ea typeface="Calibri" panose="020F0502020204030204" pitchFamily="34" charset="0"/>
-                        <a:cs typeface="Times New Roman" panose="02020603050405020304" pitchFamily="18" charset="0"/>
-                      </a:endParaRPr>
-                    </a:p>
-                  </a:txBody>
-                  <a:tcPr marL="68580" marR="68580" marT="0" marB="0"/>
-                </a:tc>
-                <a:tc gridSpan="2">
-                  <a:txBody>
-                    <a:bodyPr/>
-                    <a:lstStyle/>
-                    <a:p>
-                      <a:pPr marL="0" marR="0" algn="ctr">
-                        <a:lnSpc>
-                          <a:spcPct val="150000"/>
-                        </a:lnSpc>
-                        <a:spcBef>
-                          <a:spcPts val="0"/>
-                        </a:spcBef>
-                        <a:spcAft>
-                          <a:spcPts val="0"/>
-                        </a:spcAft>
-                        <a:tabLst>
-                          <a:tab pos="571500" algn="l"/>
-                          <a:tab pos="6343650" algn="l"/>
-                        </a:tabLst>
-                      </a:pPr>
-                      <a:r>
-                        <a:rPr lang="en-US" sz="1100" dirty="0">
-                          <a:effectLst/>
-                        </a:rPr>
-                        <a:t>Mar-30</a:t>
-                      </a:r>
-                      <a:endParaRPr lang="en-US" sz="1100" dirty="0">
-                        <a:effectLst/>
-                        <a:latin typeface="Calibri" panose="020F0502020204030204" pitchFamily="34" charset="0"/>
-                        <a:ea typeface="Calibri" panose="020F0502020204030204" pitchFamily="34" charset="0"/>
-                        <a:cs typeface="Times New Roman" panose="02020603050405020304" pitchFamily="18" charset="0"/>
-                      </a:endParaRPr>
-                    </a:p>
-                  </a:txBody>
-                  <a:tcPr marL="68580" marR="68580" marT="0" marB="0"/>
-                </a:tc>
-                <a:tc hMerge="1">
-                  <a:txBody>
-                    <a:bodyPr/>
-                    <a:lstStyle/>
-                    <a:p>
-                      <a:endParaRPr lang="en-US"/>
-                    </a:p>
-                  </a:txBody>
-                  <a:tcPr/>
-                </a:tc>
-                <a:tc gridSpan="2">
-                  <a:txBody>
-                    <a:bodyPr/>
-                    <a:lstStyle/>
-                    <a:p>
-                      <a:pPr marL="0" marR="0" algn="ctr">
-                        <a:lnSpc>
-                          <a:spcPct val="150000"/>
-                        </a:lnSpc>
-                        <a:spcBef>
-                          <a:spcPts val="0"/>
-                        </a:spcBef>
-                        <a:spcAft>
-                          <a:spcPts val="0"/>
-                        </a:spcAft>
-                        <a:tabLst>
-                          <a:tab pos="571500" algn="l"/>
-                          <a:tab pos="6343650" algn="l"/>
-                        </a:tabLst>
-                      </a:pPr>
-                      <a:r>
-                        <a:rPr lang="en-US" sz="1100" dirty="0">
-                          <a:effectLst/>
-                        </a:rPr>
-                        <a:t>Apr-10</a:t>
-                      </a:r>
-                      <a:endParaRPr lang="en-US" sz="1100" dirty="0">
-                        <a:effectLst/>
-                        <a:latin typeface="Calibri" panose="020F0502020204030204" pitchFamily="34" charset="0"/>
-                        <a:ea typeface="Calibri" panose="020F0502020204030204" pitchFamily="34" charset="0"/>
-                        <a:cs typeface="Times New Roman" panose="02020603050405020304" pitchFamily="18" charset="0"/>
-                      </a:endParaRPr>
-                    </a:p>
-                  </a:txBody>
-                  <a:tcPr marL="68580" marR="68580" marT="0" marB="0"/>
-                </a:tc>
-                <a:tc hMerge="1">
-                  <a:txBody>
-                    <a:bodyPr/>
-                    <a:lstStyle/>
-                    <a:p>
-                      <a:endParaRPr lang="en-US"/>
-                    </a:p>
-                  </a:txBody>
-                  <a:tcPr/>
-                </a:tc>
-                <a:tc gridSpan="2">
-                  <a:txBody>
-                    <a:bodyPr/>
-                    <a:lstStyle/>
-                    <a:p>
-                      <a:pPr marL="0" marR="0" algn="ctr">
-                        <a:lnSpc>
-                          <a:spcPct val="150000"/>
-                        </a:lnSpc>
-                        <a:spcBef>
-                          <a:spcPts val="0"/>
-                        </a:spcBef>
-                        <a:spcAft>
-                          <a:spcPts val="0"/>
-                        </a:spcAft>
-                        <a:tabLst>
-                          <a:tab pos="571500" algn="l"/>
-                          <a:tab pos="6343650" algn="l"/>
-                        </a:tabLst>
-                      </a:pPr>
-                      <a:r>
-                        <a:rPr lang="en-US" sz="1100">
-                          <a:effectLst/>
-                        </a:rPr>
-                        <a:t>Apr-25</a:t>
-                      </a:r>
-                      <a:endParaRPr lang="en-US" sz="1100">
-                        <a:effectLst/>
-                        <a:latin typeface="Calibri" panose="020F0502020204030204" pitchFamily="34" charset="0"/>
-                        <a:ea typeface="Calibri" panose="020F0502020204030204" pitchFamily="34" charset="0"/>
-                        <a:cs typeface="Times New Roman" panose="02020603050405020304" pitchFamily="18" charset="0"/>
-                      </a:endParaRPr>
-                    </a:p>
-                  </a:txBody>
-                  <a:tcPr marL="68580" marR="68580" marT="0" marB="0"/>
-                </a:tc>
-                <a:tc hMerge="1">
-                  <a:txBody>
-                    <a:bodyPr/>
-                    <a:lstStyle/>
-                    <a:p>
-                      <a:endParaRPr lang="en-US"/>
-                    </a:p>
-                  </a:txBody>
-                  <a:tcPr/>
-                </a:tc>
-                <a:tc>
-                  <a:txBody>
-                    <a:bodyPr/>
-                    <a:lstStyle/>
-                    <a:p>
-                      <a:pPr marL="0" marR="0" algn="ctr">
-                        <a:lnSpc>
-                          <a:spcPct val="150000"/>
-                        </a:lnSpc>
-                        <a:spcBef>
-                          <a:spcPts val="0"/>
-                        </a:spcBef>
-                        <a:spcAft>
-                          <a:spcPts val="0"/>
-                        </a:spcAft>
-                        <a:tabLst>
-                          <a:tab pos="571500" algn="l"/>
-                          <a:tab pos="6343650" algn="l"/>
-                        </a:tabLst>
-                      </a:pPr>
-                      <a:r>
-                        <a:rPr lang="en-US" sz="1100">
-                          <a:effectLst/>
-                        </a:rPr>
-                        <a:t>May-10</a:t>
-                      </a:r>
-                      <a:endParaRPr lang="en-US" sz="1100">
-                        <a:effectLst/>
-                        <a:latin typeface="Calibri" panose="020F0502020204030204" pitchFamily="34" charset="0"/>
-                        <a:ea typeface="Calibri" panose="020F0502020204030204" pitchFamily="34" charset="0"/>
-                        <a:cs typeface="Times New Roman" panose="02020603050405020304" pitchFamily="18" charset="0"/>
-                      </a:endParaRPr>
-                    </a:p>
-                  </a:txBody>
-                  <a:tcPr marL="68580" marR="68580" marT="0" marB="0"/>
-                </a:tc>
-                <a:tc>
-                  <a:txBody>
-                    <a:bodyPr/>
-                    <a:lstStyle/>
-                    <a:p>
-                      <a:pPr marL="0" marR="0" algn="ctr">
-                        <a:lnSpc>
-                          <a:spcPct val="150000"/>
-                        </a:lnSpc>
-                        <a:spcBef>
-                          <a:spcPts val="0"/>
-                        </a:spcBef>
-                        <a:spcAft>
-                          <a:spcPts val="0"/>
-                        </a:spcAft>
-                        <a:tabLst>
-                          <a:tab pos="571500" algn="l"/>
-                          <a:tab pos="6343650" algn="l"/>
-                        </a:tabLst>
-                      </a:pPr>
-                      <a:r>
-                        <a:rPr lang="en-US" sz="1100">
-                          <a:effectLst/>
-                        </a:rPr>
-                        <a:t>June-20</a:t>
-                      </a:r>
-                      <a:endParaRPr lang="en-US" sz="1100">
-                        <a:effectLst/>
-                        <a:latin typeface="Calibri" panose="020F0502020204030204" pitchFamily="34" charset="0"/>
-                        <a:ea typeface="Calibri" panose="020F0502020204030204" pitchFamily="34" charset="0"/>
-                        <a:cs typeface="Times New Roman" panose="02020603050405020304" pitchFamily="18" charset="0"/>
-                      </a:endParaRPr>
-                    </a:p>
-                  </a:txBody>
-                  <a:tcPr marL="68580" marR="68580" marT="0" marB="0"/>
-                </a:tc>
-                <a:extLst>
-                  <a:ext uri="{0D108BD9-81ED-4DB2-BD59-A6C34878D82A}">
-                    <a16:rowId xmlns:a16="http://schemas.microsoft.com/office/drawing/2014/main" val="2528459660"/>
-                  </a:ext>
-                </a:extLst>
-              </a:tr>
-              <a:tr h="238125">
-                <a:tc>
-                  <a:txBody>
-                    <a:bodyPr/>
-                    <a:lstStyle/>
-                    <a:p>
-                      <a:pPr marL="0" marR="0" algn="ctr">
-                        <a:lnSpc>
-                          <a:spcPct val="150000"/>
-                        </a:lnSpc>
-                        <a:spcBef>
-                          <a:spcPts val="0"/>
-                        </a:spcBef>
-                        <a:spcAft>
-                          <a:spcPts val="0"/>
-                        </a:spcAft>
-                        <a:tabLst>
-                          <a:tab pos="571500" algn="l"/>
-                          <a:tab pos="6343650" algn="l"/>
-                        </a:tabLst>
-                      </a:pPr>
-                      <a:r>
-                        <a:rPr lang="en-US" sz="1200">
-                          <a:effectLst/>
-                        </a:rPr>
-                        <a:t> </a:t>
-                      </a:r>
-                      <a:endParaRPr lang="en-US" sz="1100">
-                        <a:effectLst/>
-                        <a:latin typeface="Calibri" panose="020F0502020204030204" pitchFamily="34" charset="0"/>
-                        <a:ea typeface="Calibri" panose="020F0502020204030204" pitchFamily="34" charset="0"/>
-                        <a:cs typeface="Times New Roman" panose="02020603050405020304" pitchFamily="18" charset="0"/>
-                      </a:endParaRPr>
-                    </a:p>
-                  </a:txBody>
-                  <a:tcPr marL="68580" marR="68580" marT="0" marB="0"/>
-                </a:tc>
-                <a:tc>
-                  <a:txBody>
-                    <a:bodyPr/>
-                    <a:lstStyle/>
-                    <a:p>
-                      <a:pPr marL="0" marR="0" algn="ctr">
-                        <a:lnSpc>
-                          <a:spcPct val="150000"/>
-                        </a:lnSpc>
-                        <a:spcBef>
-                          <a:spcPts val="0"/>
-                        </a:spcBef>
-                        <a:spcAft>
-                          <a:spcPts val="0"/>
-                        </a:spcAft>
-                        <a:tabLst>
-                          <a:tab pos="571500" algn="l"/>
-                          <a:tab pos="6343650" algn="l"/>
-                        </a:tabLst>
-                      </a:pPr>
-                      <a:r>
-                        <a:rPr lang="en-US" sz="1200" u="none" strike="noStrike">
-                          <a:effectLst/>
-                        </a:rPr>
-                        <a:t> </a:t>
-                      </a:r>
-                      <a:endParaRPr lang="en-US" sz="1100">
-                        <a:effectLst/>
-                        <a:latin typeface="Calibri" panose="020F0502020204030204" pitchFamily="34" charset="0"/>
-                        <a:ea typeface="Calibri" panose="020F0502020204030204" pitchFamily="34" charset="0"/>
-                        <a:cs typeface="Times New Roman" panose="02020603050405020304" pitchFamily="18" charset="0"/>
-                      </a:endParaRPr>
-                    </a:p>
-                  </a:txBody>
-                  <a:tcPr marL="68580" marR="68580" marT="0" marB="0"/>
-                </a:tc>
-                <a:tc gridSpan="3">
-                  <a:txBody>
-                    <a:bodyPr/>
-                    <a:lstStyle/>
-                    <a:p>
-                      <a:pPr marL="0" marR="0" algn="ctr">
-                        <a:lnSpc>
-                          <a:spcPct val="150000"/>
-                        </a:lnSpc>
-                        <a:spcBef>
-                          <a:spcPts val="0"/>
-                        </a:spcBef>
-                        <a:spcAft>
-                          <a:spcPts val="0"/>
-                        </a:spcAft>
-                        <a:tabLst>
-                          <a:tab pos="571500" algn="l"/>
-                          <a:tab pos="6343650" algn="l"/>
-                        </a:tabLst>
-                      </a:pPr>
-                      <a:r>
-                        <a:rPr lang="en-US" sz="1200" u="none" strike="noStrike" dirty="0">
-                          <a:effectLst/>
-                        </a:rPr>
-                        <a:t> </a:t>
-                      </a:r>
-                      <a:endParaRPr lang="en-US" sz="1100" dirty="0">
-                        <a:effectLst/>
-                        <a:latin typeface="Calibri" panose="020F0502020204030204" pitchFamily="34" charset="0"/>
-                        <a:ea typeface="Calibri" panose="020F0502020204030204" pitchFamily="34" charset="0"/>
-                        <a:cs typeface="Times New Roman" panose="02020603050405020304" pitchFamily="18" charset="0"/>
-                      </a:endParaRPr>
-                    </a:p>
-                  </a:txBody>
-                  <a:tcPr marL="68580" marR="68580" marT="0" marB="0"/>
-                </a:tc>
-                <a:tc hMerge="1">
-                  <a:txBody>
-                    <a:bodyPr/>
-                    <a:lstStyle/>
-                    <a:p>
-                      <a:endParaRPr lang="en-US"/>
-                    </a:p>
-                  </a:txBody>
-                  <a:tcPr/>
-                </a:tc>
-                <a:tc hMerge="1">
-                  <a:txBody>
-                    <a:bodyPr/>
-                    <a:lstStyle/>
-                    <a:p>
-                      <a:endParaRPr lang="en-US"/>
-                    </a:p>
-                  </a:txBody>
-                  <a:tcPr/>
-                </a:tc>
-                <a:tc>
-                  <a:txBody>
-                    <a:bodyPr/>
-                    <a:lstStyle/>
-                    <a:p>
-                      <a:pPr marL="0" marR="0" algn="ctr">
-                        <a:lnSpc>
-                          <a:spcPct val="150000"/>
-                        </a:lnSpc>
-                        <a:spcBef>
-                          <a:spcPts val="0"/>
-                        </a:spcBef>
-                        <a:spcAft>
-                          <a:spcPts val="0"/>
-                        </a:spcAft>
-                        <a:tabLst>
-                          <a:tab pos="571500" algn="l"/>
-                          <a:tab pos="6343650" algn="l"/>
-                        </a:tabLst>
-                      </a:pPr>
-                      <a:r>
-                        <a:rPr lang="en-US" sz="1200" u="none" strike="noStrike" dirty="0">
-                          <a:effectLst/>
-                        </a:rPr>
-                        <a:t> </a:t>
-                      </a:r>
-                      <a:endParaRPr lang="en-US" sz="1100" dirty="0">
-                        <a:effectLst/>
-                        <a:latin typeface="Calibri" panose="020F0502020204030204" pitchFamily="34" charset="0"/>
-                        <a:ea typeface="Calibri" panose="020F0502020204030204" pitchFamily="34" charset="0"/>
-                        <a:cs typeface="Times New Roman" panose="02020603050405020304" pitchFamily="18" charset="0"/>
-                      </a:endParaRPr>
-                    </a:p>
-                  </a:txBody>
-                  <a:tcPr marL="68580" marR="68580" marT="0" marB="0"/>
-                </a:tc>
-                <a:tc>
-                  <a:txBody>
-                    <a:bodyPr/>
-                    <a:lstStyle/>
-                    <a:p>
-                      <a:pPr marL="0" marR="0" algn="ctr">
-                        <a:lnSpc>
-                          <a:spcPct val="150000"/>
-                        </a:lnSpc>
-                        <a:spcBef>
-                          <a:spcPts val="0"/>
-                        </a:spcBef>
-                        <a:spcAft>
-                          <a:spcPts val="0"/>
-                        </a:spcAft>
-                        <a:tabLst>
-                          <a:tab pos="571500" algn="l"/>
-                          <a:tab pos="6343650" algn="l"/>
-                        </a:tabLst>
-                      </a:pPr>
-                      <a:r>
-                        <a:rPr lang="en-US" sz="1200" u="none" strike="noStrike" dirty="0">
-                          <a:effectLst/>
-                        </a:rPr>
-                        <a:t> </a:t>
-                      </a:r>
-                      <a:endParaRPr lang="en-US" sz="1100" dirty="0">
-                        <a:effectLst/>
-                        <a:latin typeface="Calibri" panose="020F0502020204030204" pitchFamily="34" charset="0"/>
-                        <a:ea typeface="Calibri" panose="020F0502020204030204" pitchFamily="34" charset="0"/>
-                        <a:cs typeface="Times New Roman" panose="02020603050405020304" pitchFamily="18" charset="0"/>
-                      </a:endParaRPr>
-                    </a:p>
-                  </a:txBody>
-                  <a:tcPr marL="68580" marR="68580" marT="0" marB="0"/>
-                </a:tc>
-                <a:tc gridSpan="3">
-                  <a:txBody>
-                    <a:bodyPr/>
-                    <a:lstStyle/>
-                    <a:p>
-                      <a:pPr marL="0" marR="0" algn="ctr">
-                        <a:lnSpc>
-                          <a:spcPct val="150000"/>
-                        </a:lnSpc>
-                        <a:spcBef>
-                          <a:spcPts val="0"/>
-                        </a:spcBef>
-                        <a:spcAft>
-                          <a:spcPts val="0"/>
-                        </a:spcAft>
-                        <a:tabLst>
-                          <a:tab pos="571500" algn="l"/>
-                          <a:tab pos="6343650" algn="l"/>
-                        </a:tabLst>
-                      </a:pPr>
-                      <a:r>
-                        <a:rPr lang="en-US" sz="1200" u="none" strike="noStrike" dirty="0">
-                          <a:effectLst/>
-                        </a:rPr>
-                        <a:t> </a:t>
-                      </a:r>
-                      <a:endParaRPr lang="en-US" sz="1100" dirty="0">
-                        <a:effectLst/>
-                        <a:latin typeface="Calibri" panose="020F0502020204030204" pitchFamily="34" charset="0"/>
-                        <a:ea typeface="Calibri" panose="020F0502020204030204" pitchFamily="34" charset="0"/>
-                        <a:cs typeface="Times New Roman" panose="02020603050405020304" pitchFamily="18" charset="0"/>
-                      </a:endParaRPr>
-                    </a:p>
-                  </a:txBody>
-                  <a:tcPr marL="68580" marR="68580" marT="0" marB="0"/>
-                </a:tc>
-                <a:tc hMerge="1">
-                  <a:txBody>
-                    <a:bodyPr/>
-                    <a:lstStyle/>
-                    <a:p>
-                      <a:endParaRPr lang="en-US"/>
-                    </a:p>
-                  </a:txBody>
-                  <a:tcPr/>
-                </a:tc>
-                <a:tc hMerge="1">
-                  <a:txBody>
-                    <a:bodyPr/>
-                    <a:lstStyle/>
-                    <a:p>
-                      <a:endParaRPr lang="en-US"/>
-                    </a:p>
-                  </a:txBody>
-                  <a:tcPr/>
-                </a:tc>
-                <a:tc gridSpan="2">
-                  <a:txBody>
-                    <a:bodyPr/>
-                    <a:lstStyle/>
-                    <a:p>
-                      <a:pPr marL="0" marR="0" algn="ctr">
-                        <a:lnSpc>
-                          <a:spcPct val="150000"/>
-                        </a:lnSpc>
-                        <a:spcBef>
-                          <a:spcPts val="0"/>
-                        </a:spcBef>
-                        <a:spcAft>
-                          <a:spcPts val="0"/>
-                        </a:spcAft>
-                        <a:tabLst>
-                          <a:tab pos="571500" algn="l"/>
-                          <a:tab pos="6343650" algn="l"/>
-                        </a:tabLst>
-                      </a:pPr>
-                      <a:r>
-                        <a:rPr lang="en-US" sz="1200" u="none" strike="noStrike">
-                          <a:effectLst/>
-                        </a:rPr>
-                        <a:t> </a:t>
-                      </a:r>
-                      <a:endParaRPr lang="en-US" sz="1100">
-                        <a:effectLst/>
-                        <a:latin typeface="Calibri" panose="020F0502020204030204" pitchFamily="34" charset="0"/>
-                        <a:ea typeface="Calibri" panose="020F0502020204030204" pitchFamily="34" charset="0"/>
-                        <a:cs typeface="Times New Roman" panose="02020603050405020304" pitchFamily="18" charset="0"/>
-                      </a:endParaRPr>
-                    </a:p>
-                  </a:txBody>
-                  <a:tcPr marL="68580" marR="68580" marT="0" marB="0"/>
-                </a:tc>
-                <a:tc hMerge="1">
-                  <a:txBody>
-                    <a:bodyPr/>
-                    <a:lstStyle/>
-                    <a:p>
-                      <a:endParaRPr lang="en-US"/>
-                    </a:p>
-                  </a:txBody>
-                  <a:tcPr/>
-                </a:tc>
-                <a:tc>
-                  <a:txBody>
-                    <a:bodyPr/>
-                    <a:lstStyle/>
-                    <a:p>
-                      <a:pPr marL="0" marR="0" algn="ctr">
-                        <a:lnSpc>
-                          <a:spcPct val="150000"/>
-                        </a:lnSpc>
-                        <a:spcBef>
-                          <a:spcPts val="0"/>
-                        </a:spcBef>
-                        <a:spcAft>
-                          <a:spcPts val="0"/>
-                        </a:spcAft>
-                        <a:tabLst>
-                          <a:tab pos="571500" algn="l"/>
-                          <a:tab pos="6343650" algn="l"/>
-                        </a:tabLst>
-                      </a:pPr>
-                      <a:r>
-                        <a:rPr lang="en-US" sz="1200" u="none" strike="noStrike">
-                          <a:effectLst/>
-                        </a:rPr>
-                        <a:t> </a:t>
-                      </a:r>
-                      <a:endParaRPr lang="en-US" sz="1100">
-                        <a:effectLst/>
-                        <a:latin typeface="Calibri" panose="020F0502020204030204" pitchFamily="34" charset="0"/>
-                        <a:ea typeface="Calibri" panose="020F0502020204030204" pitchFamily="34" charset="0"/>
-                        <a:cs typeface="Times New Roman" panose="02020603050405020304" pitchFamily="18" charset="0"/>
-                      </a:endParaRPr>
-                    </a:p>
-                  </a:txBody>
-                  <a:tcPr marL="68580" marR="68580" marT="0" marB="0"/>
-                </a:tc>
-                <a:tc>
-                  <a:txBody>
-                    <a:bodyPr/>
-                    <a:lstStyle/>
-                    <a:p>
-                      <a:pPr marL="0" marR="0" algn="ctr">
-                        <a:lnSpc>
-                          <a:spcPct val="150000"/>
-                        </a:lnSpc>
-                        <a:spcBef>
-                          <a:spcPts val="0"/>
-                        </a:spcBef>
-                        <a:spcAft>
-                          <a:spcPts val="0"/>
-                        </a:spcAft>
-                        <a:tabLst>
-                          <a:tab pos="571500" algn="l"/>
-                          <a:tab pos="6343650" algn="l"/>
-                        </a:tabLst>
-                      </a:pPr>
-                      <a:r>
-                        <a:rPr lang="en-US" sz="1200" u="none" strike="noStrike">
-                          <a:effectLst/>
-                        </a:rPr>
-                        <a:t> </a:t>
-                      </a:r>
-                      <a:endParaRPr lang="en-US" sz="1100">
-                        <a:effectLst/>
-                        <a:latin typeface="Calibri" panose="020F0502020204030204" pitchFamily="34" charset="0"/>
-                        <a:ea typeface="Calibri" panose="020F0502020204030204" pitchFamily="34" charset="0"/>
-                        <a:cs typeface="Times New Roman" panose="02020603050405020304" pitchFamily="18" charset="0"/>
-                      </a:endParaRPr>
-                    </a:p>
-                  </a:txBody>
-                  <a:tcPr marL="68580" marR="68580" marT="0" marB="0"/>
-                </a:tc>
-                <a:extLst>
-                  <a:ext uri="{0D108BD9-81ED-4DB2-BD59-A6C34878D82A}">
-                    <a16:rowId xmlns:a16="http://schemas.microsoft.com/office/drawing/2014/main" val="900293196"/>
-                  </a:ext>
-                </a:extLst>
-              </a:tr>
-              <a:tr h="252730">
-                <a:tc>
-                  <a:txBody>
-                    <a:bodyPr/>
-                    <a:lstStyle/>
-                    <a:p>
-                      <a:pPr marL="0" marR="0" algn="ctr">
-                        <a:lnSpc>
-                          <a:spcPct val="150000"/>
-                        </a:lnSpc>
-                        <a:spcBef>
-                          <a:spcPts val="0"/>
-                        </a:spcBef>
-                        <a:spcAft>
-                          <a:spcPts val="0"/>
-                        </a:spcAft>
-                        <a:tabLst>
-                          <a:tab pos="571500" algn="l"/>
-                          <a:tab pos="6343650" algn="l"/>
-                        </a:tabLst>
-                      </a:pPr>
-                      <a:r>
-                        <a:rPr lang="en-US" sz="1200">
-                          <a:effectLst/>
-                        </a:rPr>
-                        <a:t>Planning </a:t>
-                      </a:r>
-                      <a:endParaRPr lang="en-US" sz="1100">
-                        <a:effectLst/>
-                        <a:latin typeface="Calibri" panose="020F0502020204030204" pitchFamily="34" charset="0"/>
-                        <a:ea typeface="Calibri" panose="020F0502020204030204" pitchFamily="34" charset="0"/>
-                        <a:cs typeface="Times New Roman" panose="02020603050405020304" pitchFamily="18" charset="0"/>
-                      </a:endParaRPr>
-                    </a:p>
-                  </a:txBody>
-                  <a:tcPr marL="68580" marR="68580" marT="0" marB="0"/>
-                </a:tc>
-                <a:tc>
-                  <a:txBody>
-                    <a:bodyPr/>
-                    <a:lstStyle/>
-                    <a:p>
-                      <a:pPr marL="0" marR="0">
-                        <a:lnSpc>
-                          <a:spcPct val="150000"/>
-                        </a:lnSpc>
-                        <a:spcBef>
-                          <a:spcPts val="0"/>
-                        </a:spcBef>
-                        <a:spcAft>
-                          <a:spcPts val="0"/>
-                        </a:spcAft>
-                        <a:tabLst>
-                          <a:tab pos="571500" algn="l"/>
-                          <a:tab pos="6343650" algn="l"/>
-                        </a:tabLst>
-                      </a:pPr>
-                      <a:r>
-                        <a:rPr lang="en-US" sz="1200" u="none" strike="noStrike">
-                          <a:effectLst/>
-                        </a:rPr>
-                        <a:t> </a:t>
-                      </a:r>
-                      <a:endParaRPr lang="en-US" sz="1100">
-                        <a:effectLst/>
-                        <a:latin typeface="Calibri" panose="020F0502020204030204" pitchFamily="34" charset="0"/>
-                        <a:ea typeface="Calibri" panose="020F0502020204030204" pitchFamily="34" charset="0"/>
-                        <a:cs typeface="Times New Roman" panose="02020603050405020304" pitchFamily="18" charset="0"/>
-                      </a:endParaRPr>
-                    </a:p>
-                  </a:txBody>
-                  <a:tcPr marL="68580" marR="68580" marT="0" marB="0"/>
-                </a:tc>
-                <a:tc gridSpan="3">
-                  <a:txBody>
-                    <a:bodyPr/>
-                    <a:lstStyle/>
-                    <a:p>
-                      <a:pPr marL="0" marR="0" algn="ctr">
-                        <a:lnSpc>
-                          <a:spcPct val="150000"/>
-                        </a:lnSpc>
-                        <a:spcBef>
-                          <a:spcPts val="0"/>
-                        </a:spcBef>
-                        <a:spcAft>
-                          <a:spcPts val="0"/>
-                        </a:spcAft>
-                        <a:tabLst>
-                          <a:tab pos="571500" algn="l"/>
-                          <a:tab pos="6343650" algn="l"/>
-                        </a:tabLst>
-                      </a:pPr>
-                      <a:r>
-                        <a:rPr lang="en-US" sz="1200" u="none" strike="noStrike" dirty="0">
-                          <a:effectLst/>
-                        </a:rPr>
-                        <a:t> </a:t>
-                      </a:r>
-                      <a:endParaRPr lang="en-US" sz="1100" dirty="0">
-                        <a:effectLst/>
-                        <a:latin typeface="Calibri" panose="020F0502020204030204" pitchFamily="34" charset="0"/>
-                        <a:ea typeface="Calibri" panose="020F0502020204030204" pitchFamily="34" charset="0"/>
-                        <a:cs typeface="Times New Roman" panose="02020603050405020304" pitchFamily="18" charset="0"/>
-                      </a:endParaRPr>
-                    </a:p>
-                  </a:txBody>
-                  <a:tcPr marL="68580" marR="68580" marT="0" marB="0"/>
-                </a:tc>
-                <a:tc hMerge="1">
-                  <a:txBody>
-                    <a:bodyPr/>
-                    <a:lstStyle/>
-                    <a:p>
-                      <a:endParaRPr lang="en-US"/>
-                    </a:p>
-                  </a:txBody>
-                  <a:tcPr/>
-                </a:tc>
-                <a:tc hMerge="1">
-                  <a:txBody>
-                    <a:bodyPr/>
-                    <a:lstStyle/>
-                    <a:p>
-                      <a:endParaRPr lang="en-US"/>
-                    </a:p>
-                  </a:txBody>
-                  <a:tcPr/>
-                </a:tc>
-                <a:tc>
-                  <a:txBody>
-                    <a:bodyPr/>
-                    <a:lstStyle/>
-                    <a:p>
-                      <a:pPr marL="0" marR="0" algn="ctr">
-                        <a:lnSpc>
-                          <a:spcPct val="150000"/>
-                        </a:lnSpc>
-                        <a:spcBef>
-                          <a:spcPts val="0"/>
-                        </a:spcBef>
-                        <a:spcAft>
-                          <a:spcPts val="0"/>
-                        </a:spcAft>
-                        <a:tabLst>
-                          <a:tab pos="571500" algn="l"/>
-                          <a:tab pos="6343650" algn="l"/>
-                        </a:tabLst>
-                      </a:pPr>
-                      <a:r>
-                        <a:rPr lang="en-US" sz="1200" u="none" strike="noStrike" dirty="0">
-                          <a:effectLst/>
-                        </a:rPr>
-                        <a:t> </a:t>
-                      </a:r>
-                      <a:endParaRPr lang="en-US" sz="1100" dirty="0">
-                        <a:effectLst/>
-                        <a:latin typeface="Calibri" panose="020F0502020204030204" pitchFamily="34" charset="0"/>
-                        <a:ea typeface="Calibri" panose="020F0502020204030204" pitchFamily="34" charset="0"/>
-                        <a:cs typeface="Times New Roman" panose="02020603050405020304" pitchFamily="18" charset="0"/>
-                      </a:endParaRPr>
-                    </a:p>
-                  </a:txBody>
-                  <a:tcPr marL="68580" marR="68580" marT="0" marB="0"/>
-                </a:tc>
-                <a:tc>
-                  <a:txBody>
-                    <a:bodyPr/>
-                    <a:lstStyle/>
-                    <a:p>
-                      <a:pPr marL="0" marR="0" algn="ctr">
-                        <a:lnSpc>
-                          <a:spcPct val="150000"/>
-                        </a:lnSpc>
-                        <a:spcBef>
-                          <a:spcPts val="0"/>
-                        </a:spcBef>
-                        <a:spcAft>
-                          <a:spcPts val="0"/>
-                        </a:spcAft>
-                        <a:tabLst>
-                          <a:tab pos="571500" algn="l"/>
-                          <a:tab pos="6343650" algn="l"/>
-                        </a:tabLst>
-                      </a:pPr>
-                      <a:r>
-                        <a:rPr lang="en-US" sz="1200" u="none" strike="noStrike" dirty="0">
-                          <a:effectLst/>
-                        </a:rPr>
-                        <a:t> </a:t>
-                      </a:r>
-                      <a:endParaRPr lang="en-US" sz="1100" dirty="0">
-                        <a:effectLst/>
-                        <a:latin typeface="Calibri" panose="020F0502020204030204" pitchFamily="34" charset="0"/>
-                        <a:ea typeface="Calibri" panose="020F0502020204030204" pitchFamily="34" charset="0"/>
-                        <a:cs typeface="Times New Roman" panose="02020603050405020304" pitchFamily="18" charset="0"/>
-                      </a:endParaRPr>
-                    </a:p>
-                  </a:txBody>
-                  <a:tcPr marL="68580" marR="68580" marT="0" marB="0"/>
-                </a:tc>
-                <a:tc gridSpan="3">
-                  <a:txBody>
-                    <a:bodyPr/>
-                    <a:lstStyle/>
-                    <a:p>
-                      <a:pPr marL="0" marR="0" algn="ctr">
-                        <a:lnSpc>
-                          <a:spcPct val="150000"/>
-                        </a:lnSpc>
-                        <a:spcBef>
-                          <a:spcPts val="0"/>
-                        </a:spcBef>
-                        <a:spcAft>
-                          <a:spcPts val="0"/>
-                        </a:spcAft>
-                        <a:tabLst>
-                          <a:tab pos="571500" algn="l"/>
-                          <a:tab pos="6343650" algn="l"/>
-                        </a:tabLst>
-                      </a:pPr>
-                      <a:r>
-                        <a:rPr lang="en-US" sz="1200" u="none" strike="noStrike" dirty="0">
-                          <a:effectLst/>
-                        </a:rPr>
-                        <a:t> </a:t>
-                      </a:r>
-                      <a:endParaRPr lang="en-US" sz="1100" dirty="0">
-                        <a:effectLst/>
-                        <a:latin typeface="Calibri" panose="020F0502020204030204" pitchFamily="34" charset="0"/>
-                        <a:ea typeface="Calibri" panose="020F0502020204030204" pitchFamily="34" charset="0"/>
-                        <a:cs typeface="Times New Roman" panose="02020603050405020304" pitchFamily="18" charset="0"/>
-                      </a:endParaRPr>
-                    </a:p>
-                  </a:txBody>
-                  <a:tcPr marL="68580" marR="68580" marT="0" marB="0"/>
-                </a:tc>
-                <a:tc hMerge="1">
-                  <a:txBody>
-                    <a:bodyPr/>
-                    <a:lstStyle/>
-                    <a:p>
-                      <a:endParaRPr lang="en-US"/>
-                    </a:p>
-                  </a:txBody>
-                  <a:tcPr/>
-                </a:tc>
-                <a:tc hMerge="1">
-                  <a:txBody>
-                    <a:bodyPr/>
-                    <a:lstStyle/>
-                    <a:p>
-                      <a:endParaRPr lang="en-US"/>
-                    </a:p>
-                  </a:txBody>
-                  <a:tcPr/>
-                </a:tc>
-                <a:tc gridSpan="2">
-                  <a:txBody>
-                    <a:bodyPr/>
-                    <a:lstStyle/>
-                    <a:p>
-                      <a:pPr marL="0" marR="0" algn="ctr">
-                        <a:lnSpc>
-                          <a:spcPct val="150000"/>
-                        </a:lnSpc>
-                        <a:spcBef>
-                          <a:spcPts val="0"/>
-                        </a:spcBef>
-                        <a:spcAft>
-                          <a:spcPts val="0"/>
-                        </a:spcAft>
-                        <a:tabLst>
-                          <a:tab pos="571500" algn="l"/>
-                          <a:tab pos="6343650" algn="l"/>
-                        </a:tabLst>
-                      </a:pPr>
-                      <a:r>
-                        <a:rPr lang="en-US" sz="1200" u="none" strike="noStrike">
-                          <a:effectLst/>
-                        </a:rPr>
-                        <a:t> </a:t>
-                      </a:r>
-                      <a:endParaRPr lang="en-US" sz="1100">
-                        <a:effectLst/>
-                        <a:latin typeface="Calibri" panose="020F0502020204030204" pitchFamily="34" charset="0"/>
-                        <a:ea typeface="Calibri" panose="020F0502020204030204" pitchFamily="34" charset="0"/>
-                        <a:cs typeface="Times New Roman" panose="02020603050405020304" pitchFamily="18" charset="0"/>
-                      </a:endParaRPr>
-                    </a:p>
-                  </a:txBody>
-                  <a:tcPr marL="68580" marR="68580" marT="0" marB="0"/>
-                </a:tc>
-                <a:tc hMerge="1">
-                  <a:txBody>
-                    <a:bodyPr/>
-                    <a:lstStyle/>
-                    <a:p>
-                      <a:endParaRPr lang="en-US"/>
-                    </a:p>
-                  </a:txBody>
-                  <a:tcPr/>
-                </a:tc>
-                <a:tc>
-                  <a:txBody>
-                    <a:bodyPr/>
-                    <a:lstStyle/>
-                    <a:p>
-                      <a:pPr marL="0" marR="0" algn="ctr">
-                        <a:lnSpc>
-                          <a:spcPct val="150000"/>
-                        </a:lnSpc>
-                        <a:spcBef>
-                          <a:spcPts val="0"/>
-                        </a:spcBef>
-                        <a:spcAft>
-                          <a:spcPts val="0"/>
-                        </a:spcAft>
-                        <a:tabLst>
-                          <a:tab pos="571500" algn="l"/>
-                          <a:tab pos="6343650" algn="l"/>
-                        </a:tabLst>
-                      </a:pPr>
-                      <a:r>
-                        <a:rPr lang="en-US" sz="1200" u="none" strike="noStrike">
-                          <a:effectLst/>
-                        </a:rPr>
-                        <a:t> </a:t>
-                      </a:r>
-                      <a:endParaRPr lang="en-US" sz="1100">
-                        <a:effectLst/>
-                        <a:latin typeface="Calibri" panose="020F0502020204030204" pitchFamily="34" charset="0"/>
-                        <a:ea typeface="Calibri" panose="020F0502020204030204" pitchFamily="34" charset="0"/>
-                        <a:cs typeface="Times New Roman" panose="02020603050405020304" pitchFamily="18" charset="0"/>
-                      </a:endParaRPr>
-                    </a:p>
-                  </a:txBody>
-                  <a:tcPr marL="68580" marR="68580" marT="0" marB="0"/>
-                </a:tc>
-                <a:tc>
-                  <a:txBody>
-                    <a:bodyPr/>
-                    <a:lstStyle/>
-                    <a:p>
-                      <a:pPr marL="0" marR="0" algn="ctr">
-                        <a:lnSpc>
-                          <a:spcPct val="150000"/>
-                        </a:lnSpc>
-                        <a:spcBef>
-                          <a:spcPts val="0"/>
-                        </a:spcBef>
-                        <a:spcAft>
-                          <a:spcPts val="0"/>
-                        </a:spcAft>
-                        <a:tabLst>
-                          <a:tab pos="571500" algn="l"/>
-                          <a:tab pos="6343650" algn="l"/>
-                        </a:tabLst>
-                      </a:pPr>
-                      <a:r>
-                        <a:rPr lang="en-US" sz="1200" u="none" strike="noStrike">
-                          <a:effectLst/>
-                        </a:rPr>
-                        <a:t> </a:t>
-                      </a:r>
-                      <a:endParaRPr lang="en-US" sz="1100">
-                        <a:effectLst/>
-                        <a:latin typeface="Calibri" panose="020F0502020204030204" pitchFamily="34" charset="0"/>
-                        <a:ea typeface="Calibri" panose="020F0502020204030204" pitchFamily="34" charset="0"/>
-                        <a:cs typeface="Times New Roman" panose="02020603050405020304" pitchFamily="18" charset="0"/>
-                      </a:endParaRPr>
-                    </a:p>
-                  </a:txBody>
-                  <a:tcPr marL="68580" marR="68580" marT="0" marB="0"/>
-                </a:tc>
-                <a:extLst>
-                  <a:ext uri="{0D108BD9-81ED-4DB2-BD59-A6C34878D82A}">
-                    <a16:rowId xmlns:a16="http://schemas.microsoft.com/office/drawing/2014/main" val="3479606926"/>
-                  </a:ext>
-                </a:extLst>
-              </a:tr>
-              <a:tr h="252730">
-                <a:tc>
-                  <a:txBody>
-                    <a:bodyPr/>
-                    <a:lstStyle/>
-                    <a:p>
-                      <a:pPr marL="0" marR="0" algn="ctr">
-                        <a:lnSpc>
-                          <a:spcPct val="150000"/>
-                        </a:lnSpc>
-                        <a:spcBef>
-                          <a:spcPts val="0"/>
-                        </a:spcBef>
-                        <a:spcAft>
-                          <a:spcPts val="0"/>
-                        </a:spcAft>
-                        <a:tabLst>
-                          <a:tab pos="571500" algn="l"/>
-                          <a:tab pos="6343650" algn="l"/>
-                        </a:tabLst>
-                      </a:pPr>
-                      <a:r>
-                        <a:rPr lang="en-US" sz="1200">
-                          <a:effectLst/>
-                        </a:rPr>
-                        <a:t>Analysis</a:t>
-                      </a:r>
-                      <a:endParaRPr lang="en-US" sz="1100">
-                        <a:effectLst/>
-                        <a:latin typeface="Calibri" panose="020F0502020204030204" pitchFamily="34" charset="0"/>
-                        <a:ea typeface="Calibri" panose="020F0502020204030204" pitchFamily="34" charset="0"/>
-                        <a:cs typeface="Times New Roman" panose="02020603050405020304" pitchFamily="18" charset="0"/>
-                      </a:endParaRPr>
-                    </a:p>
-                  </a:txBody>
-                  <a:tcPr marL="68580" marR="68580" marT="0" marB="0"/>
-                </a:tc>
-                <a:tc>
-                  <a:txBody>
-                    <a:bodyPr/>
-                    <a:lstStyle/>
-                    <a:p>
-                      <a:pPr marL="0" marR="0" algn="ctr">
-                        <a:lnSpc>
-                          <a:spcPct val="150000"/>
-                        </a:lnSpc>
-                        <a:spcBef>
-                          <a:spcPts val="0"/>
-                        </a:spcBef>
-                        <a:spcAft>
-                          <a:spcPts val="0"/>
-                        </a:spcAft>
-                        <a:tabLst>
-                          <a:tab pos="571500" algn="l"/>
-                          <a:tab pos="6343650" algn="l"/>
-                        </a:tabLst>
-                      </a:pPr>
-                      <a:r>
-                        <a:rPr lang="en-US" sz="1200" u="none" strike="noStrike">
-                          <a:effectLst/>
-                        </a:rPr>
-                        <a:t> </a:t>
-                      </a:r>
-                      <a:endParaRPr lang="en-US" sz="1100">
-                        <a:effectLst/>
-                        <a:latin typeface="Calibri" panose="020F0502020204030204" pitchFamily="34" charset="0"/>
-                        <a:ea typeface="Calibri" panose="020F0502020204030204" pitchFamily="34" charset="0"/>
-                        <a:cs typeface="Times New Roman" panose="02020603050405020304" pitchFamily="18" charset="0"/>
-                      </a:endParaRPr>
-                    </a:p>
-                  </a:txBody>
-                  <a:tcPr marL="68580" marR="68580" marT="0" marB="0"/>
-                </a:tc>
-                <a:tc>
-                  <a:txBody>
-                    <a:bodyPr/>
-                    <a:lstStyle/>
-                    <a:p>
-                      <a:pPr marL="0" marR="0" algn="ctr">
-                        <a:lnSpc>
-                          <a:spcPct val="150000"/>
-                        </a:lnSpc>
-                        <a:spcBef>
-                          <a:spcPts val="0"/>
-                        </a:spcBef>
-                        <a:spcAft>
-                          <a:spcPts val="0"/>
-                        </a:spcAft>
-                        <a:tabLst>
-                          <a:tab pos="571500" algn="l"/>
-                          <a:tab pos="6343650" algn="l"/>
-                        </a:tabLst>
-                      </a:pPr>
-                      <a:r>
-                        <a:rPr lang="en-US" sz="1200" u="none" strike="noStrike">
-                          <a:effectLst/>
-                        </a:rPr>
-                        <a:t> </a:t>
-                      </a:r>
-                      <a:endParaRPr lang="en-US" sz="1100">
-                        <a:effectLst/>
-                        <a:latin typeface="Calibri" panose="020F0502020204030204" pitchFamily="34" charset="0"/>
-                        <a:ea typeface="Calibri" panose="020F0502020204030204" pitchFamily="34" charset="0"/>
-                        <a:cs typeface="Times New Roman" panose="02020603050405020304" pitchFamily="18" charset="0"/>
-                      </a:endParaRPr>
-                    </a:p>
-                  </a:txBody>
-                  <a:tcPr marL="68580" marR="68580" marT="0" marB="0"/>
-                </a:tc>
-                <a:tc gridSpan="2">
-                  <a:txBody>
-                    <a:bodyPr/>
-                    <a:lstStyle/>
-                    <a:p>
-                      <a:pPr marL="0" marR="0" algn="ctr">
-                        <a:lnSpc>
-                          <a:spcPct val="150000"/>
-                        </a:lnSpc>
-                        <a:spcBef>
-                          <a:spcPts val="0"/>
-                        </a:spcBef>
-                        <a:spcAft>
-                          <a:spcPts val="0"/>
-                        </a:spcAft>
-                        <a:tabLst>
-                          <a:tab pos="571500" algn="l"/>
-                          <a:tab pos="6343650" algn="l"/>
-                        </a:tabLst>
-                      </a:pPr>
-                      <a:r>
-                        <a:rPr lang="en-US" sz="1200" u="none" strike="noStrike" dirty="0">
-                          <a:effectLst/>
-                        </a:rPr>
-                        <a:t> </a:t>
-                      </a:r>
-                      <a:endParaRPr lang="en-US" sz="1100" dirty="0">
-                        <a:effectLst/>
-                        <a:latin typeface="Calibri" panose="020F0502020204030204" pitchFamily="34" charset="0"/>
-                        <a:ea typeface="Calibri" panose="020F0502020204030204" pitchFamily="34" charset="0"/>
-                        <a:cs typeface="Times New Roman" panose="02020603050405020304" pitchFamily="18" charset="0"/>
-                      </a:endParaRPr>
-                    </a:p>
-                  </a:txBody>
-                  <a:tcPr marL="68580" marR="68580" marT="0" marB="0"/>
-                </a:tc>
-                <a:tc hMerge="1">
-                  <a:txBody>
-                    <a:bodyPr/>
-                    <a:lstStyle/>
-                    <a:p>
-                      <a:endParaRPr lang="en-US"/>
-                    </a:p>
-                  </a:txBody>
-                  <a:tcPr/>
-                </a:tc>
-                <a:tc>
-                  <a:txBody>
-                    <a:bodyPr/>
-                    <a:lstStyle/>
-                    <a:p>
-                      <a:pPr marL="0" marR="0" algn="ctr">
-                        <a:lnSpc>
-                          <a:spcPct val="150000"/>
-                        </a:lnSpc>
-                        <a:spcBef>
-                          <a:spcPts val="0"/>
-                        </a:spcBef>
-                        <a:spcAft>
-                          <a:spcPts val="0"/>
-                        </a:spcAft>
-                        <a:tabLst>
-                          <a:tab pos="571500" algn="l"/>
-                          <a:tab pos="6343650" algn="l"/>
-                        </a:tabLst>
-                      </a:pPr>
-                      <a:r>
-                        <a:rPr lang="en-US" sz="1200" u="none" strike="noStrike" dirty="0">
-                          <a:effectLst/>
-                        </a:rPr>
-                        <a:t> </a:t>
-                      </a:r>
-                      <a:endParaRPr lang="en-US" sz="1100" dirty="0">
-                        <a:effectLst/>
-                        <a:latin typeface="Calibri" panose="020F0502020204030204" pitchFamily="34" charset="0"/>
-                        <a:ea typeface="Calibri" panose="020F0502020204030204" pitchFamily="34" charset="0"/>
-                        <a:cs typeface="Times New Roman" panose="02020603050405020304" pitchFamily="18" charset="0"/>
-                      </a:endParaRPr>
-                    </a:p>
-                  </a:txBody>
-                  <a:tcPr marL="68580" marR="68580" marT="0" marB="0"/>
-                </a:tc>
-                <a:tc>
-                  <a:txBody>
-                    <a:bodyPr/>
-                    <a:lstStyle/>
-                    <a:p>
-                      <a:pPr marL="0" marR="0" algn="ctr">
-                        <a:lnSpc>
-                          <a:spcPct val="150000"/>
-                        </a:lnSpc>
-                        <a:spcBef>
-                          <a:spcPts val="0"/>
-                        </a:spcBef>
-                        <a:spcAft>
-                          <a:spcPts val="0"/>
-                        </a:spcAft>
-                        <a:tabLst>
-                          <a:tab pos="571500" algn="l"/>
-                          <a:tab pos="6343650" algn="l"/>
-                        </a:tabLst>
-                      </a:pPr>
-                      <a:r>
-                        <a:rPr lang="en-US" sz="1200" u="none" strike="noStrike" dirty="0">
-                          <a:effectLst/>
-                        </a:rPr>
-                        <a:t> </a:t>
-                      </a:r>
-                      <a:endParaRPr lang="en-US" sz="1100" dirty="0">
-                        <a:effectLst/>
-                        <a:latin typeface="Calibri" panose="020F0502020204030204" pitchFamily="34" charset="0"/>
-                        <a:ea typeface="Calibri" panose="020F0502020204030204" pitchFamily="34" charset="0"/>
-                        <a:cs typeface="Times New Roman" panose="02020603050405020304" pitchFamily="18" charset="0"/>
-                      </a:endParaRPr>
-                    </a:p>
-                  </a:txBody>
-                  <a:tcPr marL="68580" marR="68580" marT="0" marB="0"/>
-                </a:tc>
-                <a:tc gridSpan="3">
-                  <a:txBody>
-                    <a:bodyPr/>
-                    <a:lstStyle/>
-                    <a:p>
-                      <a:pPr marL="0" marR="0" algn="ctr">
-                        <a:lnSpc>
-                          <a:spcPct val="150000"/>
-                        </a:lnSpc>
-                        <a:spcBef>
-                          <a:spcPts val="0"/>
-                        </a:spcBef>
-                        <a:spcAft>
-                          <a:spcPts val="0"/>
-                        </a:spcAft>
-                        <a:tabLst>
-                          <a:tab pos="571500" algn="l"/>
-                          <a:tab pos="6343650" algn="l"/>
-                        </a:tabLst>
-                      </a:pPr>
-                      <a:r>
-                        <a:rPr lang="en-US" sz="1200" u="none" strike="noStrike" dirty="0">
-                          <a:effectLst/>
-                        </a:rPr>
-                        <a:t> </a:t>
-                      </a:r>
-                      <a:endParaRPr lang="en-US" sz="1100" dirty="0">
-                        <a:effectLst/>
-                        <a:latin typeface="Calibri" panose="020F0502020204030204" pitchFamily="34" charset="0"/>
-                        <a:ea typeface="Calibri" panose="020F0502020204030204" pitchFamily="34" charset="0"/>
-                        <a:cs typeface="Times New Roman" panose="02020603050405020304" pitchFamily="18" charset="0"/>
-                      </a:endParaRPr>
-                    </a:p>
-                  </a:txBody>
-                  <a:tcPr marL="68580" marR="68580" marT="0" marB="0"/>
-                </a:tc>
-                <a:tc hMerge="1">
-                  <a:txBody>
-                    <a:bodyPr/>
-                    <a:lstStyle/>
-                    <a:p>
-                      <a:endParaRPr lang="en-US"/>
-                    </a:p>
-                  </a:txBody>
-                  <a:tcPr/>
-                </a:tc>
-                <a:tc hMerge="1">
-                  <a:txBody>
-                    <a:bodyPr/>
-                    <a:lstStyle/>
-                    <a:p>
-                      <a:endParaRPr lang="en-US"/>
-                    </a:p>
-                  </a:txBody>
-                  <a:tcPr/>
-                </a:tc>
-                <a:tc gridSpan="2">
-                  <a:txBody>
-                    <a:bodyPr/>
-                    <a:lstStyle/>
-                    <a:p>
-                      <a:pPr marL="0" marR="0" algn="ctr">
-                        <a:lnSpc>
-                          <a:spcPct val="150000"/>
-                        </a:lnSpc>
-                        <a:spcBef>
-                          <a:spcPts val="0"/>
-                        </a:spcBef>
-                        <a:spcAft>
-                          <a:spcPts val="0"/>
-                        </a:spcAft>
-                        <a:tabLst>
-                          <a:tab pos="571500" algn="l"/>
-                          <a:tab pos="6343650" algn="l"/>
-                        </a:tabLst>
-                      </a:pPr>
-                      <a:r>
-                        <a:rPr lang="en-US" sz="1200" u="none" strike="noStrike">
-                          <a:effectLst/>
-                        </a:rPr>
-                        <a:t> </a:t>
-                      </a:r>
-                      <a:endParaRPr lang="en-US" sz="1100">
-                        <a:effectLst/>
-                        <a:latin typeface="Calibri" panose="020F0502020204030204" pitchFamily="34" charset="0"/>
-                        <a:ea typeface="Calibri" panose="020F0502020204030204" pitchFamily="34" charset="0"/>
-                        <a:cs typeface="Times New Roman" panose="02020603050405020304" pitchFamily="18" charset="0"/>
-                      </a:endParaRPr>
-                    </a:p>
-                  </a:txBody>
-                  <a:tcPr marL="68580" marR="68580" marT="0" marB="0"/>
-                </a:tc>
-                <a:tc hMerge="1">
-                  <a:txBody>
-                    <a:bodyPr/>
-                    <a:lstStyle/>
-                    <a:p>
-                      <a:endParaRPr lang="en-US"/>
-                    </a:p>
-                  </a:txBody>
-                  <a:tcPr/>
-                </a:tc>
-                <a:tc>
-                  <a:txBody>
-                    <a:bodyPr/>
-                    <a:lstStyle/>
-                    <a:p>
-                      <a:pPr marL="0" marR="0" algn="ctr">
-                        <a:lnSpc>
-                          <a:spcPct val="150000"/>
-                        </a:lnSpc>
-                        <a:spcBef>
-                          <a:spcPts val="0"/>
-                        </a:spcBef>
-                        <a:spcAft>
-                          <a:spcPts val="0"/>
-                        </a:spcAft>
-                        <a:tabLst>
-                          <a:tab pos="571500" algn="l"/>
-                          <a:tab pos="6343650" algn="l"/>
-                        </a:tabLst>
-                      </a:pPr>
-                      <a:r>
-                        <a:rPr lang="en-US" sz="1200" u="none" strike="noStrike">
-                          <a:effectLst/>
-                        </a:rPr>
-                        <a:t> </a:t>
-                      </a:r>
-                      <a:endParaRPr lang="en-US" sz="1100">
-                        <a:effectLst/>
-                        <a:latin typeface="Calibri" panose="020F0502020204030204" pitchFamily="34" charset="0"/>
-                        <a:ea typeface="Calibri" panose="020F0502020204030204" pitchFamily="34" charset="0"/>
-                        <a:cs typeface="Times New Roman" panose="02020603050405020304" pitchFamily="18" charset="0"/>
-                      </a:endParaRPr>
-                    </a:p>
-                  </a:txBody>
-                  <a:tcPr marL="68580" marR="68580" marT="0" marB="0"/>
-                </a:tc>
-                <a:tc>
-                  <a:txBody>
-                    <a:bodyPr/>
-                    <a:lstStyle/>
-                    <a:p>
-                      <a:pPr marL="0" marR="0" algn="ctr">
-                        <a:lnSpc>
-                          <a:spcPct val="150000"/>
-                        </a:lnSpc>
-                        <a:spcBef>
-                          <a:spcPts val="0"/>
-                        </a:spcBef>
-                        <a:spcAft>
-                          <a:spcPts val="0"/>
-                        </a:spcAft>
-                        <a:tabLst>
-                          <a:tab pos="571500" algn="l"/>
-                          <a:tab pos="6343650" algn="l"/>
-                        </a:tabLst>
-                      </a:pPr>
-                      <a:r>
-                        <a:rPr lang="en-US" sz="1200" u="none" strike="noStrike">
-                          <a:effectLst/>
-                        </a:rPr>
-                        <a:t> </a:t>
-                      </a:r>
-                      <a:endParaRPr lang="en-US" sz="1100">
-                        <a:effectLst/>
-                        <a:latin typeface="Calibri" panose="020F0502020204030204" pitchFamily="34" charset="0"/>
-                        <a:ea typeface="Calibri" panose="020F0502020204030204" pitchFamily="34" charset="0"/>
-                        <a:cs typeface="Times New Roman" panose="02020603050405020304" pitchFamily="18" charset="0"/>
-                      </a:endParaRPr>
-                    </a:p>
-                  </a:txBody>
-                  <a:tcPr marL="68580" marR="68580" marT="0" marB="0"/>
-                </a:tc>
-                <a:extLst>
-                  <a:ext uri="{0D108BD9-81ED-4DB2-BD59-A6C34878D82A}">
-                    <a16:rowId xmlns:a16="http://schemas.microsoft.com/office/drawing/2014/main" val="3763507342"/>
-                  </a:ext>
-                </a:extLst>
-              </a:tr>
-              <a:tr h="238125">
-                <a:tc>
-                  <a:txBody>
-                    <a:bodyPr/>
-                    <a:lstStyle/>
-                    <a:p>
-                      <a:pPr marL="0" marR="0" algn="ctr">
-                        <a:lnSpc>
-                          <a:spcPct val="150000"/>
-                        </a:lnSpc>
-                        <a:spcBef>
-                          <a:spcPts val="0"/>
-                        </a:spcBef>
-                        <a:spcAft>
-                          <a:spcPts val="0"/>
-                        </a:spcAft>
-                        <a:tabLst>
-                          <a:tab pos="571500" algn="l"/>
-                          <a:tab pos="6343650" algn="l"/>
-                        </a:tabLst>
-                      </a:pPr>
-                      <a:r>
-                        <a:rPr lang="en-US" sz="1200">
-                          <a:effectLst/>
-                        </a:rPr>
-                        <a:t>Design</a:t>
-                      </a:r>
-                      <a:endParaRPr lang="en-US" sz="1100">
-                        <a:effectLst/>
-                        <a:latin typeface="Calibri" panose="020F0502020204030204" pitchFamily="34" charset="0"/>
-                        <a:ea typeface="Calibri" panose="020F0502020204030204" pitchFamily="34" charset="0"/>
-                        <a:cs typeface="Times New Roman" panose="02020603050405020304" pitchFamily="18" charset="0"/>
-                      </a:endParaRPr>
-                    </a:p>
-                  </a:txBody>
-                  <a:tcPr marL="68580" marR="68580" marT="0" marB="0"/>
-                </a:tc>
-                <a:tc>
-                  <a:txBody>
-                    <a:bodyPr/>
-                    <a:lstStyle/>
-                    <a:p>
-                      <a:pPr marL="0" marR="0" algn="ctr">
-                        <a:lnSpc>
-                          <a:spcPct val="150000"/>
-                        </a:lnSpc>
-                        <a:spcBef>
-                          <a:spcPts val="0"/>
-                        </a:spcBef>
-                        <a:spcAft>
-                          <a:spcPts val="0"/>
-                        </a:spcAft>
-                        <a:tabLst>
-                          <a:tab pos="571500" algn="l"/>
-                          <a:tab pos="6343650" algn="l"/>
-                        </a:tabLst>
-                      </a:pPr>
-                      <a:r>
-                        <a:rPr lang="en-US" sz="1200" u="none" strike="noStrike">
-                          <a:effectLst/>
-                        </a:rPr>
-                        <a:t> </a:t>
-                      </a:r>
-                      <a:endParaRPr lang="en-US" sz="1100">
-                        <a:effectLst/>
-                        <a:latin typeface="Calibri" panose="020F0502020204030204" pitchFamily="34" charset="0"/>
-                        <a:ea typeface="Calibri" panose="020F0502020204030204" pitchFamily="34" charset="0"/>
-                        <a:cs typeface="Times New Roman" panose="02020603050405020304" pitchFamily="18" charset="0"/>
-                      </a:endParaRPr>
-                    </a:p>
-                  </a:txBody>
-                  <a:tcPr marL="68580" marR="68580" marT="0" marB="0"/>
-                </a:tc>
-                <a:tc>
-                  <a:txBody>
-                    <a:bodyPr/>
-                    <a:lstStyle/>
-                    <a:p>
-                      <a:pPr marL="0" marR="0" algn="ctr">
-                        <a:lnSpc>
-                          <a:spcPct val="150000"/>
-                        </a:lnSpc>
-                        <a:spcBef>
-                          <a:spcPts val="0"/>
-                        </a:spcBef>
-                        <a:spcAft>
-                          <a:spcPts val="0"/>
-                        </a:spcAft>
-                        <a:tabLst>
-                          <a:tab pos="571500" algn="l"/>
-                          <a:tab pos="6343650" algn="l"/>
-                        </a:tabLst>
-                      </a:pPr>
-                      <a:r>
-                        <a:rPr lang="en-US" sz="1200" u="none" strike="noStrike">
-                          <a:effectLst/>
-                        </a:rPr>
-                        <a:t> </a:t>
-                      </a:r>
-                      <a:endParaRPr lang="en-US" sz="1100">
-                        <a:effectLst/>
-                        <a:latin typeface="Calibri" panose="020F0502020204030204" pitchFamily="34" charset="0"/>
-                        <a:ea typeface="Calibri" panose="020F0502020204030204" pitchFamily="34" charset="0"/>
-                        <a:cs typeface="Times New Roman" panose="02020603050405020304" pitchFamily="18" charset="0"/>
-                      </a:endParaRPr>
-                    </a:p>
-                  </a:txBody>
-                  <a:tcPr marL="68580" marR="68580" marT="0" marB="0"/>
-                </a:tc>
-                <a:tc>
-                  <a:txBody>
-                    <a:bodyPr/>
-                    <a:lstStyle/>
-                    <a:p>
-                      <a:pPr marL="0" marR="0" algn="ctr">
-                        <a:lnSpc>
-                          <a:spcPct val="150000"/>
-                        </a:lnSpc>
-                        <a:spcBef>
-                          <a:spcPts val="0"/>
-                        </a:spcBef>
-                        <a:spcAft>
-                          <a:spcPts val="0"/>
-                        </a:spcAft>
-                        <a:tabLst>
-                          <a:tab pos="571500" algn="l"/>
-                          <a:tab pos="6343650" algn="l"/>
-                        </a:tabLst>
-                      </a:pPr>
-                      <a:r>
-                        <a:rPr lang="en-US" sz="1200" u="none" strike="noStrike">
-                          <a:effectLst/>
-                        </a:rPr>
-                        <a:t> </a:t>
-                      </a:r>
-                      <a:endParaRPr lang="en-US" sz="1100">
-                        <a:effectLst/>
-                        <a:latin typeface="Calibri" panose="020F0502020204030204" pitchFamily="34" charset="0"/>
-                        <a:ea typeface="Calibri" panose="020F0502020204030204" pitchFamily="34" charset="0"/>
-                        <a:cs typeface="Times New Roman" panose="02020603050405020304" pitchFamily="18" charset="0"/>
-                      </a:endParaRPr>
-                    </a:p>
-                  </a:txBody>
-                  <a:tcPr marL="68580" marR="68580" marT="0" marB="0"/>
-                </a:tc>
-                <a:tc>
-                  <a:txBody>
-                    <a:bodyPr/>
-                    <a:lstStyle/>
-                    <a:p>
-                      <a:pPr marL="0" marR="0" algn="ctr">
-                        <a:lnSpc>
-                          <a:spcPct val="150000"/>
-                        </a:lnSpc>
-                        <a:spcBef>
-                          <a:spcPts val="0"/>
-                        </a:spcBef>
-                        <a:spcAft>
-                          <a:spcPts val="0"/>
-                        </a:spcAft>
-                        <a:tabLst>
-                          <a:tab pos="571500" algn="l"/>
-                          <a:tab pos="6343650" algn="l"/>
-                        </a:tabLst>
-                      </a:pPr>
-                      <a:r>
-                        <a:rPr lang="en-US" sz="1200" u="none" strike="noStrike" dirty="0">
-                          <a:effectLst/>
-                        </a:rPr>
-                        <a:t> </a:t>
-                      </a:r>
-                      <a:endParaRPr lang="en-US" sz="1100" dirty="0">
-                        <a:effectLst/>
-                        <a:latin typeface="Calibri" panose="020F0502020204030204" pitchFamily="34" charset="0"/>
-                        <a:ea typeface="Calibri" panose="020F0502020204030204" pitchFamily="34" charset="0"/>
-                        <a:cs typeface="Times New Roman" panose="02020603050405020304" pitchFamily="18" charset="0"/>
-                      </a:endParaRPr>
-                    </a:p>
-                  </a:txBody>
-                  <a:tcPr marL="68580" marR="68580" marT="0" marB="0"/>
-                </a:tc>
-                <a:tc>
-                  <a:txBody>
-                    <a:bodyPr/>
-                    <a:lstStyle/>
-                    <a:p>
-                      <a:pPr marL="0" marR="0" algn="ctr">
-                        <a:lnSpc>
-                          <a:spcPct val="150000"/>
-                        </a:lnSpc>
-                        <a:spcBef>
-                          <a:spcPts val="0"/>
-                        </a:spcBef>
-                        <a:spcAft>
-                          <a:spcPts val="0"/>
-                        </a:spcAft>
-                        <a:tabLst>
-                          <a:tab pos="571500" algn="l"/>
-                          <a:tab pos="6343650" algn="l"/>
-                        </a:tabLst>
-                      </a:pPr>
-                      <a:r>
-                        <a:rPr lang="en-US" sz="1200" u="none" strike="noStrike" dirty="0">
-                          <a:effectLst/>
-                        </a:rPr>
-                        <a:t> </a:t>
-                      </a:r>
-                      <a:endParaRPr lang="en-US" sz="1100" dirty="0">
-                        <a:effectLst/>
-                        <a:latin typeface="Calibri" panose="020F0502020204030204" pitchFamily="34" charset="0"/>
-                        <a:ea typeface="Calibri" panose="020F0502020204030204" pitchFamily="34" charset="0"/>
-                        <a:cs typeface="Times New Roman" panose="02020603050405020304" pitchFamily="18" charset="0"/>
-                      </a:endParaRPr>
-                    </a:p>
-                  </a:txBody>
-                  <a:tcPr marL="68580" marR="68580" marT="0" marB="0"/>
-                </a:tc>
-                <a:tc>
-                  <a:txBody>
-                    <a:bodyPr/>
-                    <a:lstStyle/>
-                    <a:p>
-                      <a:pPr marL="0" marR="0" algn="ctr">
-                        <a:lnSpc>
-                          <a:spcPct val="150000"/>
-                        </a:lnSpc>
-                        <a:spcBef>
-                          <a:spcPts val="0"/>
-                        </a:spcBef>
-                        <a:spcAft>
-                          <a:spcPts val="0"/>
-                        </a:spcAft>
-                        <a:tabLst>
-                          <a:tab pos="571500" algn="l"/>
-                          <a:tab pos="6343650" algn="l"/>
-                        </a:tabLst>
-                      </a:pPr>
-                      <a:r>
-                        <a:rPr lang="en-US" sz="1200" u="none" strike="noStrike" dirty="0">
-                          <a:effectLst/>
-                        </a:rPr>
-                        <a:t> </a:t>
-                      </a:r>
-                      <a:endParaRPr lang="en-US" sz="1100" dirty="0">
-                        <a:effectLst/>
-                        <a:latin typeface="Calibri" panose="020F0502020204030204" pitchFamily="34" charset="0"/>
-                        <a:ea typeface="Calibri" panose="020F0502020204030204" pitchFamily="34" charset="0"/>
-                        <a:cs typeface="Times New Roman" panose="02020603050405020304" pitchFamily="18" charset="0"/>
-                      </a:endParaRPr>
-                    </a:p>
-                  </a:txBody>
-                  <a:tcPr marL="68580" marR="68580" marT="0" marB="0"/>
-                </a:tc>
-                <a:tc gridSpan="3">
-                  <a:txBody>
-                    <a:bodyPr/>
-                    <a:lstStyle/>
-                    <a:p>
-                      <a:pPr marL="0" marR="0" algn="ctr">
-                        <a:lnSpc>
-                          <a:spcPct val="150000"/>
-                        </a:lnSpc>
-                        <a:spcBef>
-                          <a:spcPts val="0"/>
-                        </a:spcBef>
-                        <a:spcAft>
-                          <a:spcPts val="0"/>
-                        </a:spcAft>
-                        <a:tabLst>
-                          <a:tab pos="571500" algn="l"/>
-                          <a:tab pos="6343650" algn="l"/>
-                        </a:tabLst>
-                      </a:pPr>
-                      <a:r>
-                        <a:rPr lang="en-US" sz="1200" u="none" strike="noStrike" dirty="0">
-                          <a:effectLst/>
-                        </a:rPr>
-                        <a:t> </a:t>
-                      </a:r>
-                      <a:endParaRPr lang="en-US" sz="1100" dirty="0">
-                        <a:effectLst/>
-                        <a:latin typeface="Calibri" panose="020F0502020204030204" pitchFamily="34" charset="0"/>
-                        <a:ea typeface="Calibri" panose="020F0502020204030204" pitchFamily="34" charset="0"/>
-                        <a:cs typeface="Times New Roman" panose="02020603050405020304" pitchFamily="18" charset="0"/>
-                      </a:endParaRPr>
-                    </a:p>
-                  </a:txBody>
-                  <a:tcPr marL="68580" marR="68580" marT="0" marB="0"/>
-                </a:tc>
-                <a:tc hMerge="1">
-                  <a:txBody>
-                    <a:bodyPr/>
-                    <a:lstStyle/>
-                    <a:p>
-                      <a:endParaRPr lang="en-US"/>
-                    </a:p>
-                  </a:txBody>
-                  <a:tcPr/>
-                </a:tc>
-                <a:tc hMerge="1">
-                  <a:txBody>
-                    <a:bodyPr/>
-                    <a:lstStyle/>
-                    <a:p>
-                      <a:endParaRPr lang="en-US"/>
-                    </a:p>
-                  </a:txBody>
-                  <a:tcPr/>
-                </a:tc>
-                <a:tc gridSpan="2">
-                  <a:txBody>
-                    <a:bodyPr/>
-                    <a:lstStyle/>
-                    <a:p>
-                      <a:pPr marL="0" marR="0" algn="ctr">
-                        <a:lnSpc>
-                          <a:spcPct val="150000"/>
-                        </a:lnSpc>
-                        <a:spcBef>
-                          <a:spcPts val="0"/>
-                        </a:spcBef>
-                        <a:spcAft>
-                          <a:spcPts val="0"/>
-                        </a:spcAft>
-                        <a:tabLst>
-                          <a:tab pos="571500" algn="l"/>
-                          <a:tab pos="6343650" algn="l"/>
-                        </a:tabLst>
-                      </a:pPr>
-                      <a:r>
-                        <a:rPr lang="en-US" sz="1200" u="none" strike="noStrike">
-                          <a:effectLst/>
-                        </a:rPr>
-                        <a:t> </a:t>
-                      </a:r>
-                      <a:endParaRPr lang="en-US" sz="1100">
-                        <a:effectLst/>
-                        <a:latin typeface="Calibri" panose="020F0502020204030204" pitchFamily="34" charset="0"/>
-                        <a:ea typeface="Calibri" panose="020F0502020204030204" pitchFamily="34" charset="0"/>
-                        <a:cs typeface="Times New Roman" panose="02020603050405020304" pitchFamily="18" charset="0"/>
-                      </a:endParaRPr>
-                    </a:p>
-                  </a:txBody>
-                  <a:tcPr marL="68580" marR="68580" marT="0" marB="0"/>
-                </a:tc>
-                <a:tc hMerge="1">
-                  <a:txBody>
-                    <a:bodyPr/>
-                    <a:lstStyle/>
-                    <a:p>
-                      <a:endParaRPr lang="en-US"/>
-                    </a:p>
-                  </a:txBody>
-                  <a:tcPr/>
-                </a:tc>
-                <a:tc>
-                  <a:txBody>
-                    <a:bodyPr/>
-                    <a:lstStyle/>
-                    <a:p>
-                      <a:pPr marL="0" marR="0" algn="ctr">
-                        <a:lnSpc>
-                          <a:spcPct val="150000"/>
-                        </a:lnSpc>
-                        <a:spcBef>
-                          <a:spcPts val="0"/>
-                        </a:spcBef>
-                        <a:spcAft>
-                          <a:spcPts val="0"/>
-                        </a:spcAft>
-                        <a:tabLst>
-                          <a:tab pos="571500" algn="l"/>
-                          <a:tab pos="6343650" algn="l"/>
-                        </a:tabLst>
-                      </a:pPr>
-                      <a:r>
-                        <a:rPr lang="en-US" sz="1200" u="none" strike="noStrike">
-                          <a:effectLst/>
-                        </a:rPr>
-                        <a:t> </a:t>
-                      </a:r>
-                      <a:endParaRPr lang="en-US" sz="1100">
-                        <a:effectLst/>
-                        <a:latin typeface="Calibri" panose="020F0502020204030204" pitchFamily="34" charset="0"/>
-                        <a:ea typeface="Calibri" panose="020F0502020204030204" pitchFamily="34" charset="0"/>
-                        <a:cs typeface="Times New Roman" panose="02020603050405020304" pitchFamily="18" charset="0"/>
-                      </a:endParaRPr>
-                    </a:p>
-                  </a:txBody>
-                  <a:tcPr marL="68580" marR="68580" marT="0" marB="0"/>
-                </a:tc>
-                <a:tc>
-                  <a:txBody>
-                    <a:bodyPr/>
-                    <a:lstStyle/>
-                    <a:p>
-                      <a:pPr marL="0" marR="0" algn="ctr">
-                        <a:lnSpc>
-                          <a:spcPct val="150000"/>
-                        </a:lnSpc>
-                        <a:spcBef>
-                          <a:spcPts val="0"/>
-                        </a:spcBef>
-                        <a:spcAft>
-                          <a:spcPts val="0"/>
-                        </a:spcAft>
-                        <a:tabLst>
-                          <a:tab pos="571500" algn="l"/>
-                          <a:tab pos="6343650" algn="l"/>
-                        </a:tabLst>
-                      </a:pPr>
-                      <a:r>
-                        <a:rPr lang="en-US" sz="1200" u="none" strike="noStrike">
-                          <a:effectLst/>
-                        </a:rPr>
-                        <a:t> </a:t>
-                      </a:r>
-                      <a:endParaRPr lang="en-US" sz="1100">
-                        <a:effectLst/>
-                        <a:latin typeface="Calibri" panose="020F0502020204030204" pitchFamily="34" charset="0"/>
-                        <a:ea typeface="Calibri" panose="020F0502020204030204" pitchFamily="34" charset="0"/>
-                        <a:cs typeface="Times New Roman" panose="02020603050405020304" pitchFamily="18" charset="0"/>
-                      </a:endParaRPr>
-                    </a:p>
-                  </a:txBody>
-                  <a:tcPr marL="68580" marR="68580" marT="0" marB="0"/>
-                </a:tc>
-                <a:extLst>
-                  <a:ext uri="{0D108BD9-81ED-4DB2-BD59-A6C34878D82A}">
-                    <a16:rowId xmlns:a16="http://schemas.microsoft.com/office/drawing/2014/main" val="1850262460"/>
-                  </a:ext>
-                </a:extLst>
-              </a:tr>
-              <a:tr h="252730">
-                <a:tc>
-                  <a:txBody>
-                    <a:bodyPr/>
-                    <a:lstStyle/>
-                    <a:p>
-                      <a:pPr marL="0" marR="0" algn="ctr">
-                        <a:lnSpc>
-                          <a:spcPct val="150000"/>
-                        </a:lnSpc>
-                        <a:spcBef>
-                          <a:spcPts val="0"/>
-                        </a:spcBef>
-                        <a:spcAft>
-                          <a:spcPts val="0"/>
-                        </a:spcAft>
-                        <a:tabLst>
-                          <a:tab pos="571500" algn="l"/>
-                          <a:tab pos="6343650" algn="l"/>
-                        </a:tabLst>
-                      </a:pPr>
-                      <a:r>
-                        <a:rPr lang="en-US" sz="1200">
-                          <a:effectLst/>
-                        </a:rPr>
-                        <a:t>Coding</a:t>
-                      </a:r>
-                      <a:endParaRPr lang="en-US" sz="1100">
-                        <a:effectLst/>
-                        <a:latin typeface="Calibri" panose="020F0502020204030204" pitchFamily="34" charset="0"/>
-                        <a:ea typeface="Calibri" panose="020F0502020204030204" pitchFamily="34" charset="0"/>
-                        <a:cs typeface="Times New Roman" panose="02020603050405020304" pitchFamily="18" charset="0"/>
-                      </a:endParaRPr>
-                    </a:p>
-                  </a:txBody>
-                  <a:tcPr marL="68580" marR="68580" marT="0" marB="0"/>
-                </a:tc>
-                <a:tc>
-                  <a:txBody>
-                    <a:bodyPr/>
-                    <a:lstStyle/>
-                    <a:p>
-                      <a:pPr marL="0" marR="0" algn="ctr">
-                        <a:lnSpc>
-                          <a:spcPct val="150000"/>
-                        </a:lnSpc>
-                        <a:spcBef>
-                          <a:spcPts val="0"/>
-                        </a:spcBef>
-                        <a:spcAft>
-                          <a:spcPts val="0"/>
-                        </a:spcAft>
-                        <a:tabLst>
-                          <a:tab pos="571500" algn="l"/>
-                          <a:tab pos="6343650" algn="l"/>
-                        </a:tabLst>
-                      </a:pPr>
-                      <a:r>
-                        <a:rPr lang="en-US" sz="1200" u="none" strike="noStrike">
-                          <a:effectLst/>
-                        </a:rPr>
-                        <a:t> </a:t>
-                      </a:r>
-                      <a:endParaRPr lang="en-US" sz="1100">
-                        <a:effectLst/>
-                        <a:latin typeface="Calibri" panose="020F0502020204030204" pitchFamily="34" charset="0"/>
-                        <a:ea typeface="Calibri" panose="020F0502020204030204" pitchFamily="34" charset="0"/>
-                        <a:cs typeface="Times New Roman" panose="02020603050405020304" pitchFamily="18" charset="0"/>
-                      </a:endParaRPr>
-                    </a:p>
-                  </a:txBody>
-                  <a:tcPr marL="68580" marR="68580" marT="0" marB="0"/>
-                </a:tc>
-                <a:tc gridSpan="3">
-                  <a:txBody>
-                    <a:bodyPr/>
-                    <a:lstStyle/>
-                    <a:p>
-                      <a:pPr marL="0" marR="0" algn="ctr">
-                        <a:lnSpc>
-                          <a:spcPct val="150000"/>
-                        </a:lnSpc>
-                        <a:spcBef>
-                          <a:spcPts val="0"/>
-                        </a:spcBef>
-                        <a:spcAft>
-                          <a:spcPts val="0"/>
-                        </a:spcAft>
-                        <a:tabLst>
-                          <a:tab pos="571500" algn="l"/>
-                          <a:tab pos="6343650" algn="l"/>
-                        </a:tabLst>
-                      </a:pPr>
-                      <a:r>
-                        <a:rPr lang="en-US" sz="1200" u="none" strike="noStrike" dirty="0">
-                          <a:effectLst/>
-                        </a:rPr>
-                        <a:t> </a:t>
-                      </a:r>
-                      <a:endParaRPr lang="en-US" sz="1100" dirty="0">
-                        <a:effectLst/>
-                        <a:latin typeface="Calibri" panose="020F0502020204030204" pitchFamily="34" charset="0"/>
-                        <a:ea typeface="Calibri" panose="020F0502020204030204" pitchFamily="34" charset="0"/>
-                        <a:cs typeface="Times New Roman" panose="02020603050405020304" pitchFamily="18" charset="0"/>
-                      </a:endParaRPr>
-                    </a:p>
-                  </a:txBody>
-                  <a:tcPr marL="68580" marR="68580" marT="0" marB="0"/>
-                </a:tc>
-                <a:tc hMerge="1">
-                  <a:txBody>
-                    <a:bodyPr/>
-                    <a:lstStyle/>
-                    <a:p>
-                      <a:endParaRPr lang="en-US"/>
-                    </a:p>
-                  </a:txBody>
-                  <a:tcPr/>
-                </a:tc>
-                <a:tc hMerge="1">
-                  <a:txBody>
-                    <a:bodyPr/>
-                    <a:lstStyle/>
-                    <a:p>
-                      <a:endParaRPr lang="en-US"/>
-                    </a:p>
-                  </a:txBody>
-                  <a:tcPr/>
-                </a:tc>
-                <a:tc>
-                  <a:txBody>
-                    <a:bodyPr/>
-                    <a:lstStyle/>
-                    <a:p>
-                      <a:pPr marL="0" marR="0" algn="ctr">
-                        <a:lnSpc>
-                          <a:spcPct val="150000"/>
-                        </a:lnSpc>
-                        <a:spcBef>
-                          <a:spcPts val="0"/>
-                        </a:spcBef>
-                        <a:spcAft>
-                          <a:spcPts val="0"/>
-                        </a:spcAft>
-                        <a:tabLst>
-                          <a:tab pos="571500" algn="l"/>
-                          <a:tab pos="6343650" algn="l"/>
-                        </a:tabLst>
-                      </a:pPr>
-                      <a:r>
-                        <a:rPr lang="en-US" sz="1200" u="none" strike="noStrike" dirty="0">
-                          <a:effectLst/>
-                        </a:rPr>
-                        <a:t> </a:t>
-                      </a:r>
-                      <a:endParaRPr lang="en-US" sz="1100" dirty="0">
-                        <a:effectLst/>
-                        <a:latin typeface="Calibri" panose="020F0502020204030204" pitchFamily="34" charset="0"/>
-                        <a:ea typeface="Calibri" panose="020F0502020204030204" pitchFamily="34" charset="0"/>
-                        <a:cs typeface="Times New Roman" panose="02020603050405020304" pitchFamily="18" charset="0"/>
-                      </a:endParaRPr>
-                    </a:p>
-                  </a:txBody>
-                  <a:tcPr marL="68580" marR="68580" marT="0" marB="0"/>
-                </a:tc>
-                <a:tc>
-                  <a:txBody>
-                    <a:bodyPr/>
-                    <a:lstStyle/>
-                    <a:p>
-                      <a:pPr marL="0" marR="0" algn="ctr">
-                        <a:lnSpc>
-                          <a:spcPct val="150000"/>
-                        </a:lnSpc>
-                        <a:spcBef>
-                          <a:spcPts val="0"/>
-                        </a:spcBef>
-                        <a:spcAft>
-                          <a:spcPts val="0"/>
-                        </a:spcAft>
-                        <a:tabLst>
-                          <a:tab pos="571500" algn="l"/>
-                          <a:tab pos="6343650" algn="l"/>
-                        </a:tabLst>
-                      </a:pPr>
-                      <a:r>
-                        <a:rPr lang="en-US" sz="1200" u="none" strike="noStrike" dirty="0">
-                          <a:effectLst/>
-                        </a:rPr>
-                        <a:t> </a:t>
-                      </a:r>
-                      <a:endParaRPr lang="en-US" sz="1100" dirty="0">
-                        <a:effectLst/>
-                        <a:latin typeface="Calibri" panose="020F0502020204030204" pitchFamily="34" charset="0"/>
-                        <a:ea typeface="Calibri" panose="020F0502020204030204" pitchFamily="34" charset="0"/>
-                        <a:cs typeface="Times New Roman" panose="02020603050405020304" pitchFamily="18" charset="0"/>
-                      </a:endParaRPr>
-                    </a:p>
-                  </a:txBody>
-                  <a:tcPr marL="68580" marR="68580" marT="0" marB="0"/>
-                </a:tc>
-                <a:tc gridSpan="2">
-                  <a:txBody>
-                    <a:bodyPr/>
-                    <a:lstStyle/>
-                    <a:p>
-                      <a:pPr marL="0" marR="0" algn="ctr">
-                        <a:lnSpc>
-                          <a:spcPct val="150000"/>
-                        </a:lnSpc>
-                        <a:spcBef>
-                          <a:spcPts val="0"/>
-                        </a:spcBef>
-                        <a:spcAft>
-                          <a:spcPts val="0"/>
-                        </a:spcAft>
-                        <a:tabLst>
-                          <a:tab pos="571500" algn="l"/>
-                          <a:tab pos="6343650" algn="l"/>
-                        </a:tabLst>
-                      </a:pPr>
-                      <a:r>
-                        <a:rPr lang="en-US" sz="1200" u="none" strike="noStrike" dirty="0">
-                          <a:effectLst/>
-                        </a:rPr>
-                        <a:t> </a:t>
-                      </a:r>
-                      <a:endParaRPr lang="en-US" sz="1100" dirty="0">
-                        <a:effectLst/>
-                        <a:latin typeface="Calibri" panose="020F0502020204030204" pitchFamily="34" charset="0"/>
-                        <a:ea typeface="Calibri" panose="020F0502020204030204" pitchFamily="34" charset="0"/>
-                        <a:cs typeface="Times New Roman" panose="02020603050405020304" pitchFamily="18" charset="0"/>
-                      </a:endParaRPr>
-                    </a:p>
-                  </a:txBody>
-                  <a:tcPr marL="68580" marR="68580" marT="0" marB="0"/>
-                </a:tc>
-                <a:tc hMerge="1">
-                  <a:txBody>
-                    <a:bodyPr/>
-                    <a:lstStyle/>
-                    <a:p>
-                      <a:endParaRPr lang="en-US"/>
-                    </a:p>
-                  </a:txBody>
-                  <a:tcPr/>
-                </a:tc>
-                <a:tc>
-                  <a:txBody>
-                    <a:bodyPr/>
-                    <a:lstStyle/>
-                    <a:p>
-                      <a:pPr marL="0" marR="0">
-                        <a:lnSpc>
-                          <a:spcPct val="150000"/>
-                        </a:lnSpc>
-                        <a:spcBef>
-                          <a:spcPts val="0"/>
-                        </a:spcBef>
-                        <a:spcAft>
-                          <a:spcPts val="0"/>
-                        </a:spcAft>
-                        <a:tabLst>
-                          <a:tab pos="571500" algn="l"/>
-                          <a:tab pos="6343650" algn="l"/>
-                        </a:tabLst>
-                      </a:pPr>
-                      <a:r>
-                        <a:rPr lang="en-US" sz="1200" u="none" strike="noStrike">
-                          <a:effectLst/>
-                        </a:rPr>
-                        <a:t> </a:t>
-                      </a:r>
-                      <a:endParaRPr lang="en-US" sz="1100">
-                        <a:effectLst/>
-                        <a:latin typeface="Calibri" panose="020F0502020204030204" pitchFamily="34" charset="0"/>
-                        <a:ea typeface="Calibri" panose="020F0502020204030204" pitchFamily="34" charset="0"/>
-                        <a:cs typeface="Times New Roman" panose="02020603050405020304" pitchFamily="18" charset="0"/>
-                      </a:endParaRPr>
-                    </a:p>
-                  </a:txBody>
-                  <a:tcPr marL="68580" marR="68580" marT="0" marB="0"/>
-                </a:tc>
-                <a:tc gridSpan="2">
-                  <a:txBody>
-                    <a:bodyPr/>
-                    <a:lstStyle/>
-                    <a:p>
-                      <a:pPr marL="0" marR="0" algn="ctr">
-                        <a:lnSpc>
-                          <a:spcPct val="150000"/>
-                        </a:lnSpc>
-                        <a:spcBef>
-                          <a:spcPts val="0"/>
-                        </a:spcBef>
-                        <a:spcAft>
-                          <a:spcPts val="0"/>
-                        </a:spcAft>
-                        <a:tabLst>
-                          <a:tab pos="571500" algn="l"/>
-                          <a:tab pos="6343650" algn="l"/>
-                        </a:tabLst>
-                      </a:pPr>
-                      <a:r>
-                        <a:rPr lang="en-US" sz="1200" u="none" strike="noStrike">
-                          <a:effectLst/>
-                        </a:rPr>
-                        <a:t> </a:t>
-                      </a:r>
-                      <a:endParaRPr lang="en-US" sz="1100">
-                        <a:effectLst/>
-                        <a:latin typeface="Calibri" panose="020F0502020204030204" pitchFamily="34" charset="0"/>
-                        <a:ea typeface="Calibri" panose="020F0502020204030204" pitchFamily="34" charset="0"/>
-                        <a:cs typeface="Times New Roman" panose="02020603050405020304" pitchFamily="18" charset="0"/>
-                      </a:endParaRPr>
-                    </a:p>
-                  </a:txBody>
-                  <a:tcPr marL="68580" marR="68580" marT="0" marB="0"/>
-                </a:tc>
-                <a:tc hMerge="1">
-                  <a:txBody>
-                    <a:bodyPr/>
-                    <a:lstStyle/>
-                    <a:p>
-                      <a:endParaRPr lang="en-US"/>
-                    </a:p>
-                  </a:txBody>
-                  <a:tcPr/>
-                </a:tc>
-                <a:tc>
-                  <a:txBody>
-                    <a:bodyPr/>
-                    <a:lstStyle/>
-                    <a:p>
-                      <a:pPr marL="0" marR="0" algn="ctr">
-                        <a:lnSpc>
-                          <a:spcPct val="150000"/>
-                        </a:lnSpc>
-                        <a:spcBef>
-                          <a:spcPts val="0"/>
-                        </a:spcBef>
-                        <a:spcAft>
-                          <a:spcPts val="0"/>
-                        </a:spcAft>
-                        <a:tabLst>
-                          <a:tab pos="571500" algn="l"/>
-                          <a:tab pos="6343650" algn="l"/>
-                        </a:tabLst>
-                      </a:pPr>
-                      <a:r>
-                        <a:rPr lang="en-US" sz="1200" u="none" strike="noStrike">
-                          <a:effectLst/>
-                        </a:rPr>
-                        <a:t> </a:t>
-                      </a:r>
-                      <a:endParaRPr lang="en-US" sz="1100">
-                        <a:effectLst/>
-                        <a:latin typeface="Calibri" panose="020F0502020204030204" pitchFamily="34" charset="0"/>
-                        <a:ea typeface="Calibri" panose="020F0502020204030204" pitchFamily="34" charset="0"/>
-                        <a:cs typeface="Times New Roman" panose="02020603050405020304" pitchFamily="18" charset="0"/>
-                      </a:endParaRPr>
-                    </a:p>
-                  </a:txBody>
-                  <a:tcPr marL="68580" marR="68580" marT="0" marB="0"/>
-                </a:tc>
-                <a:tc>
-                  <a:txBody>
-                    <a:bodyPr/>
-                    <a:lstStyle/>
-                    <a:p>
-                      <a:pPr marL="0" marR="0" algn="ctr">
-                        <a:lnSpc>
-                          <a:spcPct val="150000"/>
-                        </a:lnSpc>
-                        <a:spcBef>
-                          <a:spcPts val="0"/>
-                        </a:spcBef>
-                        <a:spcAft>
-                          <a:spcPts val="0"/>
-                        </a:spcAft>
-                        <a:tabLst>
-                          <a:tab pos="571500" algn="l"/>
-                          <a:tab pos="6343650" algn="l"/>
-                        </a:tabLst>
-                      </a:pPr>
-                      <a:r>
-                        <a:rPr lang="en-US" sz="1200" u="none" strike="noStrike">
-                          <a:effectLst/>
-                        </a:rPr>
-                        <a:t> </a:t>
-                      </a:r>
-                      <a:endParaRPr lang="en-US" sz="1100">
-                        <a:effectLst/>
-                        <a:latin typeface="Calibri" panose="020F0502020204030204" pitchFamily="34" charset="0"/>
-                        <a:ea typeface="Calibri" panose="020F0502020204030204" pitchFamily="34" charset="0"/>
-                        <a:cs typeface="Times New Roman" panose="02020603050405020304" pitchFamily="18" charset="0"/>
-                      </a:endParaRPr>
-                    </a:p>
-                  </a:txBody>
-                  <a:tcPr marL="68580" marR="68580" marT="0" marB="0"/>
-                </a:tc>
-                <a:extLst>
-                  <a:ext uri="{0D108BD9-81ED-4DB2-BD59-A6C34878D82A}">
-                    <a16:rowId xmlns:a16="http://schemas.microsoft.com/office/drawing/2014/main" val="2271168589"/>
-                  </a:ext>
-                </a:extLst>
-              </a:tr>
-              <a:tr h="252730">
-                <a:tc>
-                  <a:txBody>
-                    <a:bodyPr/>
-                    <a:lstStyle/>
-                    <a:p>
-                      <a:pPr marL="0" marR="0" algn="ctr">
-                        <a:lnSpc>
-                          <a:spcPct val="150000"/>
-                        </a:lnSpc>
-                        <a:spcBef>
-                          <a:spcPts val="0"/>
-                        </a:spcBef>
-                        <a:spcAft>
-                          <a:spcPts val="0"/>
-                        </a:spcAft>
-                        <a:tabLst>
-                          <a:tab pos="571500" algn="l"/>
-                          <a:tab pos="6343650" algn="l"/>
-                        </a:tabLst>
-                      </a:pPr>
-                      <a:r>
-                        <a:rPr lang="en-US" sz="1200">
-                          <a:effectLst/>
-                        </a:rPr>
-                        <a:t>Testing</a:t>
-                      </a:r>
-                      <a:endParaRPr lang="en-US" sz="1100">
-                        <a:effectLst/>
-                        <a:latin typeface="Calibri" panose="020F0502020204030204" pitchFamily="34" charset="0"/>
-                        <a:ea typeface="Calibri" panose="020F0502020204030204" pitchFamily="34" charset="0"/>
-                        <a:cs typeface="Times New Roman" panose="02020603050405020304" pitchFamily="18" charset="0"/>
-                      </a:endParaRPr>
-                    </a:p>
-                  </a:txBody>
-                  <a:tcPr marL="68580" marR="68580" marT="0" marB="0"/>
-                </a:tc>
-                <a:tc>
-                  <a:txBody>
-                    <a:bodyPr/>
-                    <a:lstStyle/>
-                    <a:p>
-                      <a:pPr marL="0" marR="0" algn="ctr">
-                        <a:lnSpc>
-                          <a:spcPct val="150000"/>
-                        </a:lnSpc>
-                        <a:spcBef>
-                          <a:spcPts val="0"/>
-                        </a:spcBef>
-                        <a:spcAft>
-                          <a:spcPts val="0"/>
-                        </a:spcAft>
-                        <a:tabLst>
-                          <a:tab pos="571500" algn="l"/>
-                          <a:tab pos="6343650" algn="l"/>
-                        </a:tabLst>
-                      </a:pPr>
-                      <a:r>
-                        <a:rPr lang="en-US" sz="1200" u="none" strike="noStrike">
-                          <a:effectLst/>
-                        </a:rPr>
-                        <a:t> </a:t>
-                      </a:r>
-                      <a:endParaRPr lang="en-US" sz="1100">
-                        <a:effectLst/>
-                        <a:latin typeface="Calibri" panose="020F0502020204030204" pitchFamily="34" charset="0"/>
-                        <a:ea typeface="Calibri" panose="020F0502020204030204" pitchFamily="34" charset="0"/>
-                        <a:cs typeface="Times New Roman" panose="02020603050405020304" pitchFamily="18" charset="0"/>
-                      </a:endParaRPr>
-                    </a:p>
-                  </a:txBody>
-                  <a:tcPr marL="68580" marR="68580" marT="0" marB="0"/>
-                </a:tc>
-                <a:tc gridSpan="3">
-                  <a:txBody>
-                    <a:bodyPr/>
-                    <a:lstStyle/>
-                    <a:p>
-                      <a:pPr marL="0" marR="0" algn="ctr">
-                        <a:lnSpc>
-                          <a:spcPct val="150000"/>
-                        </a:lnSpc>
-                        <a:spcBef>
-                          <a:spcPts val="0"/>
-                        </a:spcBef>
-                        <a:spcAft>
-                          <a:spcPts val="0"/>
-                        </a:spcAft>
-                        <a:tabLst>
-                          <a:tab pos="571500" algn="l"/>
-                          <a:tab pos="6343650" algn="l"/>
-                        </a:tabLst>
-                      </a:pPr>
-                      <a:r>
-                        <a:rPr lang="en-US" sz="1200" u="none" strike="noStrike" dirty="0">
-                          <a:effectLst/>
-                        </a:rPr>
-                        <a:t> </a:t>
-                      </a:r>
-                      <a:endParaRPr lang="en-US" sz="1100" dirty="0">
-                        <a:effectLst/>
-                        <a:latin typeface="Calibri" panose="020F0502020204030204" pitchFamily="34" charset="0"/>
-                        <a:ea typeface="Calibri" panose="020F0502020204030204" pitchFamily="34" charset="0"/>
-                        <a:cs typeface="Times New Roman" panose="02020603050405020304" pitchFamily="18" charset="0"/>
-                      </a:endParaRPr>
-                    </a:p>
-                  </a:txBody>
-                  <a:tcPr marL="68580" marR="68580" marT="0" marB="0"/>
-                </a:tc>
-                <a:tc hMerge="1">
-                  <a:txBody>
-                    <a:bodyPr/>
-                    <a:lstStyle/>
-                    <a:p>
-                      <a:endParaRPr lang="en-US"/>
-                    </a:p>
-                  </a:txBody>
-                  <a:tcPr/>
-                </a:tc>
-                <a:tc hMerge="1">
-                  <a:txBody>
-                    <a:bodyPr/>
-                    <a:lstStyle/>
-                    <a:p>
-                      <a:endParaRPr lang="en-US"/>
-                    </a:p>
-                  </a:txBody>
-                  <a:tcPr/>
-                </a:tc>
-                <a:tc>
-                  <a:txBody>
-                    <a:bodyPr/>
-                    <a:lstStyle/>
-                    <a:p>
-                      <a:pPr marL="0" marR="0" algn="ctr">
-                        <a:lnSpc>
-                          <a:spcPct val="150000"/>
-                        </a:lnSpc>
-                        <a:spcBef>
-                          <a:spcPts val="0"/>
-                        </a:spcBef>
-                        <a:spcAft>
-                          <a:spcPts val="0"/>
-                        </a:spcAft>
-                        <a:tabLst>
-                          <a:tab pos="571500" algn="l"/>
-                          <a:tab pos="6343650" algn="l"/>
-                        </a:tabLst>
-                      </a:pPr>
-                      <a:r>
-                        <a:rPr lang="en-US" sz="1200" u="none" strike="noStrike" dirty="0">
-                          <a:effectLst/>
-                        </a:rPr>
-                        <a:t> </a:t>
-                      </a:r>
-                      <a:endParaRPr lang="en-US" sz="1100" dirty="0">
-                        <a:effectLst/>
-                        <a:latin typeface="Calibri" panose="020F0502020204030204" pitchFamily="34" charset="0"/>
-                        <a:ea typeface="Calibri" panose="020F0502020204030204" pitchFamily="34" charset="0"/>
-                        <a:cs typeface="Times New Roman" panose="02020603050405020304" pitchFamily="18" charset="0"/>
-                      </a:endParaRPr>
-                    </a:p>
-                  </a:txBody>
-                  <a:tcPr marL="68580" marR="68580" marT="0" marB="0"/>
-                </a:tc>
-                <a:tc>
-                  <a:txBody>
-                    <a:bodyPr/>
-                    <a:lstStyle/>
-                    <a:p>
-                      <a:pPr marL="0" marR="0" algn="ctr">
-                        <a:lnSpc>
-                          <a:spcPct val="150000"/>
-                        </a:lnSpc>
-                        <a:spcBef>
-                          <a:spcPts val="0"/>
-                        </a:spcBef>
-                        <a:spcAft>
-                          <a:spcPts val="0"/>
-                        </a:spcAft>
-                        <a:tabLst>
-                          <a:tab pos="571500" algn="l"/>
-                          <a:tab pos="6343650" algn="l"/>
-                        </a:tabLst>
-                      </a:pPr>
-                      <a:r>
-                        <a:rPr lang="en-US" sz="1200" u="none" strike="noStrike" dirty="0">
-                          <a:effectLst/>
-                        </a:rPr>
-                        <a:t> </a:t>
-                      </a:r>
-                      <a:endParaRPr lang="en-US" sz="1100" dirty="0">
-                        <a:effectLst/>
-                        <a:latin typeface="Calibri" panose="020F0502020204030204" pitchFamily="34" charset="0"/>
-                        <a:ea typeface="Calibri" panose="020F0502020204030204" pitchFamily="34" charset="0"/>
-                        <a:cs typeface="Times New Roman" panose="02020603050405020304" pitchFamily="18" charset="0"/>
-                      </a:endParaRPr>
-                    </a:p>
-                  </a:txBody>
-                  <a:tcPr marL="68580" marR="68580" marT="0" marB="0"/>
-                </a:tc>
-                <a:tc gridSpan="2">
-                  <a:txBody>
-                    <a:bodyPr/>
-                    <a:lstStyle/>
-                    <a:p>
-                      <a:pPr marL="0" marR="0" algn="ctr">
-                        <a:lnSpc>
-                          <a:spcPct val="150000"/>
-                        </a:lnSpc>
-                        <a:spcBef>
-                          <a:spcPts val="0"/>
-                        </a:spcBef>
-                        <a:spcAft>
-                          <a:spcPts val="0"/>
-                        </a:spcAft>
-                        <a:tabLst>
-                          <a:tab pos="571500" algn="l"/>
-                          <a:tab pos="6343650" algn="l"/>
-                        </a:tabLst>
-                      </a:pPr>
-                      <a:r>
-                        <a:rPr lang="en-US" sz="1200" u="none" strike="noStrike" dirty="0">
-                          <a:effectLst/>
-                        </a:rPr>
-                        <a:t> </a:t>
-                      </a:r>
-                      <a:endParaRPr lang="en-US" sz="1100" dirty="0">
-                        <a:effectLst/>
-                        <a:latin typeface="Calibri" panose="020F0502020204030204" pitchFamily="34" charset="0"/>
-                        <a:ea typeface="Calibri" panose="020F0502020204030204" pitchFamily="34" charset="0"/>
-                        <a:cs typeface="Times New Roman" panose="02020603050405020304" pitchFamily="18" charset="0"/>
-                      </a:endParaRPr>
-                    </a:p>
-                  </a:txBody>
-                  <a:tcPr marL="68580" marR="68580" marT="0" marB="0"/>
-                </a:tc>
-                <a:tc hMerge="1">
-                  <a:txBody>
-                    <a:bodyPr/>
-                    <a:lstStyle/>
-                    <a:p>
-                      <a:endParaRPr lang="en-US"/>
-                    </a:p>
-                  </a:txBody>
-                  <a:tcPr/>
-                </a:tc>
-                <a:tc>
-                  <a:txBody>
-                    <a:bodyPr/>
-                    <a:lstStyle/>
-                    <a:p>
-                      <a:pPr marL="0" marR="0" algn="ctr">
-                        <a:lnSpc>
-                          <a:spcPct val="150000"/>
-                        </a:lnSpc>
-                        <a:spcBef>
-                          <a:spcPts val="0"/>
-                        </a:spcBef>
-                        <a:spcAft>
-                          <a:spcPts val="0"/>
-                        </a:spcAft>
-                        <a:tabLst>
-                          <a:tab pos="571500" algn="l"/>
-                          <a:tab pos="6343650" algn="l"/>
-                        </a:tabLst>
-                      </a:pPr>
-                      <a:r>
-                        <a:rPr lang="en-US" sz="1200" u="none" strike="noStrike">
-                          <a:effectLst/>
-                        </a:rPr>
-                        <a:t> </a:t>
-                      </a:r>
-                      <a:endParaRPr lang="en-US" sz="1100">
-                        <a:effectLst/>
-                        <a:latin typeface="Calibri" panose="020F0502020204030204" pitchFamily="34" charset="0"/>
-                        <a:ea typeface="Calibri" panose="020F0502020204030204" pitchFamily="34" charset="0"/>
-                        <a:cs typeface="Times New Roman" panose="02020603050405020304" pitchFamily="18" charset="0"/>
-                      </a:endParaRPr>
-                    </a:p>
-                  </a:txBody>
-                  <a:tcPr marL="68580" marR="68580" marT="0" marB="0"/>
-                </a:tc>
-                <a:tc>
-                  <a:txBody>
-                    <a:bodyPr/>
-                    <a:lstStyle/>
-                    <a:p>
-                      <a:pPr marL="0" marR="0" algn="ctr">
-                        <a:lnSpc>
-                          <a:spcPct val="150000"/>
-                        </a:lnSpc>
-                        <a:spcBef>
-                          <a:spcPts val="0"/>
-                        </a:spcBef>
-                        <a:spcAft>
-                          <a:spcPts val="0"/>
-                        </a:spcAft>
-                        <a:tabLst>
-                          <a:tab pos="571500" algn="l"/>
-                          <a:tab pos="6343650" algn="l"/>
-                        </a:tabLst>
-                      </a:pPr>
-                      <a:r>
-                        <a:rPr lang="en-US" sz="1200" u="none" strike="noStrike">
-                          <a:effectLst/>
-                        </a:rPr>
-                        <a:t> </a:t>
-                      </a:r>
-                      <a:endParaRPr lang="en-US" sz="1100">
-                        <a:effectLst/>
-                        <a:latin typeface="Calibri" panose="020F0502020204030204" pitchFamily="34" charset="0"/>
-                        <a:ea typeface="Calibri" panose="020F0502020204030204" pitchFamily="34" charset="0"/>
-                        <a:cs typeface="Times New Roman" panose="02020603050405020304" pitchFamily="18" charset="0"/>
-                      </a:endParaRPr>
-                    </a:p>
-                  </a:txBody>
-                  <a:tcPr marL="68580" marR="68580" marT="0" marB="0"/>
-                </a:tc>
-                <a:tc>
-                  <a:txBody>
-                    <a:bodyPr/>
-                    <a:lstStyle/>
-                    <a:p>
-                      <a:pPr marL="0" marR="0" algn="ctr">
-                        <a:lnSpc>
-                          <a:spcPct val="150000"/>
-                        </a:lnSpc>
-                        <a:spcBef>
-                          <a:spcPts val="0"/>
-                        </a:spcBef>
-                        <a:spcAft>
-                          <a:spcPts val="0"/>
-                        </a:spcAft>
-                        <a:tabLst>
-                          <a:tab pos="571500" algn="l"/>
-                          <a:tab pos="6343650" algn="l"/>
-                        </a:tabLst>
-                      </a:pPr>
-                      <a:r>
-                        <a:rPr lang="en-US" sz="1200" u="none" strike="noStrike">
-                          <a:effectLst/>
-                        </a:rPr>
-                        <a:t> </a:t>
-                      </a:r>
-                      <a:endParaRPr lang="en-US" sz="1100">
-                        <a:effectLst/>
-                        <a:latin typeface="Calibri" panose="020F0502020204030204" pitchFamily="34" charset="0"/>
-                        <a:ea typeface="Calibri" panose="020F0502020204030204" pitchFamily="34" charset="0"/>
-                        <a:cs typeface="Times New Roman" panose="02020603050405020304" pitchFamily="18" charset="0"/>
-                      </a:endParaRPr>
-                    </a:p>
-                  </a:txBody>
-                  <a:tcPr marL="68580" marR="68580" marT="0" marB="0"/>
-                </a:tc>
-                <a:tc>
-                  <a:txBody>
-                    <a:bodyPr/>
-                    <a:lstStyle/>
-                    <a:p>
-                      <a:pPr marL="0" marR="0" algn="ctr">
-                        <a:lnSpc>
-                          <a:spcPct val="150000"/>
-                        </a:lnSpc>
-                        <a:spcBef>
-                          <a:spcPts val="0"/>
-                        </a:spcBef>
-                        <a:spcAft>
-                          <a:spcPts val="0"/>
-                        </a:spcAft>
-                        <a:tabLst>
-                          <a:tab pos="571500" algn="l"/>
-                          <a:tab pos="6343650" algn="l"/>
-                        </a:tabLst>
-                      </a:pPr>
-                      <a:r>
-                        <a:rPr lang="en-US" sz="1200" u="none" strike="noStrike">
-                          <a:effectLst/>
-                        </a:rPr>
-                        <a:t> </a:t>
-                      </a:r>
-                      <a:endParaRPr lang="en-US" sz="1100">
-                        <a:effectLst/>
-                        <a:latin typeface="Calibri" panose="020F0502020204030204" pitchFamily="34" charset="0"/>
-                        <a:ea typeface="Calibri" panose="020F0502020204030204" pitchFamily="34" charset="0"/>
-                        <a:cs typeface="Times New Roman" panose="02020603050405020304" pitchFamily="18" charset="0"/>
-                      </a:endParaRPr>
-                    </a:p>
-                  </a:txBody>
-                  <a:tcPr marL="68580" marR="68580" marT="0" marB="0"/>
-                </a:tc>
-                <a:tc>
-                  <a:txBody>
-                    <a:bodyPr/>
-                    <a:lstStyle/>
-                    <a:p>
-                      <a:pPr marL="0" marR="0" algn="ctr">
-                        <a:lnSpc>
-                          <a:spcPct val="150000"/>
-                        </a:lnSpc>
-                        <a:spcBef>
-                          <a:spcPts val="0"/>
-                        </a:spcBef>
-                        <a:spcAft>
-                          <a:spcPts val="0"/>
-                        </a:spcAft>
-                        <a:tabLst>
-                          <a:tab pos="571500" algn="l"/>
-                          <a:tab pos="6343650" algn="l"/>
-                        </a:tabLst>
-                      </a:pPr>
-                      <a:r>
-                        <a:rPr lang="en-US" sz="1200" u="none" strike="noStrike">
-                          <a:effectLst/>
-                        </a:rPr>
-                        <a:t> </a:t>
-                      </a:r>
-                      <a:endParaRPr lang="en-US" sz="1100">
-                        <a:effectLst/>
-                        <a:latin typeface="Calibri" panose="020F0502020204030204" pitchFamily="34" charset="0"/>
-                        <a:ea typeface="Calibri" panose="020F0502020204030204" pitchFamily="34" charset="0"/>
-                        <a:cs typeface="Times New Roman" panose="02020603050405020304" pitchFamily="18" charset="0"/>
-                      </a:endParaRPr>
-                    </a:p>
-                  </a:txBody>
-                  <a:tcPr marL="68580" marR="68580" marT="0" marB="0"/>
-                </a:tc>
-                <a:extLst>
-                  <a:ext uri="{0D108BD9-81ED-4DB2-BD59-A6C34878D82A}">
-                    <a16:rowId xmlns:a16="http://schemas.microsoft.com/office/drawing/2014/main" val="1855084847"/>
-                  </a:ext>
-                </a:extLst>
-              </a:tr>
-              <a:tr h="238125">
-                <a:tc>
-                  <a:txBody>
-                    <a:bodyPr/>
-                    <a:lstStyle/>
-                    <a:p>
-                      <a:pPr marL="0" marR="0" algn="ctr">
-                        <a:lnSpc>
-                          <a:spcPct val="150000"/>
-                        </a:lnSpc>
-                        <a:spcBef>
-                          <a:spcPts val="0"/>
-                        </a:spcBef>
-                        <a:spcAft>
-                          <a:spcPts val="0"/>
-                        </a:spcAft>
-                        <a:tabLst>
-                          <a:tab pos="571500" algn="l"/>
-                          <a:tab pos="6343650" algn="l"/>
-                        </a:tabLst>
-                      </a:pPr>
-                      <a:r>
-                        <a:rPr lang="en-US" sz="1200">
-                          <a:effectLst/>
-                        </a:rPr>
-                        <a:t>Implementation</a:t>
-                      </a:r>
-                      <a:endParaRPr lang="en-US" sz="1100">
-                        <a:effectLst/>
-                        <a:latin typeface="Calibri" panose="020F0502020204030204" pitchFamily="34" charset="0"/>
-                        <a:ea typeface="Calibri" panose="020F0502020204030204" pitchFamily="34" charset="0"/>
-                        <a:cs typeface="Times New Roman" panose="02020603050405020304" pitchFamily="18" charset="0"/>
-                      </a:endParaRPr>
-                    </a:p>
-                  </a:txBody>
-                  <a:tcPr marL="68580" marR="68580" marT="0" marB="0"/>
-                </a:tc>
-                <a:tc>
-                  <a:txBody>
-                    <a:bodyPr/>
-                    <a:lstStyle/>
-                    <a:p>
-                      <a:pPr marL="0" marR="0" algn="ctr">
-                        <a:lnSpc>
-                          <a:spcPct val="150000"/>
-                        </a:lnSpc>
-                        <a:spcBef>
-                          <a:spcPts val="0"/>
-                        </a:spcBef>
-                        <a:spcAft>
-                          <a:spcPts val="0"/>
-                        </a:spcAft>
-                        <a:tabLst>
-                          <a:tab pos="571500" algn="l"/>
-                          <a:tab pos="6343650" algn="l"/>
-                        </a:tabLst>
-                      </a:pPr>
-                      <a:r>
-                        <a:rPr lang="en-US" sz="1200" u="none" strike="noStrike">
-                          <a:effectLst/>
-                        </a:rPr>
-                        <a:t> </a:t>
-                      </a:r>
-                      <a:endParaRPr lang="en-US" sz="1100">
-                        <a:effectLst/>
-                        <a:latin typeface="Calibri" panose="020F0502020204030204" pitchFamily="34" charset="0"/>
-                        <a:ea typeface="Calibri" panose="020F0502020204030204" pitchFamily="34" charset="0"/>
-                        <a:cs typeface="Times New Roman" panose="02020603050405020304" pitchFamily="18" charset="0"/>
-                      </a:endParaRPr>
-                    </a:p>
-                  </a:txBody>
-                  <a:tcPr marL="68580" marR="68580" marT="0" marB="0"/>
-                </a:tc>
-                <a:tc gridSpan="3">
-                  <a:txBody>
-                    <a:bodyPr/>
-                    <a:lstStyle/>
-                    <a:p>
-                      <a:pPr marL="0" marR="0" algn="ctr">
-                        <a:lnSpc>
-                          <a:spcPct val="150000"/>
-                        </a:lnSpc>
-                        <a:spcBef>
-                          <a:spcPts val="0"/>
-                        </a:spcBef>
-                        <a:spcAft>
-                          <a:spcPts val="0"/>
-                        </a:spcAft>
-                        <a:tabLst>
-                          <a:tab pos="571500" algn="l"/>
-                          <a:tab pos="6343650" algn="l"/>
-                        </a:tabLst>
-                      </a:pPr>
-                      <a:r>
-                        <a:rPr lang="en-US" sz="1200" u="none" strike="noStrike" dirty="0">
-                          <a:effectLst/>
-                        </a:rPr>
-                        <a:t> </a:t>
-                      </a:r>
-                      <a:endParaRPr lang="en-US" sz="1100" dirty="0">
-                        <a:effectLst/>
-                        <a:latin typeface="Calibri" panose="020F0502020204030204" pitchFamily="34" charset="0"/>
-                        <a:ea typeface="Calibri" panose="020F0502020204030204" pitchFamily="34" charset="0"/>
-                        <a:cs typeface="Times New Roman" panose="02020603050405020304" pitchFamily="18" charset="0"/>
-                      </a:endParaRPr>
-                    </a:p>
-                  </a:txBody>
-                  <a:tcPr marL="68580" marR="68580" marT="0" marB="0"/>
-                </a:tc>
-                <a:tc hMerge="1">
-                  <a:txBody>
-                    <a:bodyPr/>
-                    <a:lstStyle/>
-                    <a:p>
-                      <a:endParaRPr lang="en-US"/>
-                    </a:p>
-                  </a:txBody>
-                  <a:tcPr/>
-                </a:tc>
-                <a:tc hMerge="1">
-                  <a:txBody>
-                    <a:bodyPr/>
-                    <a:lstStyle/>
-                    <a:p>
-                      <a:endParaRPr lang="en-US"/>
-                    </a:p>
-                  </a:txBody>
-                  <a:tcPr/>
-                </a:tc>
-                <a:tc>
-                  <a:txBody>
-                    <a:bodyPr/>
-                    <a:lstStyle/>
-                    <a:p>
-                      <a:pPr marL="0" marR="0" algn="ctr">
-                        <a:lnSpc>
-                          <a:spcPct val="150000"/>
-                        </a:lnSpc>
-                        <a:spcBef>
-                          <a:spcPts val="0"/>
-                        </a:spcBef>
-                        <a:spcAft>
-                          <a:spcPts val="0"/>
-                        </a:spcAft>
-                        <a:tabLst>
-                          <a:tab pos="571500" algn="l"/>
-                          <a:tab pos="6343650" algn="l"/>
-                        </a:tabLst>
-                      </a:pPr>
-                      <a:r>
-                        <a:rPr lang="en-US" sz="1200" u="none" strike="noStrike" dirty="0">
-                          <a:effectLst/>
-                        </a:rPr>
-                        <a:t> </a:t>
-                      </a:r>
-                      <a:endParaRPr lang="en-US" sz="1100" dirty="0">
-                        <a:effectLst/>
-                        <a:latin typeface="Calibri" panose="020F0502020204030204" pitchFamily="34" charset="0"/>
-                        <a:ea typeface="Calibri" panose="020F0502020204030204" pitchFamily="34" charset="0"/>
-                        <a:cs typeface="Times New Roman" panose="02020603050405020304" pitchFamily="18" charset="0"/>
-                      </a:endParaRPr>
-                    </a:p>
-                  </a:txBody>
-                  <a:tcPr marL="68580" marR="68580" marT="0" marB="0"/>
-                </a:tc>
-                <a:tc>
-                  <a:txBody>
-                    <a:bodyPr/>
-                    <a:lstStyle/>
-                    <a:p>
-                      <a:pPr marL="0" marR="0" algn="ctr">
-                        <a:lnSpc>
-                          <a:spcPct val="150000"/>
-                        </a:lnSpc>
-                        <a:spcBef>
-                          <a:spcPts val="0"/>
-                        </a:spcBef>
-                        <a:spcAft>
-                          <a:spcPts val="0"/>
-                        </a:spcAft>
-                        <a:tabLst>
-                          <a:tab pos="571500" algn="l"/>
-                          <a:tab pos="6343650" algn="l"/>
-                        </a:tabLst>
-                      </a:pPr>
-                      <a:r>
-                        <a:rPr lang="en-US" sz="1200" u="none" strike="noStrike" dirty="0">
-                          <a:effectLst/>
-                        </a:rPr>
-                        <a:t> </a:t>
-                      </a:r>
-                      <a:endParaRPr lang="en-US" sz="1100" dirty="0">
-                        <a:effectLst/>
-                        <a:latin typeface="Calibri" panose="020F0502020204030204" pitchFamily="34" charset="0"/>
-                        <a:ea typeface="Calibri" panose="020F0502020204030204" pitchFamily="34" charset="0"/>
-                        <a:cs typeface="Times New Roman" panose="02020603050405020304" pitchFamily="18" charset="0"/>
-                      </a:endParaRPr>
-                    </a:p>
-                  </a:txBody>
-                  <a:tcPr marL="68580" marR="68580" marT="0" marB="0"/>
-                </a:tc>
-                <a:tc gridSpan="3">
-                  <a:txBody>
-                    <a:bodyPr/>
-                    <a:lstStyle/>
-                    <a:p>
-                      <a:pPr marL="0" marR="0" algn="ctr">
-                        <a:lnSpc>
-                          <a:spcPct val="150000"/>
-                        </a:lnSpc>
-                        <a:spcBef>
-                          <a:spcPts val="0"/>
-                        </a:spcBef>
-                        <a:spcAft>
-                          <a:spcPts val="0"/>
-                        </a:spcAft>
-                        <a:tabLst>
-                          <a:tab pos="571500" algn="l"/>
-                          <a:tab pos="6343650" algn="l"/>
-                        </a:tabLst>
-                      </a:pPr>
-                      <a:r>
-                        <a:rPr lang="en-US" sz="1200" u="none" strike="noStrike" dirty="0">
-                          <a:effectLst/>
-                        </a:rPr>
-                        <a:t> </a:t>
-                      </a:r>
-                      <a:endParaRPr lang="en-US" sz="1100" dirty="0">
-                        <a:effectLst/>
-                        <a:latin typeface="Calibri" panose="020F0502020204030204" pitchFamily="34" charset="0"/>
-                        <a:ea typeface="Calibri" panose="020F0502020204030204" pitchFamily="34" charset="0"/>
-                        <a:cs typeface="Times New Roman" panose="02020603050405020304" pitchFamily="18" charset="0"/>
-                      </a:endParaRPr>
-                    </a:p>
-                  </a:txBody>
-                  <a:tcPr marL="68580" marR="68580" marT="0" marB="0"/>
-                </a:tc>
-                <a:tc hMerge="1">
-                  <a:txBody>
-                    <a:bodyPr/>
-                    <a:lstStyle/>
-                    <a:p>
-                      <a:endParaRPr lang="en-US"/>
-                    </a:p>
-                  </a:txBody>
-                  <a:tcPr/>
-                </a:tc>
-                <a:tc hMerge="1">
-                  <a:txBody>
-                    <a:bodyPr/>
-                    <a:lstStyle/>
-                    <a:p>
-                      <a:endParaRPr lang="en-US"/>
-                    </a:p>
-                  </a:txBody>
-                  <a:tcPr/>
-                </a:tc>
-                <a:tc>
-                  <a:txBody>
-                    <a:bodyPr/>
-                    <a:lstStyle/>
-                    <a:p>
-                      <a:pPr marL="0" marR="0" algn="ctr">
-                        <a:lnSpc>
-                          <a:spcPct val="150000"/>
-                        </a:lnSpc>
-                        <a:spcBef>
-                          <a:spcPts val="0"/>
-                        </a:spcBef>
-                        <a:spcAft>
-                          <a:spcPts val="0"/>
-                        </a:spcAft>
-                        <a:tabLst>
-                          <a:tab pos="571500" algn="l"/>
-                          <a:tab pos="6343650" algn="l"/>
-                        </a:tabLst>
-                      </a:pPr>
-                      <a:r>
-                        <a:rPr lang="en-US" sz="1200" u="none" strike="noStrike">
-                          <a:effectLst/>
-                        </a:rPr>
-                        <a:t> </a:t>
-                      </a:r>
-                      <a:endParaRPr lang="en-US" sz="1100">
-                        <a:effectLst/>
-                        <a:latin typeface="Calibri" panose="020F0502020204030204" pitchFamily="34" charset="0"/>
-                        <a:ea typeface="Calibri" panose="020F0502020204030204" pitchFamily="34" charset="0"/>
-                        <a:cs typeface="Times New Roman" panose="02020603050405020304" pitchFamily="18" charset="0"/>
-                      </a:endParaRPr>
-                    </a:p>
-                  </a:txBody>
-                  <a:tcPr marL="68580" marR="68580" marT="0" marB="0"/>
-                </a:tc>
-                <a:tc>
-                  <a:txBody>
-                    <a:bodyPr/>
-                    <a:lstStyle/>
-                    <a:p>
-                      <a:pPr marL="0" marR="0" algn="ctr">
-                        <a:lnSpc>
-                          <a:spcPct val="150000"/>
-                        </a:lnSpc>
-                        <a:spcBef>
-                          <a:spcPts val="0"/>
-                        </a:spcBef>
-                        <a:spcAft>
-                          <a:spcPts val="0"/>
-                        </a:spcAft>
-                        <a:tabLst>
-                          <a:tab pos="571500" algn="l"/>
-                          <a:tab pos="6343650" algn="l"/>
-                        </a:tabLst>
-                      </a:pPr>
-                      <a:r>
-                        <a:rPr lang="en-US" sz="1200" u="none" strike="noStrike">
-                          <a:effectLst/>
-                        </a:rPr>
-                        <a:t> </a:t>
-                      </a:r>
-                      <a:endParaRPr lang="en-US" sz="1100">
-                        <a:effectLst/>
-                        <a:latin typeface="Calibri" panose="020F0502020204030204" pitchFamily="34" charset="0"/>
-                        <a:ea typeface="Calibri" panose="020F0502020204030204" pitchFamily="34" charset="0"/>
-                        <a:cs typeface="Times New Roman" panose="02020603050405020304" pitchFamily="18" charset="0"/>
-                      </a:endParaRPr>
-                    </a:p>
-                  </a:txBody>
-                  <a:tcPr marL="68580" marR="68580" marT="0" marB="0"/>
-                </a:tc>
-                <a:tc>
-                  <a:txBody>
-                    <a:bodyPr/>
-                    <a:lstStyle/>
-                    <a:p>
-                      <a:pPr marL="0" marR="0" algn="ctr">
-                        <a:lnSpc>
-                          <a:spcPct val="150000"/>
-                        </a:lnSpc>
-                        <a:spcBef>
-                          <a:spcPts val="0"/>
-                        </a:spcBef>
-                        <a:spcAft>
-                          <a:spcPts val="0"/>
-                        </a:spcAft>
-                        <a:tabLst>
-                          <a:tab pos="571500" algn="l"/>
-                          <a:tab pos="6343650" algn="l"/>
-                        </a:tabLst>
-                      </a:pPr>
-                      <a:r>
-                        <a:rPr lang="en-US" sz="1200" u="none" strike="noStrike">
-                          <a:effectLst/>
-                        </a:rPr>
-                        <a:t> </a:t>
-                      </a:r>
-                      <a:endParaRPr lang="en-US" sz="1100">
-                        <a:effectLst/>
-                        <a:latin typeface="Calibri" panose="020F0502020204030204" pitchFamily="34" charset="0"/>
-                        <a:ea typeface="Calibri" panose="020F0502020204030204" pitchFamily="34" charset="0"/>
-                        <a:cs typeface="Times New Roman" panose="02020603050405020304" pitchFamily="18" charset="0"/>
-                      </a:endParaRPr>
-                    </a:p>
-                  </a:txBody>
-                  <a:tcPr marL="68580" marR="68580" marT="0" marB="0"/>
-                </a:tc>
-                <a:tc>
-                  <a:txBody>
-                    <a:bodyPr/>
-                    <a:lstStyle/>
-                    <a:p>
-                      <a:pPr marL="0" marR="0" algn="ctr">
-                        <a:lnSpc>
-                          <a:spcPct val="150000"/>
-                        </a:lnSpc>
-                        <a:spcBef>
-                          <a:spcPts val="0"/>
-                        </a:spcBef>
-                        <a:spcAft>
-                          <a:spcPts val="0"/>
-                        </a:spcAft>
-                        <a:tabLst>
-                          <a:tab pos="571500" algn="l"/>
-                          <a:tab pos="6343650" algn="l"/>
-                        </a:tabLst>
-                      </a:pPr>
-                      <a:r>
-                        <a:rPr lang="en-US" sz="1200" u="none" strike="noStrike">
-                          <a:effectLst/>
-                        </a:rPr>
-                        <a:t> </a:t>
-                      </a:r>
-                      <a:endParaRPr lang="en-US" sz="1100">
-                        <a:effectLst/>
-                        <a:latin typeface="Calibri" panose="020F0502020204030204" pitchFamily="34" charset="0"/>
-                        <a:ea typeface="Calibri" panose="020F0502020204030204" pitchFamily="34" charset="0"/>
-                        <a:cs typeface="Times New Roman" panose="02020603050405020304" pitchFamily="18" charset="0"/>
-                      </a:endParaRPr>
-                    </a:p>
-                  </a:txBody>
-                  <a:tcPr marL="68580" marR="68580" marT="0" marB="0"/>
-                </a:tc>
-                <a:extLst>
-                  <a:ext uri="{0D108BD9-81ED-4DB2-BD59-A6C34878D82A}">
-                    <a16:rowId xmlns:a16="http://schemas.microsoft.com/office/drawing/2014/main" val="3541670848"/>
-                  </a:ext>
-                </a:extLst>
-              </a:tr>
-              <a:tr h="238125">
-                <a:tc>
-                  <a:txBody>
-                    <a:bodyPr/>
-                    <a:lstStyle/>
-                    <a:p>
-                      <a:pPr marL="0" marR="0" algn="ctr">
-                        <a:lnSpc>
-                          <a:spcPct val="150000"/>
-                        </a:lnSpc>
-                        <a:spcBef>
-                          <a:spcPts val="0"/>
-                        </a:spcBef>
-                        <a:spcAft>
-                          <a:spcPts val="0"/>
-                        </a:spcAft>
-                        <a:tabLst>
-                          <a:tab pos="571500" algn="l"/>
-                          <a:tab pos="6343650" algn="l"/>
-                        </a:tabLst>
-                      </a:pPr>
-                      <a:r>
-                        <a:rPr lang="en-US" sz="1200">
-                          <a:effectLst/>
-                        </a:rPr>
-                        <a:t>Documentation</a:t>
-                      </a:r>
-                      <a:endParaRPr lang="en-US" sz="1100">
-                        <a:effectLst/>
-                        <a:latin typeface="Calibri" panose="020F0502020204030204" pitchFamily="34" charset="0"/>
-                        <a:ea typeface="Calibri" panose="020F0502020204030204" pitchFamily="34" charset="0"/>
-                        <a:cs typeface="Times New Roman" panose="02020603050405020304" pitchFamily="18" charset="0"/>
-                      </a:endParaRPr>
-                    </a:p>
-                  </a:txBody>
-                  <a:tcPr marL="68580" marR="68580" marT="0" marB="0"/>
-                </a:tc>
-                <a:tc gridSpan="4">
-                  <a:txBody>
-                    <a:bodyPr/>
-                    <a:lstStyle/>
-                    <a:p>
-                      <a:pPr marL="0" marR="0" algn="ctr">
-                        <a:lnSpc>
-                          <a:spcPct val="150000"/>
-                        </a:lnSpc>
-                        <a:spcBef>
-                          <a:spcPts val="0"/>
-                        </a:spcBef>
-                        <a:spcAft>
-                          <a:spcPts val="0"/>
-                        </a:spcAft>
-                        <a:tabLst>
-                          <a:tab pos="571500" algn="l"/>
-                          <a:tab pos="6343650" algn="l"/>
-                        </a:tabLst>
-                      </a:pPr>
-                      <a:r>
-                        <a:rPr lang="en-US" sz="1200" u="none" strike="noStrike" dirty="0">
-                          <a:effectLst/>
-                        </a:rPr>
-                        <a:t> </a:t>
-                      </a:r>
-                      <a:endParaRPr lang="en-US" sz="1100" dirty="0">
-                        <a:effectLst/>
-                        <a:latin typeface="Calibri" panose="020F0502020204030204" pitchFamily="34" charset="0"/>
-                        <a:ea typeface="Calibri" panose="020F0502020204030204" pitchFamily="34" charset="0"/>
-                        <a:cs typeface="Times New Roman" panose="02020603050405020304" pitchFamily="18" charset="0"/>
-                      </a:endParaRPr>
-                    </a:p>
-                  </a:txBody>
-                  <a:tcPr marL="68580" marR="68580" marT="0" marB="0"/>
-                </a:tc>
-                <a:tc hMerge="1">
-                  <a:txBody>
-                    <a:bodyPr/>
-                    <a:lstStyle/>
-                    <a:p>
-                      <a:endParaRPr lang="en-US"/>
-                    </a:p>
-                  </a:txBody>
-                  <a:tcPr/>
-                </a:tc>
-                <a:tc hMerge="1">
-                  <a:txBody>
-                    <a:bodyPr/>
-                    <a:lstStyle/>
-                    <a:p>
-                      <a:endParaRPr lang="en-US"/>
-                    </a:p>
-                  </a:txBody>
-                  <a:tcPr/>
-                </a:tc>
-                <a:tc hMerge="1">
-                  <a:txBody>
-                    <a:bodyPr/>
-                    <a:lstStyle/>
-                    <a:p>
-                      <a:endParaRPr lang="en-US"/>
-                    </a:p>
-                  </a:txBody>
-                  <a:tcPr/>
-                </a:tc>
-                <a:tc>
-                  <a:txBody>
-                    <a:bodyPr/>
-                    <a:lstStyle/>
-                    <a:p>
-                      <a:pPr marL="0" marR="0" algn="ctr">
-                        <a:lnSpc>
-                          <a:spcPct val="150000"/>
-                        </a:lnSpc>
-                        <a:spcBef>
-                          <a:spcPts val="0"/>
-                        </a:spcBef>
-                        <a:spcAft>
-                          <a:spcPts val="0"/>
-                        </a:spcAft>
-                        <a:tabLst>
-                          <a:tab pos="571500" algn="l"/>
-                          <a:tab pos="6343650" algn="l"/>
-                        </a:tabLst>
-                      </a:pPr>
-                      <a:r>
-                        <a:rPr lang="en-US" sz="1200" u="none" strike="noStrike" dirty="0">
-                          <a:effectLst/>
-                        </a:rPr>
-                        <a:t> </a:t>
-                      </a:r>
-                      <a:endParaRPr lang="en-US" sz="1100" dirty="0">
-                        <a:effectLst/>
-                        <a:latin typeface="Calibri" panose="020F0502020204030204" pitchFamily="34" charset="0"/>
-                        <a:ea typeface="Calibri" panose="020F0502020204030204" pitchFamily="34" charset="0"/>
-                        <a:cs typeface="Times New Roman" panose="02020603050405020304" pitchFamily="18" charset="0"/>
-                      </a:endParaRPr>
-                    </a:p>
-                  </a:txBody>
-                  <a:tcPr marL="68580" marR="68580" marT="0" marB="0"/>
-                </a:tc>
-                <a:tc gridSpan="4">
-                  <a:txBody>
-                    <a:bodyPr/>
-                    <a:lstStyle/>
-                    <a:p>
-                      <a:pPr marL="0" marR="0" algn="ctr">
-                        <a:lnSpc>
-                          <a:spcPct val="150000"/>
-                        </a:lnSpc>
-                        <a:spcBef>
-                          <a:spcPts val="0"/>
-                        </a:spcBef>
-                        <a:spcAft>
-                          <a:spcPts val="0"/>
-                        </a:spcAft>
-                        <a:tabLst>
-                          <a:tab pos="571500" algn="l"/>
-                          <a:tab pos="6343650" algn="l"/>
-                        </a:tabLst>
-                      </a:pPr>
-                      <a:r>
-                        <a:rPr lang="en-US" sz="1200" u="none" strike="noStrike" dirty="0">
-                          <a:effectLst/>
-                        </a:rPr>
-                        <a:t> </a:t>
-                      </a:r>
-                      <a:endParaRPr lang="en-US" sz="1100" dirty="0">
-                        <a:effectLst/>
-                        <a:latin typeface="Calibri" panose="020F0502020204030204" pitchFamily="34" charset="0"/>
-                        <a:ea typeface="Calibri" panose="020F0502020204030204" pitchFamily="34" charset="0"/>
-                        <a:cs typeface="Times New Roman" panose="02020603050405020304" pitchFamily="18" charset="0"/>
-                      </a:endParaRPr>
-                    </a:p>
-                  </a:txBody>
-                  <a:tcPr marL="68580" marR="68580" marT="0" marB="0"/>
-                </a:tc>
-                <a:tc hMerge="1">
-                  <a:txBody>
-                    <a:bodyPr/>
-                    <a:lstStyle/>
-                    <a:p>
-                      <a:endParaRPr lang="en-US"/>
-                    </a:p>
-                  </a:txBody>
-                  <a:tcPr/>
-                </a:tc>
-                <a:tc hMerge="1">
-                  <a:txBody>
-                    <a:bodyPr/>
-                    <a:lstStyle/>
-                    <a:p>
-                      <a:endParaRPr lang="en-US"/>
-                    </a:p>
-                  </a:txBody>
-                  <a:tcPr/>
-                </a:tc>
-                <a:tc hMerge="1">
-                  <a:txBody>
-                    <a:bodyPr/>
-                    <a:lstStyle/>
-                    <a:p>
-                      <a:endParaRPr lang="en-US"/>
-                    </a:p>
-                  </a:txBody>
-                  <a:tcPr/>
-                </a:tc>
-                <a:tc gridSpan="2">
-                  <a:txBody>
-                    <a:bodyPr/>
-                    <a:lstStyle/>
-                    <a:p>
-                      <a:pPr marL="0" marR="0" algn="ctr">
-                        <a:lnSpc>
-                          <a:spcPct val="150000"/>
-                        </a:lnSpc>
-                        <a:spcBef>
-                          <a:spcPts val="0"/>
-                        </a:spcBef>
-                        <a:spcAft>
-                          <a:spcPts val="0"/>
-                        </a:spcAft>
-                        <a:tabLst>
-                          <a:tab pos="571500" algn="l"/>
-                          <a:tab pos="6343650" algn="l"/>
-                        </a:tabLst>
-                      </a:pPr>
-                      <a:r>
-                        <a:rPr lang="en-US" sz="1200" u="none" strike="noStrike">
-                          <a:effectLst/>
-                        </a:rPr>
-                        <a:t> </a:t>
-                      </a:r>
-                      <a:endParaRPr lang="en-US" sz="1100">
-                        <a:effectLst/>
-                        <a:latin typeface="Calibri" panose="020F0502020204030204" pitchFamily="34" charset="0"/>
-                        <a:ea typeface="Calibri" panose="020F0502020204030204" pitchFamily="34" charset="0"/>
-                        <a:cs typeface="Times New Roman" panose="02020603050405020304" pitchFamily="18" charset="0"/>
-                      </a:endParaRPr>
-                    </a:p>
-                  </a:txBody>
-                  <a:tcPr marL="68580" marR="68580" marT="0" marB="0"/>
-                </a:tc>
-                <a:tc hMerge="1">
-                  <a:txBody>
-                    <a:bodyPr/>
-                    <a:lstStyle/>
-                    <a:p>
-                      <a:endParaRPr lang="en-US"/>
-                    </a:p>
-                  </a:txBody>
-                  <a:tcPr/>
-                </a:tc>
-                <a:tc>
-                  <a:txBody>
-                    <a:bodyPr/>
-                    <a:lstStyle/>
-                    <a:p>
-                      <a:pPr marL="0" marR="0" algn="ctr">
-                        <a:lnSpc>
-                          <a:spcPct val="150000"/>
-                        </a:lnSpc>
-                        <a:spcBef>
-                          <a:spcPts val="0"/>
-                        </a:spcBef>
-                        <a:spcAft>
-                          <a:spcPts val="0"/>
-                        </a:spcAft>
-                        <a:tabLst>
-                          <a:tab pos="571500" algn="l"/>
-                          <a:tab pos="6343650" algn="l"/>
-                        </a:tabLst>
-                      </a:pPr>
-                      <a:r>
-                        <a:rPr lang="en-US" sz="1200" u="none" strike="noStrike">
-                          <a:effectLst/>
-                        </a:rPr>
-                        <a:t> </a:t>
-                      </a:r>
-                      <a:endParaRPr lang="en-US" sz="1100">
-                        <a:effectLst/>
-                        <a:latin typeface="Calibri" panose="020F0502020204030204" pitchFamily="34" charset="0"/>
-                        <a:ea typeface="Calibri" panose="020F0502020204030204" pitchFamily="34" charset="0"/>
-                        <a:cs typeface="Times New Roman" panose="02020603050405020304" pitchFamily="18" charset="0"/>
-                      </a:endParaRPr>
-                    </a:p>
-                  </a:txBody>
-                  <a:tcPr marL="68580" marR="68580" marT="0" marB="0"/>
-                </a:tc>
-                <a:tc>
-                  <a:txBody>
-                    <a:bodyPr/>
-                    <a:lstStyle/>
-                    <a:p>
-                      <a:pPr marL="0" marR="0">
-                        <a:lnSpc>
-                          <a:spcPct val="150000"/>
-                        </a:lnSpc>
-                        <a:spcBef>
-                          <a:spcPts val="0"/>
-                        </a:spcBef>
-                        <a:spcAft>
-                          <a:spcPts val="0"/>
-                        </a:spcAft>
-                        <a:tabLst>
-                          <a:tab pos="571500" algn="l"/>
-                          <a:tab pos="6343650" algn="l"/>
-                        </a:tabLst>
-                      </a:pPr>
-                      <a:r>
-                        <a:rPr lang="en-US" sz="1200" u="none" strike="noStrike">
-                          <a:effectLst/>
-                        </a:rPr>
-                        <a:t> </a:t>
-                      </a:r>
-                      <a:endParaRPr lang="en-US" sz="1100">
-                        <a:effectLst/>
-                        <a:latin typeface="Calibri" panose="020F0502020204030204" pitchFamily="34" charset="0"/>
-                        <a:ea typeface="Calibri" panose="020F0502020204030204" pitchFamily="34" charset="0"/>
-                        <a:cs typeface="Times New Roman" panose="02020603050405020304" pitchFamily="18" charset="0"/>
-                      </a:endParaRPr>
-                    </a:p>
-                  </a:txBody>
-                  <a:tcPr marL="68580" marR="68580" marT="0" marB="0"/>
-                </a:tc>
-                <a:extLst>
-                  <a:ext uri="{0D108BD9-81ED-4DB2-BD59-A6C34878D82A}">
-                    <a16:rowId xmlns:a16="http://schemas.microsoft.com/office/drawing/2014/main" val="2719761010"/>
-                  </a:ext>
-                </a:extLst>
-              </a:tr>
-              <a:tr h="238125">
-                <a:tc>
-                  <a:txBody>
-                    <a:bodyPr/>
-                    <a:lstStyle/>
-                    <a:p>
-                      <a:pPr marL="0" marR="0" algn="ctr">
-                        <a:lnSpc>
-                          <a:spcPct val="150000"/>
-                        </a:lnSpc>
-                        <a:spcBef>
-                          <a:spcPts val="0"/>
-                        </a:spcBef>
-                        <a:spcAft>
-                          <a:spcPts val="0"/>
-                        </a:spcAft>
-                        <a:tabLst>
-                          <a:tab pos="571500" algn="l"/>
-                          <a:tab pos="6343650" algn="l"/>
-                        </a:tabLst>
-                      </a:pPr>
-                      <a:r>
-                        <a:rPr lang="en-US" sz="1200">
-                          <a:effectLst/>
-                        </a:rPr>
-                        <a:t> </a:t>
-                      </a:r>
-                      <a:endParaRPr lang="en-US" sz="1100">
-                        <a:effectLst/>
-                        <a:latin typeface="Calibri" panose="020F0502020204030204" pitchFamily="34" charset="0"/>
-                        <a:ea typeface="Calibri" panose="020F0502020204030204" pitchFamily="34" charset="0"/>
-                        <a:cs typeface="Times New Roman" panose="02020603050405020304" pitchFamily="18" charset="0"/>
-                      </a:endParaRPr>
-                    </a:p>
-                  </a:txBody>
-                  <a:tcPr marL="68580" marR="68580" marT="0" marB="0"/>
-                </a:tc>
-                <a:tc>
-                  <a:txBody>
-                    <a:bodyPr/>
-                    <a:lstStyle/>
-                    <a:p>
-                      <a:pPr marL="0" marR="0" algn="ctr">
-                        <a:lnSpc>
-                          <a:spcPct val="150000"/>
-                        </a:lnSpc>
-                        <a:spcBef>
-                          <a:spcPts val="0"/>
-                        </a:spcBef>
-                        <a:spcAft>
-                          <a:spcPts val="0"/>
-                        </a:spcAft>
-                        <a:tabLst>
-                          <a:tab pos="571500" algn="l"/>
-                          <a:tab pos="6343650" algn="l"/>
-                        </a:tabLst>
-                      </a:pPr>
-                      <a:r>
-                        <a:rPr lang="en-US" sz="1200" u="none" strike="noStrike">
-                          <a:effectLst/>
-                        </a:rPr>
-                        <a:t> </a:t>
-                      </a:r>
-                      <a:endParaRPr lang="en-US" sz="1100">
-                        <a:effectLst/>
-                        <a:latin typeface="Calibri" panose="020F0502020204030204" pitchFamily="34" charset="0"/>
-                        <a:ea typeface="Calibri" panose="020F0502020204030204" pitchFamily="34" charset="0"/>
-                        <a:cs typeface="Times New Roman" panose="02020603050405020304" pitchFamily="18" charset="0"/>
-                      </a:endParaRPr>
-                    </a:p>
-                  </a:txBody>
-                  <a:tcPr marL="68580" marR="68580" marT="0" marB="0"/>
-                </a:tc>
-                <a:tc gridSpan="3">
-                  <a:txBody>
-                    <a:bodyPr/>
-                    <a:lstStyle/>
-                    <a:p>
-                      <a:pPr marL="0" marR="0" algn="ctr">
-                        <a:lnSpc>
-                          <a:spcPct val="150000"/>
-                        </a:lnSpc>
-                        <a:spcBef>
-                          <a:spcPts val="0"/>
-                        </a:spcBef>
-                        <a:spcAft>
-                          <a:spcPts val="0"/>
-                        </a:spcAft>
-                        <a:tabLst>
-                          <a:tab pos="571500" algn="l"/>
-                          <a:tab pos="6343650" algn="l"/>
-                        </a:tabLst>
-                      </a:pPr>
-                      <a:r>
-                        <a:rPr lang="en-US" sz="1200" u="none" strike="noStrike" dirty="0">
-                          <a:effectLst/>
-                        </a:rPr>
-                        <a:t> </a:t>
-                      </a:r>
-                      <a:endParaRPr lang="en-US" sz="1100" dirty="0">
-                        <a:effectLst/>
-                        <a:latin typeface="Calibri" panose="020F0502020204030204" pitchFamily="34" charset="0"/>
-                        <a:ea typeface="Calibri" panose="020F0502020204030204" pitchFamily="34" charset="0"/>
-                        <a:cs typeface="Times New Roman" panose="02020603050405020304" pitchFamily="18" charset="0"/>
-                      </a:endParaRPr>
-                    </a:p>
-                  </a:txBody>
-                  <a:tcPr marL="68580" marR="68580" marT="0" marB="0"/>
-                </a:tc>
-                <a:tc hMerge="1">
-                  <a:txBody>
-                    <a:bodyPr/>
-                    <a:lstStyle/>
-                    <a:p>
-                      <a:endParaRPr lang="en-US"/>
-                    </a:p>
-                  </a:txBody>
-                  <a:tcPr/>
-                </a:tc>
-                <a:tc hMerge="1">
-                  <a:txBody>
-                    <a:bodyPr/>
-                    <a:lstStyle/>
-                    <a:p>
-                      <a:endParaRPr lang="en-US"/>
-                    </a:p>
-                  </a:txBody>
-                  <a:tcPr/>
-                </a:tc>
-                <a:tc>
-                  <a:txBody>
-                    <a:bodyPr/>
-                    <a:lstStyle/>
-                    <a:p>
-                      <a:pPr marL="0" marR="0" algn="ctr">
-                        <a:lnSpc>
-                          <a:spcPct val="150000"/>
-                        </a:lnSpc>
-                        <a:spcBef>
-                          <a:spcPts val="0"/>
-                        </a:spcBef>
-                        <a:spcAft>
-                          <a:spcPts val="0"/>
-                        </a:spcAft>
-                        <a:tabLst>
-                          <a:tab pos="571500" algn="l"/>
-                          <a:tab pos="6343650" algn="l"/>
-                        </a:tabLst>
-                      </a:pPr>
-                      <a:r>
-                        <a:rPr lang="en-US" sz="1200" u="none" strike="noStrike" dirty="0">
-                          <a:effectLst/>
-                        </a:rPr>
-                        <a:t> </a:t>
-                      </a:r>
-                      <a:endParaRPr lang="en-US" sz="1100" dirty="0">
-                        <a:effectLst/>
-                        <a:latin typeface="Calibri" panose="020F0502020204030204" pitchFamily="34" charset="0"/>
-                        <a:ea typeface="Calibri" panose="020F0502020204030204" pitchFamily="34" charset="0"/>
-                        <a:cs typeface="Times New Roman" panose="02020603050405020304" pitchFamily="18" charset="0"/>
-                      </a:endParaRPr>
-                    </a:p>
-                  </a:txBody>
-                  <a:tcPr marL="68580" marR="68580" marT="0" marB="0"/>
-                </a:tc>
-                <a:tc>
-                  <a:txBody>
-                    <a:bodyPr/>
-                    <a:lstStyle/>
-                    <a:p>
-                      <a:pPr marL="0" marR="0" algn="ctr">
-                        <a:lnSpc>
-                          <a:spcPct val="150000"/>
-                        </a:lnSpc>
-                        <a:spcBef>
-                          <a:spcPts val="0"/>
-                        </a:spcBef>
-                        <a:spcAft>
-                          <a:spcPts val="0"/>
-                        </a:spcAft>
-                        <a:tabLst>
-                          <a:tab pos="571500" algn="l"/>
-                          <a:tab pos="6343650" algn="l"/>
-                        </a:tabLst>
-                      </a:pPr>
-                      <a:r>
-                        <a:rPr lang="en-US" sz="1200" u="none" strike="noStrike" dirty="0">
-                          <a:effectLst/>
-                        </a:rPr>
-                        <a:t> </a:t>
-                      </a:r>
-                      <a:endParaRPr lang="en-US" sz="1100" dirty="0">
-                        <a:effectLst/>
-                        <a:latin typeface="Calibri" panose="020F0502020204030204" pitchFamily="34" charset="0"/>
-                        <a:ea typeface="Calibri" panose="020F0502020204030204" pitchFamily="34" charset="0"/>
-                        <a:cs typeface="Times New Roman" panose="02020603050405020304" pitchFamily="18" charset="0"/>
-                      </a:endParaRPr>
-                    </a:p>
-                  </a:txBody>
-                  <a:tcPr marL="68580" marR="68580" marT="0" marB="0"/>
-                </a:tc>
-                <a:tc gridSpan="3">
-                  <a:txBody>
-                    <a:bodyPr/>
-                    <a:lstStyle/>
-                    <a:p>
-                      <a:pPr marL="0" marR="0" algn="ctr">
-                        <a:lnSpc>
-                          <a:spcPct val="150000"/>
-                        </a:lnSpc>
-                        <a:spcBef>
-                          <a:spcPts val="0"/>
-                        </a:spcBef>
-                        <a:spcAft>
-                          <a:spcPts val="0"/>
-                        </a:spcAft>
-                        <a:tabLst>
-                          <a:tab pos="571500" algn="l"/>
-                          <a:tab pos="6343650" algn="l"/>
-                        </a:tabLst>
-                      </a:pPr>
-                      <a:r>
-                        <a:rPr lang="en-US" sz="1200" u="none" strike="noStrike" dirty="0">
-                          <a:effectLst/>
-                        </a:rPr>
-                        <a:t> </a:t>
-                      </a:r>
-                      <a:endParaRPr lang="en-US" sz="1100" dirty="0">
-                        <a:effectLst/>
-                        <a:latin typeface="Calibri" panose="020F0502020204030204" pitchFamily="34" charset="0"/>
-                        <a:ea typeface="Calibri" panose="020F0502020204030204" pitchFamily="34" charset="0"/>
-                        <a:cs typeface="Times New Roman" panose="02020603050405020304" pitchFamily="18" charset="0"/>
-                      </a:endParaRPr>
-                    </a:p>
-                  </a:txBody>
-                  <a:tcPr marL="68580" marR="68580" marT="0" marB="0"/>
-                </a:tc>
-                <a:tc hMerge="1">
-                  <a:txBody>
-                    <a:bodyPr/>
-                    <a:lstStyle/>
-                    <a:p>
-                      <a:endParaRPr lang="en-US"/>
-                    </a:p>
-                  </a:txBody>
-                  <a:tcPr/>
-                </a:tc>
-                <a:tc hMerge="1">
-                  <a:txBody>
-                    <a:bodyPr/>
-                    <a:lstStyle/>
-                    <a:p>
-                      <a:endParaRPr lang="en-US"/>
-                    </a:p>
-                  </a:txBody>
-                  <a:tcPr/>
-                </a:tc>
-                <a:tc gridSpan="2">
-                  <a:txBody>
-                    <a:bodyPr/>
-                    <a:lstStyle/>
-                    <a:p>
-                      <a:pPr marL="0" marR="0" algn="ctr">
-                        <a:lnSpc>
-                          <a:spcPct val="150000"/>
-                        </a:lnSpc>
-                        <a:spcBef>
-                          <a:spcPts val="0"/>
-                        </a:spcBef>
-                        <a:spcAft>
-                          <a:spcPts val="0"/>
-                        </a:spcAft>
-                        <a:tabLst>
-                          <a:tab pos="571500" algn="l"/>
-                          <a:tab pos="6343650" algn="l"/>
-                        </a:tabLst>
-                      </a:pPr>
-                      <a:r>
-                        <a:rPr lang="en-US" sz="1200" u="none" strike="noStrike">
-                          <a:effectLst/>
-                        </a:rPr>
-                        <a:t> </a:t>
-                      </a:r>
-                      <a:endParaRPr lang="en-US" sz="1100">
-                        <a:effectLst/>
-                        <a:latin typeface="Calibri" panose="020F0502020204030204" pitchFamily="34" charset="0"/>
-                        <a:ea typeface="Calibri" panose="020F0502020204030204" pitchFamily="34" charset="0"/>
-                        <a:cs typeface="Times New Roman" panose="02020603050405020304" pitchFamily="18" charset="0"/>
-                      </a:endParaRPr>
-                    </a:p>
-                  </a:txBody>
-                  <a:tcPr marL="68580" marR="68580" marT="0" marB="0"/>
-                </a:tc>
-                <a:tc hMerge="1">
-                  <a:txBody>
-                    <a:bodyPr/>
-                    <a:lstStyle/>
-                    <a:p>
-                      <a:endParaRPr lang="en-US"/>
-                    </a:p>
-                  </a:txBody>
-                  <a:tcPr/>
-                </a:tc>
-                <a:tc>
-                  <a:txBody>
-                    <a:bodyPr/>
-                    <a:lstStyle/>
-                    <a:p>
-                      <a:pPr marL="0" marR="0" algn="ctr">
-                        <a:lnSpc>
-                          <a:spcPct val="150000"/>
-                        </a:lnSpc>
-                        <a:spcBef>
-                          <a:spcPts val="0"/>
-                        </a:spcBef>
-                        <a:spcAft>
-                          <a:spcPts val="0"/>
-                        </a:spcAft>
-                        <a:tabLst>
-                          <a:tab pos="571500" algn="l"/>
-                          <a:tab pos="6343650" algn="l"/>
-                        </a:tabLst>
-                      </a:pPr>
-                      <a:r>
-                        <a:rPr lang="en-US" sz="1200" u="none" strike="noStrike">
-                          <a:effectLst/>
-                        </a:rPr>
-                        <a:t> </a:t>
-                      </a:r>
-                      <a:endParaRPr lang="en-US" sz="1100">
-                        <a:effectLst/>
-                        <a:latin typeface="Calibri" panose="020F0502020204030204" pitchFamily="34" charset="0"/>
-                        <a:ea typeface="Calibri" panose="020F0502020204030204" pitchFamily="34" charset="0"/>
-                        <a:cs typeface="Times New Roman" panose="02020603050405020304" pitchFamily="18" charset="0"/>
-                      </a:endParaRPr>
-                    </a:p>
-                  </a:txBody>
-                  <a:tcPr marL="68580" marR="68580" marT="0" marB="0"/>
-                </a:tc>
-                <a:tc>
-                  <a:txBody>
-                    <a:bodyPr/>
-                    <a:lstStyle/>
-                    <a:p>
-                      <a:pPr marL="0" marR="0" algn="ctr">
-                        <a:lnSpc>
-                          <a:spcPct val="150000"/>
-                        </a:lnSpc>
-                        <a:spcBef>
-                          <a:spcPts val="0"/>
-                        </a:spcBef>
-                        <a:spcAft>
-                          <a:spcPts val="0"/>
-                        </a:spcAft>
-                        <a:tabLst>
-                          <a:tab pos="571500" algn="l"/>
-                          <a:tab pos="6343650" algn="l"/>
-                        </a:tabLst>
-                      </a:pPr>
-                      <a:r>
-                        <a:rPr lang="en-US" sz="1200" u="none" strike="noStrike" dirty="0">
-                          <a:effectLst/>
-                        </a:rPr>
-                        <a:t> </a:t>
-                      </a:r>
-                      <a:endParaRPr lang="en-US" sz="1100" dirty="0">
-                        <a:effectLst/>
-                        <a:latin typeface="Calibri" panose="020F0502020204030204" pitchFamily="34" charset="0"/>
-                        <a:ea typeface="Calibri" panose="020F0502020204030204" pitchFamily="34" charset="0"/>
-                        <a:cs typeface="Times New Roman" panose="02020603050405020304" pitchFamily="18" charset="0"/>
-                      </a:endParaRPr>
-                    </a:p>
-                  </a:txBody>
-                  <a:tcPr marL="68580" marR="68580" marT="0" marB="0"/>
-                </a:tc>
-                <a:extLst>
-                  <a:ext uri="{0D108BD9-81ED-4DB2-BD59-A6C34878D82A}">
-                    <a16:rowId xmlns:a16="http://schemas.microsoft.com/office/drawing/2014/main" val="1226783536"/>
-                  </a:ext>
-                </a:extLst>
-              </a:tr>
-            </a:tbl>
-          </a:graphicData>
-        </a:graphic>
-      </p:graphicFrame>
       <p:sp>
         <p:nvSpPr>
           <p:cNvPr id="5" name="Rectangle 1"/>
@@ -10671,6 +6608,30 @@
           </a:p>
         </p:txBody>
       </p:sp>
+      <p:pic>
+        <p:nvPicPr>
+          <p:cNvPr id="6" name="Picture 5"/>
+          <p:cNvPicPr>
+            <a:picLocks noChangeAspect="1"/>
+          </p:cNvPicPr>
+          <p:nvPr/>
+        </p:nvPicPr>
+        <p:blipFill>
+          <a:blip r:embed="rId2"/>
+          <a:stretch>
+            <a:fillRect/>
+          </a:stretch>
+        </p:blipFill>
+        <p:spPr>
+          <a:xfrm>
+            <a:off x="591373" y="1675953"/>
+            <a:ext cx="8055038" cy="3558848"/>
+          </a:xfrm>
+          <a:prstGeom prst="rect">
+            <a:avLst/>
+          </a:prstGeom>
+        </p:spPr>
+      </p:pic>
     </p:spTree>
     <p:extLst>
       <p:ext uri="{BB962C8B-B14F-4D97-AF65-F5344CB8AC3E}">
@@ -10701,4233 +6662,6 @@
           <a:chExt cx="0" cy="0"/>
         </a:xfrm>
       </p:grpSpPr>
-      <p:graphicFrame>
-        <p:nvGraphicFramePr>
-          <p:cNvPr id="4" name="Table 3"/>
-          <p:cNvGraphicFramePr>
-            <a:graphicFrameLocks noGrp="1"/>
-          </p:cNvGraphicFramePr>
-          <p:nvPr>
-            <p:extLst>
-              <p:ext uri="{D42A27DB-BD31-4B8C-83A1-F6EECF244321}">
-                <p14:modId xmlns:p14="http://schemas.microsoft.com/office/powerpoint/2010/main" val="3879661832"/>
-              </p:ext>
-            </p:extLst>
-          </p:nvPr>
-        </p:nvGraphicFramePr>
-        <p:xfrm>
-          <a:off x="1820744" y="1589246"/>
-          <a:ext cx="6168310" cy="2711133"/>
-        </p:xfrm>
-        <a:graphic>
-          <a:graphicData uri="http://schemas.openxmlformats.org/drawingml/2006/table">
-            <a:tbl>
-              <a:tblPr firstRow="1" firstCol="1">
-                <a:tableStyleId>{5C22544A-7EE6-4342-B048-85BDC9FD1C3A}</a:tableStyleId>
-              </a:tblPr>
-              <a:tblGrid>
-                <a:gridCol w="1284919">
-                  <a:extLst>
-                    <a:ext uri="{9D8B030D-6E8A-4147-A177-3AD203B41FA5}">
-                      <a16:colId xmlns:a16="http://schemas.microsoft.com/office/drawing/2014/main" val="2838882923"/>
-                    </a:ext>
-                  </a:extLst>
-                </a:gridCol>
-                <a:gridCol w="575563">
-                  <a:extLst>
-                    <a:ext uri="{9D8B030D-6E8A-4147-A177-3AD203B41FA5}">
-                      <a16:colId xmlns:a16="http://schemas.microsoft.com/office/drawing/2014/main" val="787803123"/>
-                    </a:ext>
-                  </a:extLst>
-                </a:gridCol>
-                <a:gridCol w="222778">
-                  <a:extLst>
-                    <a:ext uri="{9D8B030D-6E8A-4147-A177-3AD203B41FA5}">
-                      <a16:colId xmlns:a16="http://schemas.microsoft.com/office/drawing/2014/main" val="2051524404"/>
-                    </a:ext>
-                  </a:extLst>
-                </a:gridCol>
-                <a:gridCol w="162560">
-                  <a:extLst>
-                    <a:ext uri="{9D8B030D-6E8A-4147-A177-3AD203B41FA5}">
-                      <a16:colId xmlns:a16="http://schemas.microsoft.com/office/drawing/2014/main" val="2785082802"/>
-                    </a:ext>
-                  </a:extLst>
-                </a:gridCol>
-                <a:gridCol w="227196">
-                  <a:extLst>
-                    <a:ext uri="{9D8B030D-6E8A-4147-A177-3AD203B41FA5}">
-                      <a16:colId xmlns:a16="http://schemas.microsoft.com/office/drawing/2014/main" val="810417684"/>
-                    </a:ext>
-                  </a:extLst>
-                </a:gridCol>
-                <a:gridCol w="630468">
-                  <a:extLst>
-                    <a:ext uri="{9D8B030D-6E8A-4147-A177-3AD203B41FA5}">
-                      <a16:colId xmlns:a16="http://schemas.microsoft.com/office/drawing/2014/main" val="151994021"/>
-                    </a:ext>
-                  </a:extLst>
-                </a:gridCol>
-                <a:gridCol w="545270">
-                  <a:extLst>
-                    <a:ext uri="{9D8B030D-6E8A-4147-A177-3AD203B41FA5}">
-                      <a16:colId xmlns:a16="http://schemas.microsoft.com/office/drawing/2014/main" val="1294255076"/>
-                    </a:ext>
-                  </a:extLst>
-                </a:gridCol>
-                <a:gridCol w="93980">
-                  <a:extLst>
-                    <a:ext uri="{9D8B030D-6E8A-4147-A177-3AD203B41FA5}">
-                      <a16:colId xmlns:a16="http://schemas.microsoft.com/office/drawing/2014/main" val="3048109123"/>
-                    </a:ext>
-                  </a:extLst>
-                </a:gridCol>
-                <a:gridCol w="93980">
-                  <a:extLst>
-                    <a:ext uri="{9D8B030D-6E8A-4147-A177-3AD203B41FA5}">
-                      <a16:colId xmlns:a16="http://schemas.microsoft.com/office/drawing/2014/main" val="1833228992"/>
-                    </a:ext>
-                  </a:extLst>
-                </a:gridCol>
-                <a:gridCol w="93980">
-                  <a:extLst>
-                    <a:ext uri="{9D8B030D-6E8A-4147-A177-3AD203B41FA5}">
-                      <a16:colId xmlns:a16="http://schemas.microsoft.com/office/drawing/2014/main" val="1066341446"/>
-                    </a:ext>
-                  </a:extLst>
-                </a:gridCol>
-                <a:gridCol w="378660">
-                  <a:extLst>
-                    <a:ext uri="{9D8B030D-6E8A-4147-A177-3AD203B41FA5}">
-                      <a16:colId xmlns:a16="http://schemas.microsoft.com/office/drawing/2014/main" val="1537976120"/>
-                    </a:ext>
-                  </a:extLst>
-                </a:gridCol>
-                <a:gridCol w="162560">
-                  <a:extLst>
-                    <a:ext uri="{9D8B030D-6E8A-4147-A177-3AD203B41FA5}">
-                      <a16:colId xmlns:a16="http://schemas.microsoft.com/office/drawing/2014/main" val="108780471"/>
-                    </a:ext>
-                  </a:extLst>
-                </a:gridCol>
-                <a:gridCol w="454392">
-                  <a:extLst>
-                    <a:ext uri="{9D8B030D-6E8A-4147-A177-3AD203B41FA5}">
-                      <a16:colId xmlns:a16="http://schemas.microsoft.com/office/drawing/2014/main" val="4270389156"/>
-                    </a:ext>
-                  </a:extLst>
-                </a:gridCol>
-                <a:gridCol w="596389">
-                  <a:extLst>
-                    <a:ext uri="{9D8B030D-6E8A-4147-A177-3AD203B41FA5}">
-                      <a16:colId xmlns:a16="http://schemas.microsoft.com/office/drawing/2014/main" val="675308713"/>
-                    </a:ext>
-                  </a:extLst>
-                </a:gridCol>
-                <a:gridCol w="645615">
-                  <a:extLst>
-                    <a:ext uri="{9D8B030D-6E8A-4147-A177-3AD203B41FA5}">
-                      <a16:colId xmlns:a16="http://schemas.microsoft.com/office/drawing/2014/main" val="3283738820"/>
-                    </a:ext>
-                  </a:extLst>
-                </a:gridCol>
-              </a:tblGrid>
-              <a:tr h="252730">
-                <a:tc>
-                  <a:txBody>
-                    <a:bodyPr/>
-                    <a:lstStyle/>
-                    <a:p>
-                      <a:pPr marL="0" marR="0" algn="ctr">
-                        <a:lnSpc>
-                          <a:spcPct val="150000"/>
-                        </a:lnSpc>
-                        <a:spcBef>
-                          <a:spcPts val="0"/>
-                        </a:spcBef>
-                        <a:spcAft>
-                          <a:spcPts val="0"/>
-                        </a:spcAft>
-                        <a:tabLst>
-                          <a:tab pos="571500" algn="l"/>
-                          <a:tab pos="6343650" algn="l"/>
-                        </a:tabLst>
-                      </a:pPr>
-                      <a:r>
-                        <a:rPr lang="en-US" sz="1100">
-                          <a:effectLst/>
-                        </a:rPr>
-                        <a:t> </a:t>
-                      </a:r>
-                      <a:endParaRPr lang="en-US" sz="1100">
-                        <a:effectLst/>
-                        <a:latin typeface="Calibri" panose="020F0502020204030204" pitchFamily="34" charset="0"/>
-                        <a:ea typeface="Calibri" panose="020F0502020204030204" pitchFamily="34" charset="0"/>
-                        <a:cs typeface="Times New Roman" panose="02020603050405020304" pitchFamily="18" charset="0"/>
-                      </a:endParaRPr>
-                    </a:p>
-                  </a:txBody>
-                  <a:tcPr marL="68580" marR="68580" marT="0" marB="0"/>
-                </a:tc>
-                <a:tc>
-                  <a:txBody>
-                    <a:bodyPr/>
-                    <a:lstStyle/>
-                    <a:p>
-                      <a:pPr marL="0" marR="0" algn="ctr">
-                        <a:lnSpc>
-                          <a:spcPct val="150000"/>
-                        </a:lnSpc>
-                        <a:spcBef>
-                          <a:spcPts val="0"/>
-                        </a:spcBef>
-                        <a:spcAft>
-                          <a:spcPts val="0"/>
-                        </a:spcAft>
-                        <a:tabLst>
-                          <a:tab pos="571500" algn="l"/>
-                          <a:tab pos="6343650" algn="l"/>
-                        </a:tabLst>
-                      </a:pPr>
-                      <a:r>
-                        <a:rPr lang="en-US" sz="1100">
-                          <a:effectLst/>
-                        </a:rPr>
-                        <a:t>Jan-9</a:t>
-                      </a:r>
-                      <a:endParaRPr lang="en-US" sz="1100">
-                        <a:effectLst/>
-                        <a:latin typeface="Calibri" panose="020F0502020204030204" pitchFamily="34" charset="0"/>
-                        <a:ea typeface="Calibri" panose="020F0502020204030204" pitchFamily="34" charset="0"/>
-                        <a:cs typeface="Times New Roman" panose="02020603050405020304" pitchFamily="18" charset="0"/>
-                      </a:endParaRPr>
-                    </a:p>
-                  </a:txBody>
-                  <a:tcPr marL="68580" marR="68580" marT="0" marB="0"/>
-                </a:tc>
-                <a:tc gridSpan="3">
-                  <a:txBody>
-                    <a:bodyPr/>
-                    <a:lstStyle/>
-                    <a:p>
-                      <a:pPr marL="0" marR="0" algn="ctr">
-                        <a:lnSpc>
-                          <a:spcPct val="150000"/>
-                        </a:lnSpc>
-                        <a:spcBef>
-                          <a:spcPts val="0"/>
-                        </a:spcBef>
-                        <a:spcAft>
-                          <a:spcPts val="0"/>
-                        </a:spcAft>
-                        <a:tabLst>
-                          <a:tab pos="571500" algn="l"/>
-                          <a:tab pos="6343650" algn="l"/>
-                        </a:tabLst>
-                      </a:pPr>
-                      <a:r>
-                        <a:rPr lang="en-US" sz="1100">
-                          <a:effectLst/>
-                        </a:rPr>
-                        <a:t>Feb-9</a:t>
-                      </a:r>
-                      <a:endParaRPr lang="en-US" sz="1100">
-                        <a:effectLst/>
-                        <a:latin typeface="Calibri" panose="020F0502020204030204" pitchFamily="34" charset="0"/>
-                        <a:ea typeface="Calibri" panose="020F0502020204030204" pitchFamily="34" charset="0"/>
-                        <a:cs typeface="Times New Roman" panose="02020603050405020304" pitchFamily="18" charset="0"/>
-                      </a:endParaRPr>
-                    </a:p>
-                  </a:txBody>
-                  <a:tcPr marL="68580" marR="68580" marT="0" marB="0"/>
-                </a:tc>
-                <a:tc hMerge="1">
-                  <a:txBody>
-                    <a:bodyPr/>
-                    <a:lstStyle/>
-                    <a:p>
-                      <a:endParaRPr lang="en-US"/>
-                    </a:p>
-                  </a:txBody>
-                  <a:tcPr/>
-                </a:tc>
-                <a:tc hMerge="1">
-                  <a:txBody>
-                    <a:bodyPr/>
-                    <a:lstStyle/>
-                    <a:p>
-                      <a:endParaRPr lang="en-US"/>
-                    </a:p>
-                  </a:txBody>
-                  <a:tcPr/>
-                </a:tc>
-                <a:tc>
-                  <a:txBody>
-                    <a:bodyPr/>
-                    <a:lstStyle/>
-                    <a:p>
-                      <a:pPr marL="0" marR="0" algn="ctr">
-                        <a:lnSpc>
-                          <a:spcPct val="150000"/>
-                        </a:lnSpc>
-                        <a:spcBef>
-                          <a:spcPts val="0"/>
-                        </a:spcBef>
-                        <a:spcAft>
-                          <a:spcPts val="0"/>
-                        </a:spcAft>
-                        <a:tabLst>
-                          <a:tab pos="571500" algn="l"/>
-                          <a:tab pos="6343650" algn="l"/>
-                        </a:tabLst>
-                      </a:pPr>
-                      <a:r>
-                        <a:rPr lang="en-US" sz="1100" dirty="0">
-                          <a:effectLst/>
-                        </a:rPr>
-                        <a:t>Mar-10</a:t>
-                      </a:r>
-                      <a:endParaRPr lang="en-US" sz="1100" dirty="0">
-                        <a:effectLst/>
-                        <a:latin typeface="Calibri" panose="020F0502020204030204" pitchFamily="34" charset="0"/>
-                        <a:ea typeface="Calibri" panose="020F0502020204030204" pitchFamily="34" charset="0"/>
-                        <a:cs typeface="Times New Roman" panose="02020603050405020304" pitchFamily="18" charset="0"/>
-                      </a:endParaRPr>
-                    </a:p>
-                  </a:txBody>
-                  <a:tcPr marL="68580" marR="68580" marT="0" marB="0"/>
-                </a:tc>
-                <a:tc gridSpan="3">
-                  <a:txBody>
-                    <a:bodyPr/>
-                    <a:lstStyle/>
-                    <a:p>
-                      <a:pPr marL="0" marR="0" algn="ctr">
-                        <a:lnSpc>
-                          <a:spcPct val="150000"/>
-                        </a:lnSpc>
-                        <a:spcBef>
-                          <a:spcPts val="0"/>
-                        </a:spcBef>
-                        <a:spcAft>
-                          <a:spcPts val="0"/>
-                        </a:spcAft>
-                        <a:tabLst>
-                          <a:tab pos="571500" algn="l"/>
-                          <a:tab pos="6343650" algn="l"/>
-                        </a:tabLst>
-                      </a:pPr>
-                      <a:r>
-                        <a:rPr lang="en-US" sz="1100">
-                          <a:effectLst/>
-                        </a:rPr>
-                        <a:t>Mar-30</a:t>
-                      </a:r>
-                      <a:endParaRPr lang="en-US" sz="1100">
-                        <a:effectLst/>
-                        <a:latin typeface="Calibri" panose="020F0502020204030204" pitchFamily="34" charset="0"/>
-                        <a:ea typeface="Calibri" panose="020F0502020204030204" pitchFamily="34" charset="0"/>
-                        <a:cs typeface="Times New Roman" panose="02020603050405020304" pitchFamily="18" charset="0"/>
-                      </a:endParaRPr>
-                    </a:p>
-                  </a:txBody>
-                  <a:tcPr marL="68580" marR="68580" marT="0" marB="0"/>
-                </a:tc>
-                <a:tc hMerge="1">
-                  <a:txBody>
-                    <a:bodyPr/>
-                    <a:lstStyle/>
-                    <a:p>
-                      <a:endParaRPr lang="en-US"/>
-                    </a:p>
-                  </a:txBody>
-                  <a:tcPr/>
-                </a:tc>
-                <a:tc hMerge="1">
-                  <a:txBody>
-                    <a:bodyPr/>
-                    <a:lstStyle/>
-                    <a:p>
-                      <a:endParaRPr lang="en-US"/>
-                    </a:p>
-                  </a:txBody>
-                  <a:tcPr/>
-                </a:tc>
-                <a:tc gridSpan="2">
-                  <a:txBody>
-                    <a:bodyPr/>
-                    <a:lstStyle/>
-                    <a:p>
-                      <a:pPr marL="0" marR="0" algn="ctr">
-                        <a:lnSpc>
-                          <a:spcPct val="150000"/>
-                        </a:lnSpc>
-                        <a:spcBef>
-                          <a:spcPts val="0"/>
-                        </a:spcBef>
-                        <a:spcAft>
-                          <a:spcPts val="0"/>
-                        </a:spcAft>
-                        <a:tabLst>
-                          <a:tab pos="571500" algn="l"/>
-                          <a:tab pos="6343650" algn="l"/>
-                        </a:tabLst>
-                      </a:pPr>
-                      <a:r>
-                        <a:rPr lang="en-US" sz="1100">
-                          <a:effectLst/>
-                        </a:rPr>
-                        <a:t>Apr-10</a:t>
-                      </a:r>
-                      <a:endParaRPr lang="en-US" sz="1100">
-                        <a:effectLst/>
-                        <a:latin typeface="Calibri" panose="020F0502020204030204" pitchFamily="34" charset="0"/>
-                        <a:ea typeface="Calibri" panose="020F0502020204030204" pitchFamily="34" charset="0"/>
-                        <a:cs typeface="Times New Roman" panose="02020603050405020304" pitchFamily="18" charset="0"/>
-                      </a:endParaRPr>
-                    </a:p>
-                  </a:txBody>
-                  <a:tcPr marL="68580" marR="68580" marT="0" marB="0"/>
-                </a:tc>
-                <a:tc hMerge="1">
-                  <a:txBody>
-                    <a:bodyPr/>
-                    <a:lstStyle/>
-                    <a:p>
-                      <a:endParaRPr lang="en-US"/>
-                    </a:p>
-                  </a:txBody>
-                  <a:tcPr/>
-                </a:tc>
-                <a:tc gridSpan="2">
-                  <a:txBody>
-                    <a:bodyPr/>
-                    <a:lstStyle/>
-                    <a:p>
-                      <a:pPr marL="0" marR="0" algn="ctr">
-                        <a:lnSpc>
-                          <a:spcPct val="150000"/>
-                        </a:lnSpc>
-                        <a:spcBef>
-                          <a:spcPts val="0"/>
-                        </a:spcBef>
-                        <a:spcAft>
-                          <a:spcPts val="0"/>
-                        </a:spcAft>
-                        <a:tabLst>
-                          <a:tab pos="571500" algn="l"/>
-                          <a:tab pos="6343650" algn="l"/>
-                        </a:tabLst>
-                      </a:pPr>
-                      <a:r>
-                        <a:rPr lang="en-US" sz="1100">
-                          <a:effectLst/>
-                        </a:rPr>
-                        <a:t>Apr-25</a:t>
-                      </a:r>
-                      <a:endParaRPr lang="en-US" sz="1100">
-                        <a:effectLst/>
-                        <a:latin typeface="Calibri" panose="020F0502020204030204" pitchFamily="34" charset="0"/>
-                        <a:ea typeface="Calibri" panose="020F0502020204030204" pitchFamily="34" charset="0"/>
-                        <a:cs typeface="Times New Roman" panose="02020603050405020304" pitchFamily="18" charset="0"/>
-                      </a:endParaRPr>
-                    </a:p>
-                  </a:txBody>
-                  <a:tcPr marL="68580" marR="68580" marT="0" marB="0"/>
-                </a:tc>
-                <a:tc hMerge="1">
-                  <a:txBody>
-                    <a:bodyPr/>
-                    <a:lstStyle/>
-                    <a:p>
-                      <a:endParaRPr lang="en-US"/>
-                    </a:p>
-                  </a:txBody>
-                  <a:tcPr/>
-                </a:tc>
-                <a:tc>
-                  <a:txBody>
-                    <a:bodyPr/>
-                    <a:lstStyle/>
-                    <a:p>
-                      <a:pPr marL="0" marR="0" algn="ctr">
-                        <a:lnSpc>
-                          <a:spcPct val="150000"/>
-                        </a:lnSpc>
-                        <a:spcBef>
-                          <a:spcPts val="0"/>
-                        </a:spcBef>
-                        <a:spcAft>
-                          <a:spcPts val="0"/>
-                        </a:spcAft>
-                        <a:tabLst>
-                          <a:tab pos="571500" algn="l"/>
-                          <a:tab pos="6343650" algn="l"/>
-                        </a:tabLst>
-                      </a:pPr>
-                      <a:r>
-                        <a:rPr lang="en-US" sz="1100">
-                          <a:effectLst/>
-                        </a:rPr>
-                        <a:t>May-10</a:t>
-                      </a:r>
-                      <a:endParaRPr lang="en-US" sz="1100">
-                        <a:effectLst/>
-                        <a:latin typeface="Calibri" panose="020F0502020204030204" pitchFamily="34" charset="0"/>
-                        <a:ea typeface="Calibri" panose="020F0502020204030204" pitchFamily="34" charset="0"/>
-                        <a:cs typeface="Times New Roman" panose="02020603050405020304" pitchFamily="18" charset="0"/>
-                      </a:endParaRPr>
-                    </a:p>
-                  </a:txBody>
-                  <a:tcPr marL="68580" marR="68580" marT="0" marB="0"/>
-                </a:tc>
-                <a:tc>
-                  <a:txBody>
-                    <a:bodyPr/>
-                    <a:lstStyle/>
-                    <a:p>
-                      <a:pPr marL="0" marR="0" algn="ctr">
-                        <a:lnSpc>
-                          <a:spcPct val="150000"/>
-                        </a:lnSpc>
-                        <a:spcBef>
-                          <a:spcPts val="0"/>
-                        </a:spcBef>
-                        <a:spcAft>
-                          <a:spcPts val="0"/>
-                        </a:spcAft>
-                        <a:tabLst>
-                          <a:tab pos="571500" algn="l"/>
-                          <a:tab pos="6343650" algn="l"/>
-                        </a:tabLst>
-                      </a:pPr>
-                      <a:r>
-                        <a:rPr lang="en-US" sz="1100">
-                          <a:effectLst/>
-                        </a:rPr>
-                        <a:t>Jun-20</a:t>
-                      </a:r>
-                      <a:endParaRPr lang="en-US" sz="1100">
-                        <a:effectLst/>
-                        <a:latin typeface="Calibri" panose="020F0502020204030204" pitchFamily="34" charset="0"/>
-                        <a:ea typeface="Calibri" panose="020F0502020204030204" pitchFamily="34" charset="0"/>
-                        <a:cs typeface="Times New Roman" panose="02020603050405020304" pitchFamily="18" charset="0"/>
-                      </a:endParaRPr>
-                    </a:p>
-                  </a:txBody>
-                  <a:tcPr marL="68580" marR="68580" marT="0" marB="0"/>
-                </a:tc>
-                <a:extLst>
-                  <a:ext uri="{0D108BD9-81ED-4DB2-BD59-A6C34878D82A}">
-                    <a16:rowId xmlns:a16="http://schemas.microsoft.com/office/drawing/2014/main" val="2423117851"/>
-                  </a:ext>
-                </a:extLst>
-              </a:tr>
-              <a:tr h="238125">
-                <a:tc>
-                  <a:txBody>
-                    <a:bodyPr/>
-                    <a:lstStyle/>
-                    <a:p>
-                      <a:pPr marL="0" marR="0" algn="ctr">
-                        <a:lnSpc>
-                          <a:spcPct val="150000"/>
-                        </a:lnSpc>
-                        <a:spcBef>
-                          <a:spcPts val="0"/>
-                        </a:spcBef>
-                        <a:spcAft>
-                          <a:spcPts val="0"/>
-                        </a:spcAft>
-                        <a:tabLst>
-                          <a:tab pos="571500" algn="l"/>
-                          <a:tab pos="6343650" algn="l"/>
-                        </a:tabLst>
-                      </a:pPr>
-                      <a:r>
-                        <a:rPr lang="en-US" sz="1200">
-                          <a:effectLst/>
-                        </a:rPr>
-                        <a:t> </a:t>
-                      </a:r>
-                      <a:endParaRPr lang="en-US" sz="1100">
-                        <a:effectLst/>
-                        <a:latin typeface="Calibri" panose="020F0502020204030204" pitchFamily="34" charset="0"/>
-                        <a:ea typeface="Calibri" panose="020F0502020204030204" pitchFamily="34" charset="0"/>
-                        <a:cs typeface="Times New Roman" panose="02020603050405020304" pitchFamily="18" charset="0"/>
-                      </a:endParaRPr>
-                    </a:p>
-                  </a:txBody>
-                  <a:tcPr marL="68580" marR="68580" marT="0" marB="0"/>
-                </a:tc>
-                <a:tc>
-                  <a:txBody>
-                    <a:bodyPr/>
-                    <a:lstStyle/>
-                    <a:p>
-                      <a:pPr marL="0" marR="0" algn="ctr">
-                        <a:lnSpc>
-                          <a:spcPct val="150000"/>
-                        </a:lnSpc>
-                        <a:spcBef>
-                          <a:spcPts val="0"/>
-                        </a:spcBef>
-                        <a:spcAft>
-                          <a:spcPts val="0"/>
-                        </a:spcAft>
-                        <a:tabLst>
-                          <a:tab pos="571500" algn="l"/>
-                          <a:tab pos="6343650" algn="l"/>
-                        </a:tabLst>
-                      </a:pPr>
-                      <a:r>
-                        <a:rPr lang="en-US" sz="1200" u="none" strike="noStrike">
-                          <a:effectLst/>
-                        </a:rPr>
-                        <a:t> </a:t>
-                      </a:r>
-                      <a:endParaRPr lang="en-US" sz="1100">
-                        <a:effectLst/>
-                        <a:latin typeface="Calibri" panose="020F0502020204030204" pitchFamily="34" charset="0"/>
-                        <a:ea typeface="Calibri" panose="020F0502020204030204" pitchFamily="34" charset="0"/>
-                        <a:cs typeface="Times New Roman" panose="02020603050405020304" pitchFamily="18" charset="0"/>
-                      </a:endParaRPr>
-                    </a:p>
-                  </a:txBody>
-                  <a:tcPr marL="68580" marR="68580" marT="0" marB="0"/>
-                </a:tc>
-                <a:tc gridSpan="3">
-                  <a:txBody>
-                    <a:bodyPr/>
-                    <a:lstStyle/>
-                    <a:p>
-                      <a:pPr marL="0" marR="0" algn="ctr">
-                        <a:lnSpc>
-                          <a:spcPct val="150000"/>
-                        </a:lnSpc>
-                        <a:spcBef>
-                          <a:spcPts val="0"/>
-                        </a:spcBef>
-                        <a:spcAft>
-                          <a:spcPts val="0"/>
-                        </a:spcAft>
-                        <a:tabLst>
-                          <a:tab pos="571500" algn="l"/>
-                          <a:tab pos="6343650" algn="l"/>
-                        </a:tabLst>
-                      </a:pPr>
-                      <a:r>
-                        <a:rPr lang="en-US" sz="1200" u="none" strike="noStrike">
-                          <a:effectLst/>
-                        </a:rPr>
-                        <a:t> </a:t>
-                      </a:r>
-                      <a:endParaRPr lang="en-US" sz="1100">
-                        <a:effectLst/>
-                        <a:latin typeface="Calibri" panose="020F0502020204030204" pitchFamily="34" charset="0"/>
-                        <a:ea typeface="Calibri" panose="020F0502020204030204" pitchFamily="34" charset="0"/>
-                        <a:cs typeface="Times New Roman" panose="02020603050405020304" pitchFamily="18" charset="0"/>
-                      </a:endParaRPr>
-                    </a:p>
-                  </a:txBody>
-                  <a:tcPr marL="68580" marR="68580" marT="0" marB="0"/>
-                </a:tc>
-                <a:tc hMerge="1">
-                  <a:txBody>
-                    <a:bodyPr/>
-                    <a:lstStyle/>
-                    <a:p>
-                      <a:endParaRPr lang="en-US"/>
-                    </a:p>
-                  </a:txBody>
-                  <a:tcPr/>
-                </a:tc>
-                <a:tc hMerge="1">
-                  <a:txBody>
-                    <a:bodyPr/>
-                    <a:lstStyle/>
-                    <a:p>
-                      <a:endParaRPr lang="en-US"/>
-                    </a:p>
-                  </a:txBody>
-                  <a:tcPr/>
-                </a:tc>
-                <a:tc>
-                  <a:txBody>
-                    <a:bodyPr/>
-                    <a:lstStyle/>
-                    <a:p>
-                      <a:pPr marL="0" marR="0" algn="ctr">
-                        <a:lnSpc>
-                          <a:spcPct val="150000"/>
-                        </a:lnSpc>
-                        <a:spcBef>
-                          <a:spcPts val="0"/>
-                        </a:spcBef>
-                        <a:spcAft>
-                          <a:spcPts val="0"/>
-                        </a:spcAft>
-                        <a:tabLst>
-                          <a:tab pos="571500" algn="l"/>
-                          <a:tab pos="6343650" algn="l"/>
-                        </a:tabLst>
-                      </a:pPr>
-                      <a:r>
-                        <a:rPr lang="en-US" sz="1200" u="none" strike="noStrike">
-                          <a:effectLst/>
-                        </a:rPr>
-                        <a:t> </a:t>
-                      </a:r>
-                      <a:endParaRPr lang="en-US" sz="1100">
-                        <a:effectLst/>
-                        <a:latin typeface="Calibri" panose="020F0502020204030204" pitchFamily="34" charset="0"/>
-                        <a:ea typeface="Calibri" panose="020F0502020204030204" pitchFamily="34" charset="0"/>
-                        <a:cs typeface="Times New Roman" panose="02020603050405020304" pitchFamily="18" charset="0"/>
-                      </a:endParaRPr>
-                    </a:p>
-                  </a:txBody>
-                  <a:tcPr marL="68580" marR="68580" marT="0" marB="0"/>
-                </a:tc>
-                <a:tc>
-                  <a:txBody>
-                    <a:bodyPr/>
-                    <a:lstStyle/>
-                    <a:p>
-                      <a:pPr marL="0" marR="0" algn="ctr">
-                        <a:lnSpc>
-                          <a:spcPct val="150000"/>
-                        </a:lnSpc>
-                        <a:spcBef>
-                          <a:spcPts val="0"/>
-                        </a:spcBef>
-                        <a:spcAft>
-                          <a:spcPts val="0"/>
-                        </a:spcAft>
-                        <a:tabLst>
-                          <a:tab pos="571500" algn="l"/>
-                          <a:tab pos="6343650" algn="l"/>
-                        </a:tabLst>
-                      </a:pPr>
-                      <a:r>
-                        <a:rPr lang="en-US" sz="1200" u="none" strike="noStrike">
-                          <a:effectLst/>
-                        </a:rPr>
-                        <a:t> </a:t>
-                      </a:r>
-                      <a:endParaRPr lang="en-US" sz="1100">
-                        <a:effectLst/>
-                        <a:latin typeface="Calibri" panose="020F0502020204030204" pitchFamily="34" charset="0"/>
-                        <a:ea typeface="Calibri" panose="020F0502020204030204" pitchFamily="34" charset="0"/>
-                        <a:cs typeface="Times New Roman" panose="02020603050405020304" pitchFamily="18" charset="0"/>
-                      </a:endParaRPr>
-                    </a:p>
-                  </a:txBody>
-                  <a:tcPr marL="68580" marR="68580" marT="0" marB="0"/>
-                </a:tc>
-                <a:tc gridSpan="4">
-                  <a:txBody>
-                    <a:bodyPr/>
-                    <a:lstStyle/>
-                    <a:p>
-                      <a:pPr marL="0" marR="0" algn="ctr">
-                        <a:lnSpc>
-                          <a:spcPct val="150000"/>
-                        </a:lnSpc>
-                        <a:spcBef>
-                          <a:spcPts val="0"/>
-                        </a:spcBef>
-                        <a:spcAft>
-                          <a:spcPts val="0"/>
-                        </a:spcAft>
-                        <a:tabLst>
-                          <a:tab pos="571500" algn="l"/>
-                          <a:tab pos="6343650" algn="l"/>
-                        </a:tabLst>
-                      </a:pPr>
-                      <a:r>
-                        <a:rPr lang="en-US" sz="1200" u="none" strike="noStrike">
-                          <a:effectLst/>
-                        </a:rPr>
-                        <a:t> </a:t>
-                      </a:r>
-                      <a:endParaRPr lang="en-US" sz="1100">
-                        <a:effectLst/>
-                        <a:latin typeface="Calibri" panose="020F0502020204030204" pitchFamily="34" charset="0"/>
-                        <a:ea typeface="Calibri" panose="020F0502020204030204" pitchFamily="34" charset="0"/>
-                        <a:cs typeface="Times New Roman" panose="02020603050405020304" pitchFamily="18" charset="0"/>
-                      </a:endParaRPr>
-                    </a:p>
-                  </a:txBody>
-                  <a:tcPr marL="68580" marR="68580" marT="0" marB="0"/>
-                </a:tc>
-                <a:tc hMerge="1">
-                  <a:txBody>
-                    <a:bodyPr/>
-                    <a:lstStyle/>
-                    <a:p>
-                      <a:endParaRPr lang="en-US"/>
-                    </a:p>
-                  </a:txBody>
-                  <a:tcPr/>
-                </a:tc>
-                <a:tc hMerge="1">
-                  <a:txBody>
-                    <a:bodyPr/>
-                    <a:lstStyle/>
-                    <a:p>
-                      <a:endParaRPr lang="en-US"/>
-                    </a:p>
-                  </a:txBody>
-                  <a:tcPr/>
-                </a:tc>
-                <a:tc hMerge="1">
-                  <a:txBody>
-                    <a:bodyPr/>
-                    <a:lstStyle/>
-                    <a:p>
-                      <a:endParaRPr lang="en-US"/>
-                    </a:p>
-                  </a:txBody>
-                  <a:tcPr/>
-                </a:tc>
-                <a:tc gridSpan="2">
-                  <a:txBody>
-                    <a:bodyPr/>
-                    <a:lstStyle/>
-                    <a:p>
-                      <a:pPr marL="0" marR="0" algn="ctr">
-                        <a:lnSpc>
-                          <a:spcPct val="150000"/>
-                        </a:lnSpc>
-                        <a:spcBef>
-                          <a:spcPts val="0"/>
-                        </a:spcBef>
-                        <a:spcAft>
-                          <a:spcPts val="0"/>
-                        </a:spcAft>
-                        <a:tabLst>
-                          <a:tab pos="571500" algn="l"/>
-                          <a:tab pos="6343650" algn="l"/>
-                        </a:tabLst>
-                      </a:pPr>
-                      <a:r>
-                        <a:rPr lang="en-US" sz="1200" u="none" strike="noStrike">
-                          <a:effectLst/>
-                        </a:rPr>
-                        <a:t> </a:t>
-                      </a:r>
-                      <a:endParaRPr lang="en-US" sz="1100">
-                        <a:effectLst/>
-                        <a:latin typeface="Calibri" panose="020F0502020204030204" pitchFamily="34" charset="0"/>
-                        <a:ea typeface="Calibri" panose="020F0502020204030204" pitchFamily="34" charset="0"/>
-                        <a:cs typeface="Times New Roman" panose="02020603050405020304" pitchFamily="18" charset="0"/>
-                      </a:endParaRPr>
-                    </a:p>
-                  </a:txBody>
-                  <a:tcPr marL="68580" marR="68580" marT="0" marB="0"/>
-                </a:tc>
-                <a:tc hMerge="1">
-                  <a:txBody>
-                    <a:bodyPr/>
-                    <a:lstStyle/>
-                    <a:p>
-                      <a:endParaRPr lang="en-US"/>
-                    </a:p>
-                  </a:txBody>
-                  <a:tcPr/>
-                </a:tc>
-                <a:tc>
-                  <a:txBody>
-                    <a:bodyPr/>
-                    <a:lstStyle/>
-                    <a:p>
-                      <a:pPr marL="0" marR="0" algn="ctr">
-                        <a:lnSpc>
-                          <a:spcPct val="150000"/>
-                        </a:lnSpc>
-                        <a:spcBef>
-                          <a:spcPts val="0"/>
-                        </a:spcBef>
-                        <a:spcAft>
-                          <a:spcPts val="0"/>
-                        </a:spcAft>
-                        <a:tabLst>
-                          <a:tab pos="571500" algn="l"/>
-                          <a:tab pos="6343650" algn="l"/>
-                        </a:tabLst>
-                      </a:pPr>
-                      <a:r>
-                        <a:rPr lang="en-US" sz="1200" u="none" strike="noStrike">
-                          <a:effectLst/>
-                        </a:rPr>
-                        <a:t> </a:t>
-                      </a:r>
-                      <a:endParaRPr lang="en-US" sz="1100">
-                        <a:effectLst/>
-                        <a:latin typeface="Calibri" panose="020F0502020204030204" pitchFamily="34" charset="0"/>
-                        <a:ea typeface="Calibri" panose="020F0502020204030204" pitchFamily="34" charset="0"/>
-                        <a:cs typeface="Times New Roman" panose="02020603050405020304" pitchFamily="18" charset="0"/>
-                      </a:endParaRPr>
-                    </a:p>
-                  </a:txBody>
-                  <a:tcPr marL="68580" marR="68580" marT="0" marB="0"/>
-                </a:tc>
-                <a:tc>
-                  <a:txBody>
-                    <a:bodyPr/>
-                    <a:lstStyle/>
-                    <a:p>
-                      <a:pPr marL="0" marR="0" algn="ctr">
-                        <a:lnSpc>
-                          <a:spcPct val="150000"/>
-                        </a:lnSpc>
-                        <a:spcBef>
-                          <a:spcPts val="0"/>
-                        </a:spcBef>
-                        <a:spcAft>
-                          <a:spcPts val="0"/>
-                        </a:spcAft>
-                        <a:tabLst>
-                          <a:tab pos="571500" algn="l"/>
-                          <a:tab pos="6343650" algn="l"/>
-                        </a:tabLst>
-                      </a:pPr>
-                      <a:r>
-                        <a:rPr lang="en-US" sz="1200" u="none" strike="noStrike">
-                          <a:effectLst/>
-                        </a:rPr>
-                        <a:t> </a:t>
-                      </a:r>
-                      <a:endParaRPr lang="en-US" sz="1100">
-                        <a:effectLst/>
-                        <a:latin typeface="Calibri" panose="020F0502020204030204" pitchFamily="34" charset="0"/>
-                        <a:ea typeface="Calibri" panose="020F0502020204030204" pitchFamily="34" charset="0"/>
-                        <a:cs typeface="Times New Roman" panose="02020603050405020304" pitchFamily="18" charset="0"/>
-                      </a:endParaRPr>
-                    </a:p>
-                  </a:txBody>
-                  <a:tcPr marL="68580" marR="68580" marT="0" marB="0"/>
-                </a:tc>
-                <a:extLst>
-                  <a:ext uri="{0D108BD9-81ED-4DB2-BD59-A6C34878D82A}">
-                    <a16:rowId xmlns:a16="http://schemas.microsoft.com/office/drawing/2014/main" val="1176615180"/>
-                  </a:ext>
-                </a:extLst>
-              </a:tr>
-              <a:tr h="252730">
-                <a:tc>
-                  <a:txBody>
-                    <a:bodyPr/>
-                    <a:lstStyle/>
-                    <a:p>
-                      <a:pPr marL="0" marR="0" algn="ctr">
-                        <a:lnSpc>
-                          <a:spcPct val="150000"/>
-                        </a:lnSpc>
-                        <a:spcBef>
-                          <a:spcPts val="0"/>
-                        </a:spcBef>
-                        <a:spcAft>
-                          <a:spcPts val="0"/>
-                        </a:spcAft>
-                        <a:tabLst>
-                          <a:tab pos="571500" algn="l"/>
-                          <a:tab pos="6343650" algn="l"/>
-                        </a:tabLst>
-                      </a:pPr>
-                      <a:r>
-                        <a:rPr lang="en-US" sz="1200">
-                          <a:effectLst/>
-                        </a:rPr>
-                        <a:t>Planning </a:t>
-                      </a:r>
-                      <a:endParaRPr lang="en-US" sz="1100">
-                        <a:effectLst/>
-                        <a:latin typeface="Calibri" panose="020F0502020204030204" pitchFamily="34" charset="0"/>
-                        <a:ea typeface="Calibri" panose="020F0502020204030204" pitchFamily="34" charset="0"/>
-                        <a:cs typeface="Times New Roman" panose="02020603050405020304" pitchFamily="18" charset="0"/>
-                      </a:endParaRPr>
-                    </a:p>
-                  </a:txBody>
-                  <a:tcPr marL="68580" marR="68580" marT="0" marB="0"/>
-                </a:tc>
-                <a:tc>
-                  <a:txBody>
-                    <a:bodyPr/>
-                    <a:lstStyle/>
-                    <a:p>
-                      <a:pPr marL="0" marR="0" algn="ctr">
-                        <a:lnSpc>
-                          <a:spcPct val="150000"/>
-                        </a:lnSpc>
-                        <a:spcBef>
-                          <a:spcPts val="0"/>
-                        </a:spcBef>
-                        <a:spcAft>
-                          <a:spcPts val="0"/>
-                        </a:spcAft>
-                        <a:tabLst>
-                          <a:tab pos="571500" algn="l"/>
-                          <a:tab pos="6343650" algn="l"/>
-                        </a:tabLst>
-                      </a:pPr>
-                      <a:r>
-                        <a:rPr lang="en-US" sz="1200" u="none" strike="noStrike">
-                          <a:effectLst/>
-                        </a:rPr>
-                        <a:t> </a:t>
-                      </a:r>
-                      <a:endParaRPr lang="en-US" sz="1100">
-                        <a:effectLst/>
-                        <a:latin typeface="Calibri" panose="020F0502020204030204" pitchFamily="34" charset="0"/>
-                        <a:ea typeface="Calibri" panose="020F0502020204030204" pitchFamily="34" charset="0"/>
-                        <a:cs typeface="Times New Roman" panose="02020603050405020304" pitchFamily="18" charset="0"/>
-                      </a:endParaRPr>
-                    </a:p>
-                  </a:txBody>
-                  <a:tcPr marL="68580" marR="68580" marT="0" marB="0"/>
-                </a:tc>
-                <a:tc gridSpan="3">
-                  <a:txBody>
-                    <a:bodyPr/>
-                    <a:lstStyle/>
-                    <a:p>
-                      <a:pPr marL="0" marR="0" algn="ctr">
-                        <a:lnSpc>
-                          <a:spcPct val="150000"/>
-                        </a:lnSpc>
-                        <a:spcBef>
-                          <a:spcPts val="0"/>
-                        </a:spcBef>
-                        <a:spcAft>
-                          <a:spcPts val="0"/>
-                        </a:spcAft>
-                        <a:tabLst>
-                          <a:tab pos="571500" algn="l"/>
-                          <a:tab pos="6343650" algn="l"/>
-                        </a:tabLst>
-                      </a:pPr>
-                      <a:r>
-                        <a:rPr lang="en-US" sz="1200" u="none" strike="noStrike">
-                          <a:effectLst/>
-                        </a:rPr>
-                        <a:t> </a:t>
-                      </a:r>
-                      <a:endParaRPr lang="en-US" sz="1100">
-                        <a:effectLst/>
-                        <a:latin typeface="Calibri" panose="020F0502020204030204" pitchFamily="34" charset="0"/>
-                        <a:ea typeface="Calibri" panose="020F0502020204030204" pitchFamily="34" charset="0"/>
-                        <a:cs typeface="Times New Roman" panose="02020603050405020304" pitchFamily="18" charset="0"/>
-                      </a:endParaRPr>
-                    </a:p>
-                  </a:txBody>
-                  <a:tcPr marL="68580" marR="68580" marT="0" marB="0"/>
-                </a:tc>
-                <a:tc hMerge="1">
-                  <a:txBody>
-                    <a:bodyPr/>
-                    <a:lstStyle/>
-                    <a:p>
-                      <a:endParaRPr lang="en-US"/>
-                    </a:p>
-                  </a:txBody>
-                  <a:tcPr/>
-                </a:tc>
-                <a:tc hMerge="1">
-                  <a:txBody>
-                    <a:bodyPr/>
-                    <a:lstStyle/>
-                    <a:p>
-                      <a:endParaRPr lang="en-US"/>
-                    </a:p>
-                  </a:txBody>
-                  <a:tcPr/>
-                </a:tc>
-                <a:tc>
-                  <a:txBody>
-                    <a:bodyPr/>
-                    <a:lstStyle/>
-                    <a:p>
-                      <a:pPr marL="0" marR="0" algn="ctr">
-                        <a:lnSpc>
-                          <a:spcPct val="150000"/>
-                        </a:lnSpc>
-                        <a:spcBef>
-                          <a:spcPts val="0"/>
-                        </a:spcBef>
-                        <a:spcAft>
-                          <a:spcPts val="0"/>
-                        </a:spcAft>
-                        <a:tabLst>
-                          <a:tab pos="571500" algn="l"/>
-                          <a:tab pos="6343650" algn="l"/>
-                        </a:tabLst>
-                      </a:pPr>
-                      <a:r>
-                        <a:rPr lang="en-US" sz="1200" u="none" strike="noStrike">
-                          <a:effectLst/>
-                        </a:rPr>
-                        <a:t> </a:t>
-                      </a:r>
-                      <a:endParaRPr lang="en-US" sz="1100">
-                        <a:effectLst/>
-                        <a:latin typeface="Calibri" panose="020F0502020204030204" pitchFamily="34" charset="0"/>
-                        <a:ea typeface="Calibri" panose="020F0502020204030204" pitchFamily="34" charset="0"/>
-                        <a:cs typeface="Times New Roman" panose="02020603050405020304" pitchFamily="18" charset="0"/>
-                      </a:endParaRPr>
-                    </a:p>
-                  </a:txBody>
-                  <a:tcPr marL="68580" marR="68580" marT="0" marB="0"/>
-                </a:tc>
-                <a:tc>
-                  <a:txBody>
-                    <a:bodyPr/>
-                    <a:lstStyle/>
-                    <a:p>
-                      <a:pPr marL="0" marR="0" algn="ctr">
-                        <a:lnSpc>
-                          <a:spcPct val="150000"/>
-                        </a:lnSpc>
-                        <a:spcBef>
-                          <a:spcPts val="0"/>
-                        </a:spcBef>
-                        <a:spcAft>
-                          <a:spcPts val="0"/>
-                        </a:spcAft>
-                        <a:tabLst>
-                          <a:tab pos="571500" algn="l"/>
-                          <a:tab pos="6343650" algn="l"/>
-                        </a:tabLst>
-                      </a:pPr>
-                      <a:r>
-                        <a:rPr lang="en-US" sz="1200" u="none" strike="noStrike">
-                          <a:effectLst/>
-                        </a:rPr>
-                        <a:t> </a:t>
-                      </a:r>
-                      <a:endParaRPr lang="en-US" sz="1100">
-                        <a:effectLst/>
-                        <a:latin typeface="Calibri" panose="020F0502020204030204" pitchFamily="34" charset="0"/>
-                        <a:ea typeface="Calibri" panose="020F0502020204030204" pitchFamily="34" charset="0"/>
-                        <a:cs typeface="Times New Roman" panose="02020603050405020304" pitchFamily="18" charset="0"/>
-                      </a:endParaRPr>
-                    </a:p>
-                  </a:txBody>
-                  <a:tcPr marL="68580" marR="68580" marT="0" marB="0"/>
-                </a:tc>
-                <a:tc gridSpan="4">
-                  <a:txBody>
-                    <a:bodyPr/>
-                    <a:lstStyle/>
-                    <a:p>
-                      <a:pPr marL="0" marR="0" algn="ctr">
-                        <a:lnSpc>
-                          <a:spcPct val="150000"/>
-                        </a:lnSpc>
-                        <a:spcBef>
-                          <a:spcPts val="0"/>
-                        </a:spcBef>
-                        <a:spcAft>
-                          <a:spcPts val="0"/>
-                        </a:spcAft>
-                        <a:tabLst>
-                          <a:tab pos="571500" algn="l"/>
-                          <a:tab pos="6343650" algn="l"/>
-                        </a:tabLst>
-                      </a:pPr>
-                      <a:r>
-                        <a:rPr lang="en-US" sz="1200" u="none" strike="noStrike">
-                          <a:effectLst/>
-                        </a:rPr>
-                        <a:t> </a:t>
-                      </a:r>
-                      <a:endParaRPr lang="en-US" sz="1100">
-                        <a:effectLst/>
-                        <a:latin typeface="Calibri" panose="020F0502020204030204" pitchFamily="34" charset="0"/>
-                        <a:ea typeface="Calibri" panose="020F0502020204030204" pitchFamily="34" charset="0"/>
-                        <a:cs typeface="Times New Roman" panose="02020603050405020304" pitchFamily="18" charset="0"/>
-                      </a:endParaRPr>
-                    </a:p>
-                  </a:txBody>
-                  <a:tcPr marL="68580" marR="68580" marT="0" marB="0"/>
-                </a:tc>
-                <a:tc hMerge="1">
-                  <a:txBody>
-                    <a:bodyPr/>
-                    <a:lstStyle/>
-                    <a:p>
-                      <a:endParaRPr lang="en-US"/>
-                    </a:p>
-                  </a:txBody>
-                  <a:tcPr/>
-                </a:tc>
-                <a:tc hMerge="1">
-                  <a:txBody>
-                    <a:bodyPr/>
-                    <a:lstStyle/>
-                    <a:p>
-                      <a:endParaRPr lang="en-US"/>
-                    </a:p>
-                  </a:txBody>
-                  <a:tcPr/>
-                </a:tc>
-                <a:tc hMerge="1">
-                  <a:txBody>
-                    <a:bodyPr/>
-                    <a:lstStyle/>
-                    <a:p>
-                      <a:endParaRPr lang="en-US"/>
-                    </a:p>
-                  </a:txBody>
-                  <a:tcPr/>
-                </a:tc>
-                <a:tc gridSpan="2">
-                  <a:txBody>
-                    <a:bodyPr/>
-                    <a:lstStyle/>
-                    <a:p>
-                      <a:pPr marL="0" marR="0" algn="ctr">
-                        <a:lnSpc>
-                          <a:spcPct val="150000"/>
-                        </a:lnSpc>
-                        <a:spcBef>
-                          <a:spcPts val="0"/>
-                        </a:spcBef>
-                        <a:spcAft>
-                          <a:spcPts val="0"/>
-                        </a:spcAft>
-                        <a:tabLst>
-                          <a:tab pos="571500" algn="l"/>
-                          <a:tab pos="6343650" algn="l"/>
-                        </a:tabLst>
-                      </a:pPr>
-                      <a:r>
-                        <a:rPr lang="en-US" sz="1200" u="none" strike="noStrike">
-                          <a:effectLst/>
-                        </a:rPr>
-                        <a:t> </a:t>
-                      </a:r>
-                      <a:endParaRPr lang="en-US" sz="1100">
-                        <a:effectLst/>
-                        <a:latin typeface="Calibri" panose="020F0502020204030204" pitchFamily="34" charset="0"/>
-                        <a:ea typeface="Calibri" panose="020F0502020204030204" pitchFamily="34" charset="0"/>
-                        <a:cs typeface="Times New Roman" panose="02020603050405020304" pitchFamily="18" charset="0"/>
-                      </a:endParaRPr>
-                    </a:p>
-                  </a:txBody>
-                  <a:tcPr marL="68580" marR="68580" marT="0" marB="0"/>
-                </a:tc>
-                <a:tc hMerge="1">
-                  <a:txBody>
-                    <a:bodyPr/>
-                    <a:lstStyle/>
-                    <a:p>
-                      <a:endParaRPr lang="en-US"/>
-                    </a:p>
-                  </a:txBody>
-                  <a:tcPr/>
-                </a:tc>
-                <a:tc>
-                  <a:txBody>
-                    <a:bodyPr/>
-                    <a:lstStyle/>
-                    <a:p>
-                      <a:pPr marL="0" marR="0" algn="ctr">
-                        <a:lnSpc>
-                          <a:spcPct val="150000"/>
-                        </a:lnSpc>
-                        <a:spcBef>
-                          <a:spcPts val="0"/>
-                        </a:spcBef>
-                        <a:spcAft>
-                          <a:spcPts val="0"/>
-                        </a:spcAft>
-                        <a:tabLst>
-                          <a:tab pos="571500" algn="l"/>
-                          <a:tab pos="6343650" algn="l"/>
-                        </a:tabLst>
-                      </a:pPr>
-                      <a:r>
-                        <a:rPr lang="en-US" sz="1200" u="none" strike="noStrike">
-                          <a:effectLst/>
-                        </a:rPr>
-                        <a:t> </a:t>
-                      </a:r>
-                      <a:endParaRPr lang="en-US" sz="1100">
-                        <a:effectLst/>
-                        <a:latin typeface="Calibri" panose="020F0502020204030204" pitchFamily="34" charset="0"/>
-                        <a:ea typeface="Calibri" panose="020F0502020204030204" pitchFamily="34" charset="0"/>
-                        <a:cs typeface="Times New Roman" panose="02020603050405020304" pitchFamily="18" charset="0"/>
-                      </a:endParaRPr>
-                    </a:p>
-                  </a:txBody>
-                  <a:tcPr marL="68580" marR="68580" marT="0" marB="0"/>
-                </a:tc>
-                <a:tc>
-                  <a:txBody>
-                    <a:bodyPr/>
-                    <a:lstStyle/>
-                    <a:p>
-                      <a:pPr marL="0" marR="0" algn="ctr">
-                        <a:lnSpc>
-                          <a:spcPct val="150000"/>
-                        </a:lnSpc>
-                        <a:spcBef>
-                          <a:spcPts val="0"/>
-                        </a:spcBef>
-                        <a:spcAft>
-                          <a:spcPts val="0"/>
-                        </a:spcAft>
-                        <a:tabLst>
-                          <a:tab pos="571500" algn="l"/>
-                          <a:tab pos="6343650" algn="l"/>
-                        </a:tabLst>
-                      </a:pPr>
-                      <a:r>
-                        <a:rPr lang="en-US" sz="1200" u="none" strike="noStrike">
-                          <a:effectLst/>
-                        </a:rPr>
-                        <a:t> </a:t>
-                      </a:r>
-                      <a:endParaRPr lang="en-US" sz="1100">
-                        <a:effectLst/>
-                        <a:latin typeface="Calibri" panose="020F0502020204030204" pitchFamily="34" charset="0"/>
-                        <a:ea typeface="Calibri" panose="020F0502020204030204" pitchFamily="34" charset="0"/>
-                        <a:cs typeface="Times New Roman" panose="02020603050405020304" pitchFamily="18" charset="0"/>
-                      </a:endParaRPr>
-                    </a:p>
-                  </a:txBody>
-                  <a:tcPr marL="68580" marR="68580" marT="0" marB="0"/>
-                </a:tc>
-                <a:extLst>
-                  <a:ext uri="{0D108BD9-81ED-4DB2-BD59-A6C34878D82A}">
-                    <a16:rowId xmlns:a16="http://schemas.microsoft.com/office/drawing/2014/main" val="2984693148"/>
-                  </a:ext>
-                </a:extLst>
-              </a:tr>
-              <a:tr h="252730">
-                <a:tc>
-                  <a:txBody>
-                    <a:bodyPr/>
-                    <a:lstStyle/>
-                    <a:p>
-                      <a:pPr marL="0" marR="0" algn="ctr">
-                        <a:lnSpc>
-                          <a:spcPct val="150000"/>
-                        </a:lnSpc>
-                        <a:spcBef>
-                          <a:spcPts val="0"/>
-                        </a:spcBef>
-                        <a:spcAft>
-                          <a:spcPts val="0"/>
-                        </a:spcAft>
-                        <a:tabLst>
-                          <a:tab pos="571500" algn="l"/>
-                          <a:tab pos="6343650" algn="l"/>
-                        </a:tabLst>
-                      </a:pPr>
-                      <a:r>
-                        <a:rPr lang="en-US" sz="1200">
-                          <a:effectLst/>
-                        </a:rPr>
-                        <a:t>Analysis</a:t>
-                      </a:r>
-                      <a:endParaRPr lang="en-US" sz="1100">
-                        <a:effectLst/>
-                        <a:latin typeface="Calibri" panose="020F0502020204030204" pitchFamily="34" charset="0"/>
-                        <a:ea typeface="Calibri" panose="020F0502020204030204" pitchFamily="34" charset="0"/>
-                        <a:cs typeface="Times New Roman" panose="02020603050405020304" pitchFamily="18" charset="0"/>
-                      </a:endParaRPr>
-                    </a:p>
-                  </a:txBody>
-                  <a:tcPr marL="68580" marR="68580" marT="0" marB="0"/>
-                </a:tc>
-                <a:tc>
-                  <a:txBody>
-                    <a:bodyPr/>
-                    <a:lstStyle/>
-                    <a:p>
-                      <a:pPr marL="0" marR="0" algn="ctr">
-                        <a:lnSpc>
-                          <a:spcPct val="150000"/>
-                        </a:lnSpc>
-                        <a:spcBef>
-                          <a:spcPts val="0"/>
-                        </a:spcBef>
-                        <a:spcAft>
-                          <a:spcPts val="0"/>
-                        </a:spcAft>
-                        <a:tabLst>
-                          <a:tab pos="571500" algn="l"/>
-                          <a:tab pos="6343650" algn="l"/>
-                        </a:tabLst>
-                      </a:pPr>
-                      <a:r>
-                        <a:rPr lang="en-US" sz="1200" u="none" strike="noStrike">
-                          <a:effectLst/>
-                        </a:rPr>
-                        <a:t> </a:t>
-                      </a:r>
-                      <a:endParaRPr lang="en-US" sz="1100">
-                        <a:effectLst/>
-                        <a:latin typeface="Calibri" panose="020F0502020204030204" pitchFamily="34" charset="0"/>
-                        <a:ea typeface="Calibri" panose="020F0502020204030204" pitchFamily="34" charset="0"/>
-                        <a:cs typeface="Times New Roman" panose="02020603050405020304" pitchFamily="18" charset="0"/>
-                      </a:endParaRPr>
-                    </a:p>
-                  </a:txBody>
-                  <a:tcPr marL="68580" marR="68580" marT="0" marB="0"/>
-                </a:tc>
-                <a:tc>
-                  <a:txBody>
-                    <a:bodyPr/>
-                    <a:lstStyle/>
-                    <a:p>
-                      <a:pPr marL="0" marR="0" algn="ctr">
-                        <a:lnSpc>
-                          <a:spcPct val="150000"/>
-                        </a:lnSpc>
-                        <a:spcBef>
-                          <a:spcPts val="0"/>
-                        </a:spcBef>
-                        <a:spcAft>
-                          <a:spcPts val="0"/>
-                        </a:spcAft>
-                        <a:tabLst>
-                          <a:tab pos="571500" algn="l"/>
-                          <a:tab pos="6343650" algn="l"/>
-                        </a:tabLst>
-                      </a:pPr>
-                      <a:r>
-                        <a:rPr lang="en-US" sz="1200" u="none" strike="noStrike">
-                          <a:effectLst/>
-                        </a:rPr>
-                        <a:t> </a:t>
-                      </a:r>
-                      <a:endParaRPr lang="en-US" sz="1100">
-                        <a:effectLst/>
-                        <a:latin typeface="Calibri" panose="020F0502020204030204" pitchFamily="34" charset="0"/>
-                        <a:ea typeface="Calibri" panose="020F0502020204030204" pitchFamily="34" charset="0"/>
-                        <a:cs typeface="Times New Roman" panose="02020603050405020304" pitchFamily="18" charset="0"/>
-                      </a:endParaRPr>
-                    </a:p>
-                  </a:txBody>
-                  <a:tcPr marL="68580" marR="68580" marT="0" marB="0"/>
-                </a:tc>
-                <a:tc gridSpan="2">
-                  <a:txBody>
-                    <a:bodyPr/>
-                    <a:lstStyle/>
-                    <a:p>
-                      <a:pPr marL="0" marR="0" algn="ctr">
-                        <a:lnSpc>
-                          <a:spcPct val="150000"/>
-                        </a:lnSpc>
-                        <a:spcBef>
-                          <a:spcPts val="0"/>
-                        </a:spcBef>
-                        <a:spcAft>
-                          <a:spcPts val="0"/>
-                        </a:spcAft>
-                        <a:tabLst>
-                          <a:tab pos="571500" algn="l"/>
-                          <a:tab pos="6343650" algn="l"/>
-                        </a:tabLst>
-                      </a:pPr>
-                      <a:r>
-                        <a:rPr lang="en-US" sz="1200" u="none" strike="noStrike">
-                          <a:effectLst/>
-                        </a:rPr>
-                        <a:t> </a:t>
-                      </a:r>
-                      <a:endParaRPr lang="en-US" sz="1100">
-                        <a:effectLst/>
-                        <a:latin typeface="Calibri" panose="020F0502020204030204" pitchFamily="34" charset="0"/>
-                        <a:ea typeface="Calibri" panose="020F0502020204030204" pitchFamily="34" charset="0"/>
-                        <a:cs typeface="Times New Roman" panose="02020603050405020304" pitchFamily="18" charset="0"/>
-                      </a:endParaRPr>
-                    </a:p>
-                  </a:txBody>
-                  <a:tcPr marL="68580" marR="68580" marT="0" marB="0"/>
-                </a:tc>
-                <a:tc hMerge="1">
-                  <a:txBody>
-                    <a:bodyPr/>
-                    <a:lstStyle/>
-                    <a:p>
-                      <a:endParaRPr lang="en-US"/>
-                    </a:p>
-                  </a:txBody>
-                  <a:tcPr/>
-                </a:tc>
-                <a:tc>
-                  <a:txBody>
-                    <a:bodyPr/>
-                    <a:lstStyle/>
-                    <a:p>
-                      <a:pPr marL="0" marR="0" algn="ctr">
-                        <a:lnSpc>
-                          <a:spcPct val="150000"/>
-                        </a:lnSpc>
-                        <a:spcBef>
-                          <a:spcPts val="0"/>
-                        </a:spcBef>
-                        <a:spcAft>
-                          <a:spcPts val="0"/>
-                        </a:spcAft>
-                        <a:tabLst>
-                          <a:tab pos="571500" algn="l"/>
-                          <a:tab pos="6343650" algn="l"/>
-                        </a:tabLst>
-                      </a:pPr>
-                      <a:r>
-                        <a:rPr lang="en-US" sz="1200" u="none" strike="noStrike">
-                          <a:effectLst/>
-                        </a:rPr>
-                        <a:t> </a:t>
-                      </a:r>
-                      <a:endParaRPr lang="en-US" sz="1100">
-                        <a:effectLst/>
-                        <a:latin typeface="Calibri" panose="020F0502020204030204" pitchFamily="34" charset="0"/>
-                        <a:ea typeface="Calibri" panose="020F0502020204030204" pitchFamily="34" charset="0"/>
-                        <a:cs typeface="Times New Roman" panose="02020603050405020304" pitchFamily="18" charset="0"/>
-                      </a:endParaRPr>
-                    </a:p>
-                  </a:txBody>
-                  <a:tcPr marL="68580" marR="68580" marT="0" marB="0"/>
-                </a:tc>
-                <a:tc>
-                  <a:txBody>
-                    <a:bodyPr/>
-                    <a:lstStyle/>
-                    <a:p>
-                      <a:pPr marL="0" marR="0" algn="ctr">
-                        <a:lnSpc>
-                          <a:spcPct val="150000"/>
-                        </a:lnSpc>
-                        <a:spcBef>
-                          <a:spcPts val="0"/>
-                        </a:spcBef>
-                        <a:spcAft>
-                          <a:spcPts val="0"/>
-                        </a:spcAft>
-                        <a:tabLst>
-                          <a:tab pos="571500" algn="l"/>
-                          <a:tab pos="6343650" algn="l"/>
-                        </a:tabLst>
-                      </a:pPr>
-                      <a:r>
-                        <a:rPr lang="en-US" sz="1200" u="none" strike="noStrike" dirty="0">
-                          <a:effectLst/>
-                        </a:rPr>
-                        <a:t> </a:t>
-                      </a:r>
-                      <a:endParaRPr lang="en-US" sz="1100" dirty="0">
-                        <a:effectLst/>
-                        <a:latin typeface="Calibri" panose="020F0502020204030204" pitchFamily="34" charset="0"/>
-                        <a:ea typeface="Calibri" panose="020F0502020204030204" pitchFamily="34" charset="0"/>
-                        <a:cs typeface="Times New Roman" panose="02020603050405020304" pitchFamily="18" charset="0"/>
-                      </a:endParaRPr>
-                    </a:p>
-                  </a:txBody>
-                  <a:tcPr marL="68580" marR="68580" marT="0" marB="0"/>
-                </a:tc>
-                <a:tc gridSpan="4">
-                  <a:txBody>
-                    <a:bodyPr/>
-                    <a:lstStyle/>
-                    <a:p>
-                      <a:pPr marL="0" marR="0" algn="ctr">
-                        <a:lnSpc>
-                          <a:spcPct val="150000"/>
-                        </a:lnSpc>
-                        <a:spcBef>
-                          <a:spcPts val="0"/>
-                        </a:spcBef>
-                        <a:spcAft>
-                          <a:spcPts val="0"/>
-                        </a:spcAft>
-                        <a:tabLst>
-                          <a:tab pos="571500" algn="l"/>
-                          <a:tab pos="6343650" algn="l"/>
-                        </a:tabLst>
-                      </a:pPr>
-                      <a:r>
-                        <a:rPr lang="en-US" sz="1200" u="none" strike="noStrike">
-                          <a:effectLst/>
-                        </a:rPr>
-                        <a:t> </a:t>
-                      </a:r>
-                      <a:endParaRPr lang="en-US" sz="1100">
-                        <a:effectLst/>
-                        <a:latin typeface="Calibri" panose="020F0502020204030204" pitchFamily="34" charset="0"/>
-                        <a:ea typeface="Calibri" panose="020F0502020204030204" pitchFamily="34" charset="0"/>
-                        <a:cs typeface="Times New Roman" panose="02020603050405020304" pitchFamily="18" charset="0"/>
-                      </a:endParaRPr>
-                    </a:p>
-                  </a:txBody>
-                  <a:tcPr marL="68580" marR="68580" marT="0" marB="0"/>
-                </a:tc>
-                <a:tc hMerge="1">
-                  <a:txBody>
-                    <a:bodyPr/>
-                    <a:lstStyle/>
-                    <a:p>
-                      <a:endParaRPr lang="en-US"/>
-                    </a:p>
-                  </a:txBody>
-                  <a:tcPr/>
-                </a:tc>
-                <a:tc hMerge="1">
-                  <a:txBody>
-                    <a:bodyPr/>
-                    <a:lstStyle/>
-                    <a:p>
-                      <a:endParaRPr lang="en-US"/>
-                    </a:p>
-                  </a:txBody>
-                  <a:tcPr/>
-                </a:tc>
-                <a:tc hMerge="1">
-                  <a:txBody>
-                    <a:bodyPr/>
-                    <a:lstStyle/>
-                    <a:p>
-                      <a:endParaRPr lang="en-US"/>
-                    </a:p>
-                  </a:txBody>
-                  <a:tcPr/>
-                </a:tc>
-                <a:tc gridSpan="2">
-                  <a:txBody>
-                    <a:bodyPr/>
-                    <a:lstStyle/>
-                    <a:p>
-                      <a:pPr marL="0" marR="0" algn="ctr">
-                        <a:lnSpc>
-                          <a:spcPct val="150000"/>
-                        </a:lnSpc>
-                        <a:spcBef>
-                          <a:spcPts val="0"/>
-                        </a:spcBef>
-                        <a:spcAft>
-                          <a:spcPts val="0"/>
-                        </a:spcAft>
-                        <a:tabLst>
-                          <a:tab pos="571500" algn="l"/>
-                          <a:tab pos="6343650" algn="l"/>
-                        </a:tabLst>
-                      </a:pPr>
-                      <a:r>
-                        <a:rPr lang="en-US" sz="1200" u="none" strike="noStrike">
-                          <a:effectLst/>
-                        </a:rPr>
-                        <a:t> </a:t>
-                      </a:r>
-                      <a:endParaRPr lang="en-US" sz="1100">
-                        <a:effectLst/>
-                        <a:latin typeface="Calibri" panose="020F0502020204030204" pitchFamily="34" charset="0"/>
-                        <a:ea typeface="Calibri" panose="020F0502020204030204" pitchFamily="34" charset="0"/>
-                        <a:cs typeface="Times New Roman" panose="02020603050405020304" pitchFamily="18" charset="0"/>
-                      </a:endParaRPr>
-                    </a:p>
-                  </a:txBody>
-                  <a:tcPr marL="68580" marR="68580" marT="0" marB="0"/>
-                </a:tc>
-                <a:tc hMerge="1">
-                  <a:txBody>
-                    <a:bodyPr/>
-                    <a:lstStyle/>
-                    <a:p>
-                      <a:endParaRPr lang="en-US"/>
-                    </a:p>
-                  </a:txBody>
-                  <a:tcPr/>
-                </a:tc>
-                <a:tc>
-                  <a:txBody>
-                    <a:bodyPr/>
-                    <a:lstStyle/>
-                    <a:p>
-                      <a:pPr marL="0" marR="0" algn="ctr">
-                        <a:lnSpc>
-                          <a:spcPct val="150000"/>
-                        </a:lnSpc>
-                        <a:spcBef>
-                          <a:spcPts val="0"/>
-                        </a:spcBef>
-                        <a:spcAft>
-                          <a:spcPts val="0"/>
-                        </a:spcAft>
-                        <a:tabLst>
-                          <a:tab pos="571500" algn="l"/>
-                          <a:tab pos="6343650" algn="l"/>
-                        </a:tabLst>
-                      </a:pPr>
-                      <a:r>
-                        <a:rPr lang="en-US" sz="1200" u="none" strike="noStrike">
-                          <a:effectLst/>
-                        </a:rPr>
-                        <a:t> </a:t>
-                      </a:r>
-                      <a:endParaRPr lang="en-US" sz="1100">
-                        <a:effectLst/>
-                        <a:latin typeface="Calibri" panose="020F0502020204030204" pitchFamily="34" charset="0"/>
-                        <a:ea typeface="Calibri" panose="020F0502020204030204" pitchFamily="34" charset="0"/>
-                        <a:cs typeface="Times New Roman" panose="02020603050405020304" pitchFamily="18" charset="0"/>
-                      </a:endParaRPr>
-                    </a:p>
-                  </a:txBody>
-                  <a:tcPr marL="68580" marR="68580" marT="0" marB="0"/>
-                </a:tc>
-                <a:tc>
-                  <a:txBody>
-                    <a:bodyPr/>
-                    <a:lstStyle/>
-                    <a:p>
-                      <a:pPr marL="0" marR="0" algn="ctr">
-                        <a:lnSpc>
-                          <a:spcPct val="150000"/>
-                        </a:lnSpc>
-                        <a:spcBef>
-                          <a:spcPts val="0"/>
-                        </a:spcBef>
-                        <a:spcAft>
-                          <a:spcPts val="0"/>
-                        </a:spcAft>
-                        <a:tabLst>
-                          <a:tab pos="571500" algn="l"/>
-                          <a:tab pos="6343650" algn="l"/>
-                        </a:tabLst>
-                      </a:pPr>
-                      <a:r>
-                        <a:rPr lang="en-US" sz="1200" u="none" strike="noStrike">
-                          <a:effectLst/>
-                        </a:rPr>
-                        <a:t> </a:t>
-                      </a:r>
-                      <a:endParaRPr lang="en-US" sz="1100">
-                        <a:effectLst/>
-                        <a:latin typeface="Calibri" panose="020F0502020204030204" pitchFamily="34" charset="0"/>
-                        <a:ea typeface="Calibri" panose="020F0502020204030204" pitchFamily="34" charset="0"/>
-                        <a:cs typeface="Times New Roman" panose="02020603050405020304" pitchFamily="18" charset="0"/>
-                      </a:endParaRPr>
-                    </a:p>
-                  </a:txBody>
-                  <a:tcPr marL="68580" marR="68580" marT="0" marB="0"/>
-                </a:tc>
-                <a:extLst>
-                  <a:ext uri="{0D108BD9-81ED-4DB2-BD59-A6C34878D82A}">
-                    <a16:rowId xmlns:a16="http://schemas.microsoft.com/office/drawing/2014/main" val="3539544678"/>
-                  </a:ext>
-                </a:extLst>
-              </a:tr>
-              <a:tr h="238125">
-                <a:tc>
-                  <a:txBody>
-                    <a:bodyPr/>
-                    <a:lstStyle/>
-                    <a:p>
-                      <a:pPr marL="0" marR="0" algn="ctr">
-                        <a:lnSpc>
-                          <a:spcPct val="150000"/>
-                        </a:lnSpc>
-                        <a:spcBef>
-                          <a:spcPts val="0"/>
-                        </a:spcBef>
-                        <a:spcAft>
-                          <a:spcPts val="0"/>
-                        </a:spcAft>
-                        <a:tabLst>
-                          <a:tab pos="571500" algn="l"/>
-                          <a:tab pos="6343650" algn="l"/>
-                        </a:tabLst>
-                      </a:pPr>
-                      <a:r>
-                        <a:rPr lang="en-US" sz="1200">
-                          <a:effectLst/>
-                        </a:rPr>
-                        <a:t>Design</a:t>
-                      </a:r>
-                      <a:endParaRPr lang="en-US" sz="1100">
-                        <a:effectLst/>
-                        <a:latin typeface="Calibri" panose="020F0502020204030204" pitchFamily="34" charset="0"/>
-                        <a:ea typeface="Calibri" panose="020F0502020204030204" pitchFamily="34" charset="0"/>
-                        <a:cs typeface="Times New Roman" panose="02020603050405020304" pitchFamily="18" charset="0"/>
-                      </a:endParaRPr>
-                    </a:p>
-                  </a:txBody>
-                  <a:tcPr marL="68580" marR="68580" marT="0" marB="0"/>
-                </a:tc>
-                <a:tc>
-                  <a:txBody>
-                    <a:bodyPr/>
-                    <a:lstStyle/>
-                    <a:p>
-                      <a:pPr marL="0" marR="0" algn="ctr">
-                        <a:lnSpc>
-                          <a:spcPct val="150000"/>
-                        </a:lnSpc>
-                        <a:spcBef>
-                          <a:spcPts val="0"/>
-                        </a:spcBef>
-                        <a:spcAft>
-                          <a:spcPts val="0"/>
-                        </a:spcAft>
-                        <a:tabLst>
-                          <a:tab pos="571500" algn="l"/>
-                          <a:tab pos="6343650" algn="l"/>
-                        </a:tabLst>
-                      </a:pPr>
-                      <a:r>
-                        <a:rPr lang="en-US" sz="1200" u="none" strike="noStrike">
-                          <a:effectLst/>
-                        </a:rPr>
-                        <a:t> </a:t>
-                      </a:r>
-                      <a:endParaRPr lang="en-US" sz="1100">
-                        <a:effectLst/>
-                        <a:latin typeface="Calibri" panose="020F0502020204030204" pitchFamily="34" charset="0"/>
-                        <a:ea typeface="Calibri" panose="020F0502020204030204" pitchFamily="34" charset="0"/>
-                        <a:cs typeface="Times New Roman" panose="02020603050405020304" pitchFamily="18" charset="0"/>
-                      </a:endParaRPr>
-                    </a:p>
-                  </a:txBody>
-                  <a:tcPr marL="68580" marR="68580" marT="0" marB="0"/>
-                </a:tc>
-                <a:tc>
-                  <a:txBody>
-                    <a:bodyPr/>
-                    <a:lstStyle/>
-                    <a:p>
-                      <a:pPr marL="0" marR="0" algn="ctr">
-                        <a:lnSpc>
-                          <a:spcPct val="150000"/>
-                        </a:lnSpc>
-                        <a:spcBef>
-                          <a:spcPts val="0"/>
-                        </a:spcBef>
-                        <a:spcAft>
-                          <a:spcPts val="0"/>
-                        </a:spcAft>
-                        <a:tabLst>
-                          <a:tab pos="571500" algn="l"/>
-                          <a:tab pos="6343650" algn="l"/>
-                        </a:tabLst>
-                      </a:pPr>
-                      <a:r>
-                        <a:rPr lang="en-US" sz="1200" u="none" strike="noStrike">
-                          <a:effectLst/>
-                        </a:rPr>
-                        <a:t> </a:t>
-                      </a:r>
-                      <a:endParaRPr lang="en-US" sz="1100">
-                        <a:effectLst/>
-                        <a:latin typeface="Calibri" panose="020F0502020204030204" pitchFamily="34" charset="0"/>
-                        <a:ea typeface="Calibri" panose="020F0502020204030204" pitchFamily="34" charset="0"/>
-                        <a:cs typeface="Times New Roman" panose="02020603050405020304" pitchFamily="18" charset="0"/>
-                      </a:endParaRPr>
-                    </a:p>
-                  </a:txBody>
-                  <a:tcPr marL="68580" marR="68580" marT="0" marB="0"/>
-                </a:tc>
-                <a:tc>
-                  <a:txBody>
-                    <a:bodyPr/>
-                    <a:lstStyle/>
-                    <a:p>
-                      <a:pPr marL="0" marR="0" algn="ctr">
-                        <a:lnSpc>
-                          <a:spcPct val="150000"/>
-                        </a:lnSpc>
-                        <a:spcBef>
-                          <a:spcPts val="0"/>
-                        </a:spcBef>
-                        <a:spcAft>
-                          <a:spcPts val="0"/>
-                        </a:spcAft>
-                        <a:tabLst>
-                          <a:tab pos="571500" algn="l"/>
-                          <a:tab pos="6343650" algn="l"/>
-                        </a:tabLst>
-                      </a:pPr>
-                      <a:r>
-                        <a:rPr lang="en-US" sz="1200" u="none" strike="noStrike">
-                          <a:effectLst/>
-                        </a:rPr>
-                        <a:t> </a:t>
-                      </a:r>
-                      <a:endParaRPr lang="en-US" sz="1100">
-                        <a:effectLst/>
-                        <a:latin typeface="Calibri" panose="020F0502020204030204" pitchFamily="34" charset="0"/>
-                        <a:ea typeface="Calibri" panose="020F0502020204030204" pitchFamily="34" charset="0"/>
-                        <a:cs typeface="Times New Roman" panose="02020603050405020304" pitchFamily="18" charset="0"/>
-                      </a:endParaRPr>
-                    </a:p>
-                  </a:txBody>
-                  <a:tcPr marL="68580" marR="68580" marT="0" marB="0"/>
-                </a:tc>
-                <a:tc>
-                  <a:txBody>
-                    <a:bodyPr/>
-                    <a:lstStyle/>
-                    <a:p>
-                      <a:pPr marL="0" marR="0" algn="ctr">
-                        <a:lnSpc>
-                          <a:spcPct val="150000"/>
-                        </a:lnSpc>
-                        <a:spcBef>
-                          <a:spcPts val="0"/>
-                        </a:spcBef>
-                        <a:spcAft>
-                          <a:spcPts val="0"/>
-                        </a:spcAft>
-                        <a:tabLst>
-                          <a:tab pos="571500" algn="l"/>
-                          <a:tab pos="6343650" algn="l"/>
-                        </a:tabLst>
-                      </a:pPr>
-                      <a:r>
-                        <a:rPr lang="en-US" sz="1200" u="none" strike="noStrike">
-                          <a:effectLst/>
-                        </a:rPr>
-                        <a:t> </a:t>
-                      </a:r>
-                      <a:endParaRPr lang="en-US" sz="1100">
-                        <a:effectLst/>
-                        <a:latin typeface="Calibri" panose="020F0502020204030204" pitchFamily="34" charset="0"/>
-                        <a:ea typeface="Calibri" panose="020F0502020204030204" pitchFamily="34" charset="0"/>
-                        <a:cs typeface="Times New Roman" panose="02020603050405020304" pitchFamily="18" charset="0"/>
-                      </a:endParaRPr>
-                    </a:p>
-                  </a:txBody>
-                  <a:tcPr marL="68580" marR="68580" marT="0" marB="0"/>
-                </a:tc>
-                <a:tc>
-                  <a:txBody>
-                    <a:bodyPr/>
-                    <a:lstStyle/>
-                    <a:p>
-                      <a:pPr marL="0" marR="0" algn="ctr">
-                        <a:lnSpc>
-                          <a:spcPct val="150000"/>
-                        </a:lnSpc>
-                        <a:spcBef>
-                          <a:spcPts val="0"/>
-                        </a:spcBef>
-                        <a:spcAft>
-                          <a:spcPts val="0"/>
-                        </a:spcAft>
-                        <a:tabLst>
-                          <a:tab pos="571500" algn="l"/>
-                          <a:tab pos="6343650" algn="l"/>
-                        </a:tabLst>
-                      </a:pPr>
-                      <a:r>
-                        <a:rPr lang="en-US" sz="1200" u="none" strike="noStrike">
-                          <a:effectLst/>
-                        </a:rPr>
-                        <a:t> </a:t>
-                      </a:r>
-                      <a:endParaRPr lang="en-US" sz="1100">
-                        <a:effectLst/>
-                        <a:latin typeface="Calibri" panose="020F0502020204030204" pitchFamily="34" charset="0"/>
-                        <a:ea typeface="Calibri" panose="020F0502020204030204" pitchFamily="34" charset="0"/>
-                        <a:cs typeface="Times New Roman" panose="02020603050405020304" pitchFamily="18" charset="0"/>
-                      </a:endParaRPr>
-                    </a:p>
-                  </a:txBody>
-                  <a:tcPr marL="68580" marR="68580" marT="0" marB="0"/>
-                </a:tc>
-                <a:tc>
-                  <a:txBody>
-                    <a:bodyPr/>
-                    <a:lstStyle/>
-                    <a:p>
-                      <a:pPr marL="0" marR="0" algn="ctr">
-                        <a:lnSpc>
-                          <a:spcPct val="150000"/>
-                        </a:lnSpc>
-                        <a:spcBef>
-                          <a:spcPts val="0"/>
-                        </a:spcBef>
-                        <a:spcAft>
-                          <a:spcPts val="0"/>
-                        </a:spcAft>
-                        <a:tabLst>
-                          <a:tab pos="571500" algn="l"/>
-                          <a:tab pos="6343650" algn="l"/>
-                        </a:tabLst>
-                      </a:pPr>
-                      <a:r>
-                        <a:rPr lang="en-US" sz="1200" u="none" strike="noStrike">
-                          <a:effectLst/>
-                        </a:rPr>
-                        <a:t> </a:t>
-                      </a:r>
-                      <a:endParaRPr lang="en-US" sz="1100">
-                        <a:effectLst/>
-                        <a:latin typeface="Calibri" panose="020F0502020204030204" pitchFamily="34" charset="0"/>
-                        <a:ea typeface="Calibri" panose="020F0502020204030204" pitchFamily="34" charset="0"/>
-                        <a:cs typeface="Times New Roman" panose="02020603050405020304" pitchFamily="18" charset="0"/>
-                      </a:endParaRPr>
-                    </a:p>
-                  </a:txBody>
-                  <a:tcPr marL="68580" marR="68580" marT="0" marB="0"/>
-                </a:tc>
-                <a:tc gridSpan="4">
-                  <a:txBody>
-                    <a:bodyPr/>
-                    <a:lstStyle/>
-                    <a:p>
-                      <a:pPr marL="0" marR="0" algn="ctr">
-                        <a:lnSpc>
-                          <a:spcPct val="150000"/>
-                        </a:lnSpc>
-                        <a:spcBef>
-                          <a:spcPts val="0"/>
-                        </a:spcBef>
-                        <a:spcAft>
-                          <a:spcPts val="0"/>
-                        </a:spcAft>
-                        <a:tabLst>
-                          <a:tab pos="571500" algn="l"/>
-                          <a:tab pos="6343650" algn="l"/>
-                        </a:tabLst>
-                      </a:pPr>
-                      <a:r>
-                        <a:rPr lang="en-US" sz="1200" u="none" strike="noStrike">
-                          <a:effectLst/>
-                        </a:rPr>
-                        <a:t> </a:t>
-                      </a:r>
-                      <a:endParaRPr lang="en-US" sz="1100">
-                        <a:effectLst/>
-                        <a:latin typeface="Calibri" panose="020F0502020204030204" pitchFamily="34" charset="0"/>
-                        <a:ea typeface="Calibri" panose="020F0502020204030204" pitchFamily="34" charset="0"/>
-                        <a:cs typeface="Times New Roman" panose="02020603050405020304" pitchFamily="18" charset="0"/>
-                      </a:endParaRPr>
-                    </a:p>
-                  </a:txBody>
-                  <a:tcPr marL="68580" marR="68580" marT="0" marB="0"/>
-                </a:tc>
-                <a:tc hMerge="1">
-                  <a:txBody>
-                    <a:bodyPr/>
-                    <a:lstStyle/>
-                    <a:p>
-                      <a:endParaRPr lang="en-US"/>
-                    </a:p>
-                  </a:txBody>
-                  <a:tcPr/>
-                </a:tc>
-                <a:tc hMerge="1">
-                  <a:txBody>
-                    <a:bodyPr/>
-                    <a:lstStyle/>
-                    <a:p>
-                      <a:endParaRPr lang="en-US"/>
-                    </a:p>
-                  </a:txBody>
-                  <a:tcPr/>
-                </a:tc>
-                <a:tc hMerge="1">
-                  <a:txBody>
-                    <a:bodyPr/>
-                    <a:lstStyle/>
-                    <a:p>
-                      <a:endParaRPr lang="en-US"/>
-                    </a:p>
-                  </a:txBody>
-                  <a:tcPr/>
-                </a:tc>
-                <a:tc gridSpan="2">
-                  <a:txBody>
-                    <a:bodyPr/>
-                    <a:lstStyle/>
-                    <a:p>
-                      <a:pPr marL="0" marR="0" algn="ctr">
-                        <a:lnSpc>
-                          <a:spcPct val="150000"/>
-                        </a:lnSpc>
-                        <a:spcBef>
-                          <a:spcPts val="0"/>
-                        </a:spcBef>
-                        <a:spcAft>
-                          <a:spcPts val="0"/>
-                        </a:spcAft>
-                        <a:tabLst>
-                          <a:tab pos="571500" algn="l"/>
-                          <a:tab pos="6343650" algn="l"/>
-                        </a:tabLst>
-                      </a:pPr>
-                      <a:r>
-                        <a:rPr lang="en-US" sz="1200" u="none" strike="noStrike">
-                          <a:effectLst/>
-                        </a:rPr>
-                        <a:t> </a:t>
-                      </a:r>
-                      <a:endParaRPr lang="en-US" sz="1100">
-                        <a:effectLst/>
-                        <a:latin typeface="Calibri" panose="020F0502020204030204" pitchFamily="34" charset="0"/>
-                        <a:ea typeface="Calibri" panose="020F0502020204030204" pitchFamily="34" charset="0"/>
-                        <a:cs typeface="Times New Roman" panose="02020603050405020304" pitchFamily="18" charset="0"/>
-                      </a:endParaRPr>
-                    </a:p>
-                  </a:txBody>
-                  <a:tcPr marL="68580" marR="68580" marT="0" marB="0"/>
-                </a:tc>
-                <a:tc hMerge="1">
-                  <a:txBody>
-                    <a:bodyPr/>
-                    <a:lstStyle/>
-                    <a:p>
-                      <a:endParaRPr lang="en-US"/>
-                    </a:p>
-                  </a:txBody>
-                  <a:tcPr/>
-                </a:tc>
-                <a:tc>
-                  <a:txBody>
-                    <a:bodyPr/>
-                    <a:lstStyle/>
-                    <a:p>
-                      <a:pPr marL="0" marR="0" algn="ctr">
-                        <a:lnSpc>
-                          <a:spcPct val="150000"/>
-                        </a:lnSpc>
-                        <a:spcBef>
-                          <a:spcPts val="0"/>
-                        </a:spcBef>
-                        <a:spcAft>
-                          <a:spcPts val="0"/>
-                        </a:spcAft>
-                        <a:tabLst>
-                          <a:tab pos="571500" algn="l"/>
-                          <a:tab pos="6343650" algn="l"/>
-                        </a:tabLst>
-                      </a:pPr>
-                      <a:r>
-                        <a:rPr lang="en-US" sz="1200" u="none" strike="noStrike">
-                          <a:effectLst/>
-                        </a:rPr>
-                        <a:t> </a:t>
-                      </a:r>
-                      <a:endParaRPr lang="en-US" sz="1100">
-                        <a:effectLst/>
-                        <a:latin typeface="Calibri" panose="020F0502020204030204" pitchFamily="34" charset="0"/>
-                        <a:ea typeface="Calibri" panose="020F0502020204030204" pitchFamily="34" charset="0"/>
-                        <a:cs typeface="Times New Roman" panose="02020603050405020304" pitchFamily="18" charset="0"/>
-                      </a:endParaRPr>
-                    </a:p>
-                  </a:txBody>
-                  <a:tcPr marL="68580" marR="68580" marT="0" marB="0"/>
-                </a:tc>
-                <a:tc>
-                  <a:txBody>
-                    <a:bodyPr/>
-                    <a:lstStyle/>
-                    <a:p>
-                      <a:pPr marL="0" marR="0" algn="ctr">
-                        <a:lnSpc>
-                          <a:spcPct val="150000"/>
-                        </a:lnSpc>
-                        <a:spcBef>
-                          <a:spcPts val="0"/>
-                        </a:spcBef>
-                        <a:spcAft>
-                          <a:spcPts val="0"/>
-                        </a:spcAft>
-                        <a:tabLst>
-                          <a:tab pos="571500" algn="l"/>
-                          <a:tab pos="6343650" algn="l"/>
-                        </a:tabLst>
-                      </a:pPr>
-                      <a:r>
-                        <a:rPr lang="en-US" sz="1200" u="none" strike="noStrike">
-                          <a:effectLst/>
-                        </a:rPr>
-                        <a:t> </a:t>
-                      </a:r>
-                      <a:endParaRPr lang="en-US" sz="1100">
-                        <a:effectLst/>
-                        <a:latin typeface="Calibri" panose="020F0502020204030204" pitchFamily="34" charset="0"/>
-                        <a:ea typeface="Calibri" panose="020F0502020204030204" pitchFamily="34" charset="0"/>
-                        <a:cs typeface="Times New Roman" panose="02020603050405020304" pitchFamily="18" charset="0"/>
-                      </a:endParaRPr>
-                    </a:p>
-                  </a:txBody>
-                  <a:tcPr marL="68580" marR="68580" marT="0" marB="0"/>
-                </a:tc>
-                <a:extLst>
-                  <a:ext uri="{0D108BD9-81ED-4DB2-BD59-A6C34878D82A}">
-                    <a16:rowId xmlns:a16="http://schemas.microsoft.com/office/drawing/2014/main" val="1324360847"/>
-                  </a:ext>
-                </a:extLst>
-              </a:tr>
-              <a:tr h="252730">
-                <a:tc>
-                  <a:txBody>
-                    <a:bodyPr/>
-                    <a:lstStyle/>
-                    <a:p>
-                      <a:pPr marL="0" marR="0" algn="ctr">
-                        <a:lnSpc>
-                          <a:spcPct val="150000"/>
-                        </a:lnSpc>
-                        <a:spcBef>
-                          <a:spcPts val="0"/>
-                        </a:spcBef>
-                        <a:spcAft>
-                          <a:spcPts val="0"/>
-                        </a:spcAft>
-                        <a:tabLst>
-                          <a:tab pos="571500" algn="l"/>
-                          <a:tab pos="6343650" algn="l"/>
-                        </a:tabLst>
-                      </a:pPr>
-                      <a:r>
-                        <a:rPr lang="en-US" sz="1200">
-                          <a:effectLst/>
-                        </a:rPr>
-                        <a:t>Coding</a:t>
-                      </a:r>
-                      <a:endParaRPr lang="en-US" sz="1100">
-                        <a:effectLst/>
-                        <a:latin typeface="Calibri" panose="020F0502020204030204" pitchFamily="34" charset="0"/>
-                        <a:ea typeface="Calibri" panose="020F0502020204030204" pitchFamily="34" charset="0"/>
-                        <a:cs typeface="Times New Roman" panose="02020603050405020304" pitchFamily="18" charset="0"/>
-                      </a:endParaRPr>
-                    </a:p>
-                  </a:txBody>
-                  <a:tcPr marL="68580" marR="68580" marT="0" marB="0"/>
-                </a:tc>
-                <a:tc>
-                  <a:txBody>
-                    <a:bodyPr/>
-                    <a:lstStyle/>
-                    <a:p>
-                      <a:pPr marL="0" marR="0" algn="ctr">
-                        <a:lnSpc>
-                          <a:spcPct val="150000"/>
-                        </a:lnSpc>
-                        <a:spcBef>
-                          <a:spcPts val="0"/>
-                        </a:spcBef>
-                        <a:spcAft>
-                          <a:spcPts val="0"/>
-                        </a:spcAft>
-                        <a:tabLst>
-                          <a:tab pos="571500" algn="l"/>
-                          <a:tab pos="6343650" algn="l"/>
-                        </a:tabLst>
-                      </a:pPr>
-                      <a:r>
-                        <a:rPr lang="en-US" sz="1200" u="none" strike="noStrike">
-                          <a:effectLst/>
-                        </a:rPr>
-                        <a:t> </a:t>
-                      </a:r>
-                      <a:endParaRPr lang="en-US" sz="1100">
-                        <a:effectLst/>
-                        <a:latin typeface="Calibri" panose="020F0502020204030204" pitchFamily="34" charset="0"/>
-                        <a:ea typeface="Calibri" panose="020F0502020204030204" pitchFamily="34" charset="0"/>
-                        <a:cs typeface="Times New Roman" panose="02020603050405020304" pitchFamily="18" charset="0"/>
-                      </a:endParaRPr>
-                    </a:p>
-                  </a:txBody>
-                  <a:tcPr marL="68580" marR="68580" marT="0" marB="0"/>
-                </a:tc>
-                <a:tc gridSpan="3">
-                  <a:txBody>
-                    <a:bodyPr/>
-                    <a:lstStyle/>
-                    <a:p>
-                      <a:pPr marL="0" marR="0" algn="ctr">
-                        <a:lnSpc>
-                          <a:spcPct val="150000"/>
-                        </a:lnSpc>
-                        <a:spcBef>
-                          <a:spcPts val="0"/>
-                        </a:spcBef>
-                        <a:spcAft>
-                          <a:spcPts val="0"/>
-                        </a:spcAft>
-                        <a:tabLst>
-                          <a:tab pos="571500" algn="l"/>
-                          <a:tab pos="6343650" algn="l"/>
-                        </a:tabLst>
-                      </a:pPr>
-                      <a:r>
-                        <a:rPr lang="en-US" sz="1200" u="none" strike="noStrike">
-                          <a:effectLst/>
-                        </a:rPr>
-                        <a:t> </a:t>
-                      </a:r>
-                      <a:endParaRPr lang="en-US" sz="1100">
-                        <a:effectLst/>
-                        <a:latin typeface="Calibri" panose="020F0502020204030204" pitchFamily="34" charset="0"/>
-                        <a:ea typeface="Calibri" panose="020F0502020204030204" pitchFamily="34" charset="0"/>
-                        <a:cs typeface="Times New Roman" panose="02020603050405020304" pitchFamily="18" charset="0"/>
-                      </a:endParaRPr>
-                    </a:p>
-                  </a:txBody>
-                  <a:tcPr marL="68580" marR="68580" marT="0" marB="0"/>
-                </a:tc>
-                <a:tc hMerge="1">
-                  <a:txBody>
-                    <a:bodyPr/>
-                    <a:lstStyle/>
-                    <a:p>
-                      <a:endParaRPr lang="en-US"/>
-                    </a:p>
-                  </a:txBody>
-                  <a:tcPr/>
-                </a:tc>
-                <a:tc hMerge="1">
-                  <a:txBody>
-                    <a:bodyPr/>
-                    <a:lstStyle/>
-                    <a:p>
-                      <a:endParaRPr lang="en-US"/>
-                    </a:p>
-                  </a:txBody>
-                  <a:tcPr/>
-                </a:tc>
-                <a:tc>
-                  <a:txBody>
-                    <a:bodyPr/>
-                    <a:lstStyle/>
-                    <a:p>
-                      <a:pPr marL="0" marR="0" algn="ctr">
-                        <a:lnSpc>
-                          <a:spcPct val="150000"/>
-                        </a:lnSpc>
-                        <a:spcBef>
-                          <a:spcPts val="0"/>
-                        </a:spcBef>
-                        <a:spcAft>
-                          <a:spcPts val="0"/>
-                        </a:spcAft>
-                        <a:tabLst>
-                          <a:tab pos="571500" algn="l"/>
-                          <a:tab pos="6343650" algn="l"/>
-                        </a:tabLst>
-                      </a:pPr>
-                      <a:r>
-                        <a:rPr lang="en-US" sz="1200" u="none" strike="noStrike">
-                          <a:effectLst/>
-                        </a:rPr>
-                        <a:t> </a:t>
-                      </a:r>
-                      <a:endParaRPr lang="en-US" sz="1100">
-                        <a:effectLst/>
-                        <a:latin typeface="Calibri" panose="020F0502020204030204" pitchFamily="34" charset="0"/>
-                        <a:ea typeface="Calibri" panose="020F0502020204030204" pitchFamily="34" charset="0"/>
-                        <a:cs typeface="Times New Roman" panose="02020603050405020304" pitchFamily="18" charset="0"/>
-                      </a:endParaRPr>
-                    </a:p>
-                  </a:txBody>
-                  <a:tcPr marL="68580" marR="68580" marT="0" marB="0"/>
-                </a:tc>
-                <a:tc gridSpan="2">
-                  <a:txBody>
-                    <a:bodyPr/>
-                    <a:lstStyle/>
-                    <a:p>
-                      <a:pPr marL="0" marR="0" algn="ctr">
-                        <a:lnSpc>
-                          <a:spcPct val="150000"/>
-                        </a:lnSpc>
-                        <a:spcBef>
-                          <a:spcPts val="0"/>
-                        </a:spcBef>
-                        <a:spcAft>
-                          <a:spcPts val="0"/>
-                        </a:spcAft>
-                        <a:tabLst>
-                          <a:tab pos="571500" algn="l"/>
-                          <a:tab pos="6343650" algn="l"/>
-                        </a:tabLst>
-                      </a:pPr>
-                      <a:r>
-                        <a:rPr lang="en-US" sz="1200" u="none" strike="noStrike">
-                          <a:effectLst/>
-                        </a:rPr>
-                        <a:t> </a:t>
-                      </a:r>
-                      <a:endParaRPr lang="en-US" sz="1100">
-                        <a:effectLst/>
-                        <a:latin typeface="Calibri" panose="020F0502020204030204" pitchFamily="34" charset="0"/>
-                        <a:ea typeface="Calibri" panose="020F0502020204030204" pitchFamily="34" charset="0"/>
-                        <a:cs typeface="Times New Roman" panose="02020603050405020304" pitchFamily="18" charset="0"/>
-                      </a:endParaRPr>
-                    </a:p>
-                  </a:txBody>
-                  <a:tcPr marL="68580" marR="68580" marT="0" marB="0"/>
-                </a:tc>
-                <a:tc hMerge="1">
-                  <a:txBody>
-                    <a:bodyPr/>
-                    <a:lstStyle/>
-                    <a:p>
-                      <a:endParaRPr lang="en-US"/>
-                    </a:p>
-                  </a:txBody>
-                  <a:tcPr/>
-                </a:tc>
-                <a:tc gridSpan="2">
-                  <a:txBody>
-                    <a:bodyPr/>
-                    <a:lstStyle/>
-                    <a:p>
-                      <a:pPr marL="0" marR="0" algn="ctr">
-                        <a:lnSpc>
-                          <a:spcPct val="150000"/>
-                        </a:lnSpc>
-                        <a:spcBef>
-                          <a:spcPts val="0"/>
-                        </a:spcBef>
-                        <a:spcAft>
-                          <a:spcPts val="0"/>
-                        </a:spcAft>
-                        <a:tabLst>
-                          <a:tab pos="571500" algn="l"/>
-                          <a:tab pos="6343650" algn="l"/>
-                        </a:tabLst>
-                      </a:pPr>
-                      <a:r>
-                        <a:rPr lang="en-US" sz="1200" u="none" strike="noStrike">
-                          <a:effectLst/>
-                        </a:rPr>
-                        <a:t> </a:t>
-                      </a:r>
-                      <a:endParaRPr lang="en-US" sz="1100">
-                        <a:effectLst/>
-                        <a:latin typeface="Calibri" panose="020F0502020204030204" pitchFamily="34" charset="0"/>
-                        <a:ea typeface="Calibri" panose="020F0502020204030204" pitchFamily="34" charset="0"/>
-                        <a:cs typeface="Times New Roman" panose="02020603050405020304" pitchFamily="18" charset="0"/>
-                      </a:endParaRPr>
-                    </a:p>
-                  </a:txBody>
-                  <a:tcPr marL="68580" marR="68580" marT="0" marB="0"/>
-                </a:tc>
-                <a:tc hMerge="1">
-                  <a:txBody>
-                    <a:bodyPr/>
-                    <a:lstStyle/>
-                    <a:p>
-                      <a:endParaRPr lang="en-US"/>
-                    </a:p>
-                  </a:txBody>
-                  <a:tcPr/>
-                </a:tc>
-                <a:tc>
-                  <a:txBody>
-                    <a:bodyPr/>
-                    <a:lstStyle/>
-                    <a:p>
-                      <a:pPr marL="0" marR="0" algn="ctr">
-                        <a:lnSpc>
-                          <a:spcPct val="150000"/>
-                        </a:lnSpc>
-                        <a:spcBef>
-                          <a:spcPts val="0"/>
-                        </a:spcBef>
-                        <a:spcAft>
-                          <a:spcPts val="0"/>
-                        </a:spcAft>
-                        <a:tabLst>
-                          <a:tab pos="571500" algn="l"/>
-                          <a:tab pos="6343650" algn="l"/>
-                        </a:tabLst>
-                      </a:pPr>
-                      <a:r>
-                        <a:rPr lang="en-US" sz="1200" u="none" strike="noStrike">
-                          <a:effectLst/>
-                        </a:rPr>
-                        <a:t> </a:t>
-                      </a:r>
-                      <a:endParaRPr lang="en-US" sz="1100">
-                        <a:effectLst/>
-                        <a:latin typeface="Calibri" panose="020F0502020204030204" pitchFamily="34" charset="0"/>
-                        <a:ea typeface="Calibri" panose="020F0502020204030204" pitchFamily="34" charset="0"/>
-                        <a:cs typeface="Times New Roman" panose="02020603050405020304" pitchFamily="18" charset="0"/>
-                      </a:endParaRPr>
-                    </a:p>
-                  </a:txBody>
-                  <a:tcPr marL="68580" marR="68580" marT="0" marB="0"/>
-                </a:tc>
-                <a:tc gridSpan="2">
-                  <a:txBody>
-                    <a:bodyPr/>
-                    <a:lstStyle/>
-                    <a:p>
-                      <a:pPr marL="0" marR="0" algn="ctr">
-                        <a:lnSpc>
-                          <a:spcPct val="150000"/>
-                        </a:lnSpc>
-                        <a:spcBef>
-                          <a:spcPts val="0"/>
-                        </a:spcBef>
-                        <a:spcAft>
-                          <a:spcPts val="0"/>
-                        </a:spcAft>
-                        <a:tabLst>
-                          <a:tab pos="571500" algn="l"/>
-                          <a:tab pos="6343650" algn="l"/>
-                        </a:tabLst>
-                      </a:pPr>
-                      <a:r>
-                        <a:rPr lang="en-US" sz="1200" u="none" strike="noStrike">
-                          <a:effectLst/>
-                        </a:rPr>
-                        <a:t> </a:t>
-                      </a:r>
-                      <a:endParaRPr lang="en-US" sz="1100">
-                        <a:effectLst/>
-                        <a:latin typeface="Calibri" panose="020F0502020204030204" pitchFamily="34" charset="0"/>
-                        <a:ea typeface="Calibri" panose="020F0502020204030204" pitchFamily="34" charset="0"/>
-                        <a:cs typeface="Times New Roman" panose="02020603050405020304" pitchFamily="18" charset="0"/>
-                      </a:endParaRPr>
-                    </a:p>
-                  </a:txBody>
-                  <a:tcPr marL="68580" marR="68580" marT="0" marB="0"/>
-                </a:tc>
-                <a:tc hMerge="1">
-                  <a:txBody>
-                    <a:bodyPr/>
-                    <a:lstStyle/>
-                    <a:p>
-                      <a:endParaRPr lang="en-US"/>
-                    </a:p>
-                  </a:txBody>
-                  <a:tcPr/>
-                </a:tc>
-                <a:tc>
-                  <a:txBody>
-                    <a:bodyPr/>
-                    <a:lstStyle/>
-                    <a:p>
-                      <a:pPr marL="0" marR="0" algn="ctr">
-                        <a:lnSpc>
-                          <a:spcPct val="150000"/>
-                        </a:lnSpc>
-                        <a:spcBef>
-                          <a:spcPts val="0"/>
-                        </a:spcBef>
-                        <a:spcAft>
-                          <a:spcPts val="0"/>
-                        </a:spcAft>
-                        <a:tabLst>
-                          <a:tab pos="571500" algn="l"/>
-                          <a:tab pos="6343650" algn="l"/>
-                        </a:tabLst>
-                      </a:pPr>
-                      <a:r>
-                        <a:rPr lang="en-US" sz="1200" u="none" strike="noStrike">
-                          <a:effectLst/>
-                        </a:rPr>
-                        <a:t> </a:t>
-                      </a:r>
-                      <a:endParaRPr lang="en-US" sz="1100">
-                        <a:effectLst/>
-                        <a:latin typeface="Calibri" panose="020F0502020204030204" pitchFamily="34" charset="0"/>
-                        <a:ea typeface="Calibri" panose="020F0502020204030204" pitchFamily="34" charset="0"/>
-                        <a:cs typeface="Times New Roman" panose="02020603050405020304" pitchFamily="18" charset="0"/>
-                      </a:endParaRPr>
-                    </a:p>
-                  </a:txBody>
-                  <a:tcPr marL="68580" marR="68580" marT="0" marB="0"/>
-                </a:tc>
-                <a:tc>
-                  <a:txBody>
-                    <a:bodyPr/>
-                    <a:lstStyle/>
-                    <a:p>
-                      <a:pPr marL="0" marR="0" algn="ctr">
-                        <a:lnSpc>
-                          <a:spcPct val="150000"/>
-                        </a:lnSpc>
-                        <a:spcBef>
-                          <a:spcPts val="0"/>
-                        </a:spcBef>
-                        <a:spcAft>
-                          <a:spcPts val="0"/>
-                        </a:spcAft>
-                        <a:tabLst>
-                          <a:tab pos="571500" algn="l"/>
-                          <a:tab pos="6343650" algn="l"/>
-                        </a:tabLst>
-                      </a:pPr>
-                      <a:r>
-                        <a:rPr lang="en-US" sz="1200" u="none" strike="noStrike">
-                          <a:effectLst/>
-                        </a:rPr>
-                        <a:t> </a:t>
-                      </a:r>
-                      <a:endParaRPr lang="en-US" sz="1100">
-                        <a:effectLst/>
-                        <a:latin typeface="Calibri" panose="020F0502020204030204" pitchFamily="34" charset="0"/>
-                        <a:ea typeface="Calibri" panose="020F0502020204030204" pitchFamily="34" charset="0"/>
-                        <a:cs typeface="Times New Roman" panose="02020603050405020304" pitchFamily="18" charset="0"/>
-                      </a:endParaRPr>
-                    </a:p>
-                  </a:txBody>
-                  <a:tcPr marL="68580" marR="68580" marT="0" marB="0"/>
-                </a:tc>
-                <a:extLst>
-                  <a:ext uri="{0D108BD9-81ED-4DB2-BD59-A6C34878D82A}">
-                    <a16:rowId xmlns:a16="http://schemas.microsoft.com/office/drawing/2014/main" val="633767416"/>
-                  </a:ext>
-                </a:extLst>
-              </a:tr>
-              <a:tr h="252730">
-                <a:tc>
-                  <a:txBody>
-                    <a:bodyPr/>
-                    <a:lstStyle/>
-                    <a:p>
-                      <a:pPr marL="0" marR="0" algn="ctr">
-                        <a:lnSpc>
-                          <a:spcPct val="150000"/>
-                        </a:lnSpc>
-                        <a:spcBef>
-                          <a:spcPts val="0"/>
-                        </a:spcBef>
-                        <a:spcAft>
-                          <a:spcPts val="0"/>
-                        </a:spcAft>
-                        <a:tabLst>
-                          <a:tab pos="571500" algn="l"/>
-                          <a:tab pos="6343650" algn="l"/>
-                        </a:tabLst>
-                      </a:pPr>
-                      <a:r>
-                        <a:rPr lang="en-US" sz="1200">
-                          <a:effectLst/>
-                        </a:rPr>
-                        <a:t>Testing</a:t>
-                      </a:r>
-                      <a:endParaRPr lang="en-US" sz="1100">
-                        <a:effectLst/>
-                        <a:latin typeface="Calibri" panose="020F0502020204030204" pitchFamily="34" charset="0"/>
-                        <a:ea typeface="Calibri" panose="020F0502020204030204" pitchFamily="34" charset="0"/>
-                        <a:cs typeface="Times New Roman" panose="02020603050405020304" pitchFamily="18" charset="0"/>
-                      </a:endParaRPr>
-                    </a:p>
-                  </a:txBody>
-                  <a:tcPr marL="68580" marR="68580" marT="0" marB="0"/>
-                </a:tc>
-                <a:tc>
-                  <a:txBody>
-                    <a:bodyPr/>
-                    <a:lstStyle/>
-                    <a:p>
-                      <a:pPr marL="0" marR="0" algn="ctr">
-                        <a:lnSpc>
-                          <a:spcPct val="150000"/>
-                        </a:lnSpc>
-                        <a:spcBef>
-                          <a:spcPts val="0"/>
-                        </a:spcBef>
-                        <a:spcAft>
-                          <a:spcPts val="0"/>
-                        </a:spcAft>
-                        <a:tabLst>
-                          <a:tab pos="571500" algn="l"/>
-                          <a:tab pos="6343650" algn="l"/>
-                        </a:tabLst>
-                      </a:pPr>
-                      <a:r>
-                        <a:rPr lang="en-US" sz="1200" u="none" strike="noStrike">
-                          <a:effectLst/>
-                        </a:rPr>
-                        <a:t> </a:t>
-                      </a:r>
-                      <a:endParaRPr lang="en-US" sz="1100">
-                        <a:effectLst/>
-                        <a:latin typeface="Calibri" panose="020F0502020204030204" pitchFamily="34" charset="0"/>
-                        <a:ea typeface="Calibri" panose="020F0502020204030204" pitchFamily="34" charset="0"/>
-                        <a:cs typeface="Times New Roman" panose="02020603050405020304" pitchFamily="18" charset="0"/>
-                      </a:endParaRPr>
-                    </a:p>
-                  </a:txBody>
-                  <a:tcPr marL="68580" marR="68580" marT="0" marB="0"/>
-                </a:tc>
-                <a:tc gridSpan="3">
-                  <a:txBody>
-                    <a:bodyPr/>
-                    <a:lstStyle/>
-                    <a:p>
-                      <a:pPr marL="0" marR="0" algn="ctr">
-                        <a:lnSpc>
-                          <a:spcPct val="150000"/>
-                        </a:lnSpc>
-                        <a:spcBef>
-                          <a:spcPts val="0"/>
-                        </a:spcBef>
-                        <a:spcAft>
-                          <a:spcPts val="0"/>
-                        </a:spcAft>
-                        <a:tabLst>
-                          <a:tab pos="571500" algn="l"/>
-                          <a:tab pos="6343650" algn="l"/>
-                        </a:tabLst>
-                      </a:pPr>
-                      <a:r>
-                        <a:rPr lang="en-US" sz="1200" u="none" strike="noStrike">
-                          <a:effectLst/>
-                        </a:rPr>
-                        <a:t> </a:t>
-                      </a:r>
-                      <a:endParaRPr lang="en-US" sz="1100">
-                        <a:effectLst/>
-                        <a:latin typeface="Calibri" panose="020F0502020204030204" pitchFamily="34" charset="0"/>
-                        <a:ea typeface="Calibri" panose="020F0502020204030204" pitchFamily="34" charset="0"/>
-                        <a:cs typeface="Times New Roman" panose="02020603050405020304" pitchFamily="18" charset="0"/>
-                      </a:endParaRPr>
-                    </a:p>
-                  </a:txBody>
-                  <a:tcPr marL="68580" marR="68580" marT="0" marB="0"/>
-                </a:tc>
-                <a:tc hMerge="1">
-                  <a:txBody>
-                    <a:bodyPr/>
-                    <a:lstStyle/>
-                    <a:p>
-                      <a:endParaRPr lang="en-US"/>
-                    </a:p>
-                  </a:txBody>
-                  <a:tcPr/>
-                </a:tc>
-                <a:tc hMerge="1">
-                  <a:txBody>
-                    <a:bodyPr/>
-                    <a:lstStyle/>
-                    <a:p>
-                      <a:endParaRPr lang="en-US"/>
-                    </a:p>
-                  </a:txBody>
-                  <a:tcPr/>
-                </a:tc>
-                <a:tc>
-                  <a:txBody>
-                    <a:bodyPr/>
-                    <a:lstStyle/>
-                    <a:p>
-                      <a:pPr marL="0" marR="0" algn="ctr">
-                        <a:lnSpc>
-                          <a:spcPct val="150000"/>
-                        </a:lnSpc>
-                        <a:spcBef>
-                          <a:spcPts val="0"/>
-                        </a:spcBef>
-                        <a:spcAft>
-                          <a:spcPts val="0"/>
-                        </a:spcAft>
-                        <a:tabLst>
-                          <a:tab pos="571500" algn="l"/>
-                          <a:tab pos="6343650" algn="l"/>
-                        </a:tabLst>
-                      </a:pPr>
-                      <a:r>
-                        <a:rPr lang="en-US" sz="1200" u="none" strike="noStrike">
-                          <a:effectLst/>
-                        </a:rPr>
-                        <a:t> </a:t>
-                      </a:r>
-                      <a:endParaRPr lang="en-US" sz="1100">
-                        <a:effectLst/>
-                        <a:latin typeface="Calibri" panose="020F0502020204030204" pitchFamily="34" charset="0"/>
-                        <a:ea typeface="Calibri" panose="020F0502020204030204" pitchFamily="34" charset="0"/>
-                        <a:cs typeface="Times New Roman" panose="02020603050405020304" pitchFamily="18" charset="0"/>
-                      </a:endParaRPr>
-                    </a:p>
-                  </a:txBody>
-                  <a:tcPr marL="68580" marR="68580" marT="0" marB="0"/>
-                </a:tc>
-                <a:tc>
-                  <a:txBody>
-                    <a:bodyPr/>
-                    <a:lstStyle/>
-                    <a:p>
-                      <a:pPr marL="0" marR="0" algn="ctr">
-                        <a:lnSpc>
-                          <a:spcPct val="150000"/>
-                        </a:lnSpc>
-                        <a:spcBef>
-                          <a:spcPts val="0"/>
-                        </a:spcBef>
-                        <a:spcAft>
-                          <a:spcPts val="0"/>
-                        </a:spcAft>
-                        <a:tabLst>
-                          <a:tab pos="571500" algn="l"/>
-                          <a:tab pos="6343650" algn="l"/>
-                        </a:tabLst>
-                      </a:pPr>
-                      <a:r>
-                        <a:rPr lang="en-US" sz="1200" u="none" strike="noStrike">
-                          <a:effectLst/>
-                        </a:rPr>
-                        <a:t> </a:t>
-                      </a:r>
-                      <a:endParaRPr lang="en-US" sz="1100">
-                        <a:effectLst/>
-                        <a:latin typeface="Calibri" panose="020F0502020204030204" pitchFamily="34" charset="0"/>
-                        <a:ea typeface="Calibri" panose="020F0502020204030204" pitchFamily="34" charset="0"/>
-                        <a:cs typeface="Times New Roman" panose="02020603050405020304" pitchFamily="18" charset="0"/>
-                      </a:endParaRPr>
-                    </a:p>
-                  </a:txBody>
-                  <a:tcPr marL="68580" marR="68580" marT="0" marB="0"/>
-                </a:tc>
-                <a:tc gridSpan="3">
-                  <a:txBody>
-                    <a:bodyPr/>
-                    <a:lstStyle/>
-                    <a:p>
-                      <a:pPr marL="0" marR="0" algn="ctr">
-                        <a:lnSpc>
-                          <a:spcPct val="150000"/>
-                        </a:lnSpc>
-                        <a:spcBef>
-                          <a:spcPts val="0"/>
-                        </a:spcBef>
-                        <a:spcAft>
-                          <a:spcPts val="0"/>
-                        </a:spcAft>
-                        <a:tabLst>
-                          <a:tab pos="571500" algn="l"/>
-                          <a:tab pos="6343650" algn="l"/>
-                        </a:tabLst>
-                      </a:pPr>
-                      <a:r>
-                        <a:rPr lang="en-US" sz="1200" u="none" strike="noStrike">
-                          <a:effectLst/>
-                        </a:rPr>
-                        <a:t> </a:t>
-                      </a:r>
-                      <a:endParaRPr lang="en-US" sz="1100">
-                        <a:effectLst/>
-                        <a:latin typeface="Calibri" panose="020F0502020204030204" pitchFamily="34" charset="0"/>
-                        <a:ea typeface="Calibri" panose="020F0502020204030204" pitchFamily="34" charset="0"/>
-                        <a:cs typeface="Times New Roman" panose="02020603050405020304" pitchFamily="18" charset="0"/>
-                      </a:endParaRPr>
-                    </a:p>
-                  </a:txBody>
-                  <a:tcPr marL="68580" marR="68580" marT="0" marB="0"/>
-                </a:tc>
-                <a:tc hMerge="1">
-                  <a:txBody>
-                    <a:bodyPr/>
-                    <a:lstStyle/>
-                    <a:p>
-                      <a:endParaRPr lang="en-US"/>
-                    </a:p>
-                  </a:txBody>
-                  <a:tcPr/>
-                </a:tc>
-                <a:tc hMerge="1">
-                  <a:txBody>
-                    <a:bodyPr/>
-                    <a:lstStyle/>
-                    <a:p>
-                      <a:endParaRPr lang="en-US"/>
-                    </a:p>
-                  </a:txBody>
-                  <a:tcPr/>
-                </a:tc>
-                <a:tc>
-                  <a:txBody>
-                    <a:bodyPr/>
-                    <a:lstStyle/>
-                    <a:p>
-                      <a:pPr marL="0" marR="0" algn="ctr">
-                        <a:lnSpc>
-                          <a:spcPct val="150000"/>
-                        </a:lnSpc>
-                        <a:spcBef>
-                          <a:spcPts val="0"/>
-                        </a:spcBef>
-                        <a:spcAft>
-                          <a:spcPts val="0"/>
-                        </a:spcAft>
-                        <a:tabLst>
-                          <a:tab pos="571500" algn="l"/>
-                          <a:tab pos="6343650" algn="l"/>
-                        </a:tabLst>
-                      </a:pPr>
-                      <a:r>
-                        <a:rPr lang="en-US" sz="1200" u="none" strike="noStrike">
-                          <a:effectLst/>
-                        </a:rPr>
-                        <a:t> </a:t>
-                      </a:r>
-                      <a:endParaRPr lang="en-US" sz="1100">
-                        <a:effectLst/>
-                        <a:latin typeface="Calibri" panose="020F0502020204030204" pitchFamily="34" charset="0"/>
-                        <a:ea typeface="Calibri" panose="020F0502020204030204" pitchFamily="34" charset="0"/>
-                        <a:cs typeface="Times New Roman" panose="02020603050405020304" pitchFamily="18" charset="0"/>
-                      </a:endParaRPr>
-                    </a:p>
-                  </a:txBody>
-                  <a:tcPr marL="68580" marR="68580" marT="0" marB="0"/>
-                </a:tc>
-                <a:tc>
-                  <a:txBody>
-                    <a:bodyPr/>
-                    <a:lstStyle/>
-                    <a:p>
-                      <a:pPr marL="0" marR="0" algn="ctr">
-                        <a:lnSpc>
-                          <a:spcPct val="150000"/>
-                        </a:lnSpc>
-                        <a:spcBef>
-                          <a:spcPts val="0"/>
-                        </a:spcBef>
-                        <a:spcAft>
-                          <a:spcPts val="0"/>
-                        </a:spcAft>
-                        <a:tabLst>
-                          <a:tab pos="571500" algn="l"/>
-                          <a:tab pos="6343650" algn="l"/>
-                        </a:tabLst>
-                      </a:pPr>
-                      <a:r>
-                        <a:rPr lang="en-US" sz="1200" u="none" strike="noStrike">
-                          <a:effectLst/>
-                        </a:rPr>
-                        <a:t> </a:t>
-                      </a:r>
-                      <a:endParaRPr lang="en-US" sz="1100">
-                        <a:effectLst/>
-                        <a:latin typeface="Calibri" panose="020F0502020204030204" pitchFamily="34" charset="0"/>
-                        <a:ea typeface="Calibri" panose="020F0502020204030204" pitchFamily="34" charset="0"/>
-                        <a:cs typeface="Times New Roman" panose="02020603050405020304" pitchFamily="18" charset="0"/>
-                      </a:endParaRPr>
-                    </a:p>
-                  </a:txBody>
-                  <a:tcPr marL="68580" marR="68580" marT="0" marB="0"/>
-                </a:tc>
-                <a:tc>
-                  <a:txBody>
-                    <a:bodyPr/>
-                    <a:lstStyle/>
-                    <a:p>
-                      <a:pPr marL="0" marR="0" algn="ctr">
-                        <a:lnSpc>
-                          <a:spcPct val="150000"/>
-                        </a:lnSpc>
-                        <a:spcBef>
-                          <a:spcPts val="0"/>
-                        </a:spcBef>
-                        <a:spcAft>
-                          <a:spcPts val="0"/>
-                        </a:spcAft>
-                        <a:tabLst>
-                          <a:tab pos="571500" algn="l"/>
-                          <a:tab pos="6343650" algn="l"/>
-                        </a:tabLst>
-                      </a:pPr>
-                      <a:r>
-                        <a:rPr lang="en-US" sz="1200" u="none" strike="noStrike">
-                          <a:effectLst/>
-                        </a:rPr>
-                        <a:t> </a:t>
-                      </a:r>
-                      <a:endParaRPr lang="en-US" sz="1100">
-                        <a:effectLst/>
-                        <a:latin typeface="Calibri" panose="020F0502020204030204" pitchFamily="34" charset="0"/>
-                        <a:ea typeface="Calibri" panose="020F0502020204030204" pitchFamily="34" charset="0"/>
-                        <a:cs typeface="Times New Roman" panose="02020603050405020304" pitchFamily="18" charset="0"/>
-                      </a:endParaRPr>
-                    </a:p>
-                  </a:txBody>
-                  <a:tcPr marL="68580" marR="68580" marT="0" marB="0"/>
-                </a:tc>
-                <a:tc>
-                  <a:txBody>
-                    <a:bodyPr/>
-                    <a:lstStyle/>
-                    <a:p>
-                      <a:pPr marL="0" marR="0" algn="ctr">
-                        <a:lnSpc>
-                          <a:spcPct val="150000"/>
-                        </a:lnSpc>
-                        <a:spcBef>
-                          <a:spcPts val="0"/>
-                        </a:spcBef>
-                        <a:spcAft>
-                          <a:spcPts val="0"/>
-                        </a:spcAft>
-                        <a:tabLst>
-                          <a:tab pos="571500" algn="l"/>
-                          <a:tab pos="6343650" algn="l"/>
-                        </a:tabLst>
-                      </a:pPr>
-                      <a:r>
-                        <a:rPr lang="en-US" sz="1200" u="none" strike="noStrike">
-                          <a:effectLst/>
-                        </a:rPr>
-                        <a:t> </a:t>
-                      </a:r>
-                      <a:endParaRPr lang="en-US" sz="1100">
-                        <a:effectLst/>
-                        <a:latin typeface="Calibri" panose="020F0502020204030204" pitchFamily="34" charset="0"/>
-                        <a:ea typeface="Calibri" panose="020F0502020204030204" pitchFamily="34" charset="0"/>
-                        <a:cs typeface="Times New Roman" panose="02020603050405020304" pitchFamily="18" charset="0"/>
-                      </a:endParaRPr>
-                    </a:p>
-                  </a:txBody>
-                  <a:tcPr marL="68580" marR="68580" marT="0" marB="0"/>
-                </a:tc>
-                <a:tc>
-                  <a:txBody>
-                    <a:bodyPr/>
-                    <a:lstStyle/>
-                    <a:p>
-                      <a:pPr marL="0" marR="0" algn="ctr">
-                        <a:lnSpc>
-                          <a:spcPct val="150000"/>
-                        </a:lnSpc>
-                        <a:spcBef>
-                          <a:spcPts val="0"/>
-                        </a:spcBef>
-                        <a:spcAft>
-                          <a:spcPts val="0"/>
-                        </a:spcAft>
-                        <a:tabLst>
-                          <a:tab pos="571500" algn="l"/>
-                          <a:tab pos="6343650" algn="l"/>
-                        </a:tabLst>
-                      </a:pPr>
-                      <a:r>
-                        <a:rPr lang="en-US" sz="1200" u="none" strike="noStrike">
-                          <a:effectLst/>
-                        </a:rPr>
-                        <a:t> </a:t>
-                      </a:r>
-                      <a:endParaRPr lang="en-US" sz="1100">
-                        <a:effectLst/>
-                        <a:latin typeface="Calibri" panose="020F0502020204030204" pitchFamily="34" charset="0"/>
-                        <a:ea typeface="Calibri" panose="020F0502020204030204" pitchFamily="34" charset="0"/>
-                        <a:cs typeface="Times New Roman" panose="02020603050405020304" pitchFamily="18" charset="0"/>
-                      </a:endParaRPr>
-                    </a:p>
-                  </a:txBody>
-                  <a:tcPr marL="68580" marR="68580" marT="0" marB="0"/>
-                </a:tc>
-                <a:extLst>
-                  <a:ext uri="{0D108BD9-81ED-4DB2-BD59-A6C34878D82A}">
-                    <a16:rowId xmlns:a16="http://schemas.microsoft.com/office/drawing/2014/main" val="3683037378"/>
-                  </a:ext>
-                </a:extLst>
-              </a:tr>
-              <a:tr h="238125">
-                <a:tc>
-                  <a:txBody>
-                    <a:bodyPr/>
-                    <a:lstStyle/>
-                    <a:p>
-                      <a:pPr marL="0" marR="0" algn="ctr">
-                        <a:lnSpc>
-                          <a:spcPct val="150000"/>
-                        </a:lnSpc>
-                        <a:spcBef>
-                          <a:spcPts val="0"/>
-                        </a:spcBef>
-                        <a:spcAft>
-                          <a:spcPts val="0"/>
-                        </a:spcAft>
-                        <a:tabLst>
-                          <a:tab pos="571500" algn="l"/>
-                          <a:tab pos="6343650" algn="l"/>
-                        </a:tabLst>
-                      </a:pPr>
-                      <a:r>
-                        <a:rPr lang="en-US" sz="1200">
-                          <a:effectLst/>
-                        </a:rPr>
-                        <a:t>Implementation</a:t>
-                      </a:r>
-                      <a:endParaRPr lang="en-US" sz="1100">
-                        <a:effectLst/>
-                        <a:latin typeface="Calibri" panose="020F0502020204030204" pitchFamily="34" charset="0"/>
-                        <a:ea typeface="Calibri" panose="020F0502020204030204" pitchFamily="34" charset="0"/>
-                        <a:cs typeface="Times New Roman" panose="02020603050405020304" pitchFamily="18" charset="0"/>
-                      </a:endParaRPr>
-                    </a:p>
-                  </a:txBody>
-                  <a:tcPr marL="68580" marR="68580" marT="0" marB="0"/>
-                </a:tc>
-                <a:tc>
-                  <a:txBody>
-                    <a:bodyPr/>
-                    <a:lstStyle/>
-                    <a:p>
-                      <a:pPr marL="0" marR="0" algn="ctr">
-                        <a:lnSpc>
-                          <a:spcPct val="150000"/>
-                        </a:lnSpc>
-                        <a:spcBef>
-                          <a:spcPts val="0"/>
-                        </a:spcBef>
-                        <a:spcAft>
-                          <a:spcPts val="0"/>
-                        </a:spcAft>
-                        <a:tabLst>
-                          <a:tab pos="571500" algn="l"/>
-                          <a:tab pos="6343650" algn="l"/>
-                        </a:tabLst>
-                      </a:pPr>
-                      <a:r>
-                        <a:rPr lang="en-US" sz="1200" u="none" strike="noStrike">
-                          <a:effectLst/>
-                        </a:rPr>
-                        <a:t> </a:t>
-                      </a:r>
-                      <a:endParaRPr lang="en-US" sz="1100">
-                        <a:effectLst/>
-                        <a:latin typeface="Calibri" panose="020F0502020204030204" pitchFamily="34" charset="0"/>
-                        <a:ea typeface="Calibri" panose="020F0502020204030204" pitchFamily="34" charset="0"/>
-                        <a:cs typeface="Times New Roman" panose="02020603050405020304" pitchFamily="18" charset="0"/>
-                      </a:endParaRPr>
-                    </a:p>
-                  </a:txBody>
-                  <a:tcPr marL="68580" marR="68580" marT="0" marB="0"/>
-                </a:tc>
-                <a:tc gridSpan="3">
-                  <a:txBody>
-                    <a:bodyPr/>
-                    <a:lstStyle/>
-                    <a:p>
-                      <a:pPr marL="0" marR="0" algn="ctr">
-                        <a:lnSpc>
-                          <a:spcPct val="150000"/>
-                        </a:lnSpc>
-                        <a:spcBef>
-                          <a:spcPts val="0"/>
-                        </a:spcBef>
-                        <a:spcAft>
-                          <a:spcPts val="0"/>
-                        </a:spcAft>
-                        <a:tabLst>
-                          <a:tab pos="571500" algn="l"/>
-                          <a:tab pos="6343650" algn="l"/>
-                        </a:tabLst>
-                      </a:pPr>
-                      <a:r>
-                        <a:rPr lang="en-US" sz="1200" u="none" strike="noStrike">
-                          <a:effectLst/>
-                        </a:rPr>
-                        <a:t> </a:t>
-                      </a:r>
-                      <a:endParaRPr lang="en-US" sz="1100">
-                        <a:effectLst/>
-                        <a:latin typeface="Calibri" panose="020F0502020204030204" pitchFamily="34" charset="0"/>
-                        <a:ea typeface="Calibri" panose="020F0502020204030204" pitchFamily="34" charset="0"/>
-                        <a:cs typeface="Times New Roman" panose="02020603050405020304" pitchFamily="18" charset="0"/>
-                      </a:endParaRPr>
-                    </a:p>
-                  </a:txBody>
-                  <a:tcPr marL="68580" marR="68580" marT="0" marB="0"/>
-                </a:tc>
-                <a:tc hMerge="1">
-                  <a:txBody>
-                    <a:bodyPr/>
-                    <a:lstStyle/>
-                    <a:p>
-                      <a:endParaRPr lang="en-US"/>
-                    </a:p>
-                  </a:txBody>
-                  <a:tcPr/>
-                </a:tc>
-                <a:tc hMerge="1">
-                  <a:txBody>
-                    <a:bodyPr/>
-                    <a:lstStyle/>
-                    <a:p>
-                      <a:endParaRPr lang="en-US"/>
-                    </a:p>
-                  </a:txBody>
-                  <a:tcPr/>
-                </a:tc>
-                <a:tc>
-                  <a:txBody>
-                    <a:bodyPr/>
-                    <a:lstStyle/>
-                    <a:p>
-                      <a:pPr marL="0" marR="0" algn="ctr">
-                        <a:lnSpc>
-                          <a:spcPct val="150000"/>
-                        </a:lnSpc>
-                        <a:spcBef>
-                          <a:spcPts val="0"/>
-                        </a:spcBef>
-                        <a:spcAft>
-                          <a:spcPts val="0"/>
-                        </a:spcAft>
-                        <a:tabLst>
-                          <a:tab pos="571500" algn="l"/>
-                          <a:tab pos="6343650" algn="l"/>
-                        </a:tabLst>
-                      </a:pPr>
-                      <a:r>
-                        <a:rPr lang="en-US" sz="1200" u="none" strike="noStrike">
-                          <a:effectLst/>
-                        </a:rPr>
-                        <a:t> </a:t>
-                      </a:r>
-                      <a:endParaRPr lang="en-US" sz="1100">
-                        <a:effectLst/>
-                        <a:latin typeface="Calibri" panose="020F0502020204030204" pitchFamily="34" charset="0"/>
-                        <a:ea typeface="Calibri" panose="020F0502020204030204" pitchFamily="34" charset="0"/>
-                        <a:cs typeface="Times New Roman" panose="02020603050405020304" pitchFamily="18" charset="0"/>
-                      </a:endParaRPr>
-                    </a:p>
-                  </a:txBody>
-                  <a:tcPr marL="68580" marR="68580" marT="0" marB="0"/>
-                </a:tc>
-                <a:tc>
-                  <a:txBody>
-                    <a:bodyPr/>
-                    <a:lstStyle/>
-                    <a:p>
-                      <a:pPr marL="0" marR="0" algn="ctr">
-                        <a:lnSpc>
-                          <a:spcPct val="150000"/>
-                        </a:lnSpc>
-                        <a:spcBef>
-                          <a:spcPts val="0"/>
-                        </a:spcBef>
-                        <a:spcAft>
-                          <a:spcPts val="0"/>
-                        </a:spcAft>
-                        <a:tabLst>
-                          <a:tab pos="571500" algn="l"/>
-                          <a:tab pos="6343650" algn="l"/>
-                        </a:tabLst>
-                      </a:pPr>
-                      <a:r>
-                        <a:rPr lang="en-US" sz="1200" u="none" strike="noStrike">
-                          <a:effectLst/>
-                        </a:rPr>
-                        <a:t> </a:t>
-                      </a:r>
-                      <a:endParaRPr lang="en-US" sz="1100">
-                        <a:effectLst/>
-                        <a:latin typeface="Calibri" panose="020F0502020204030204" pitchFamily="34" charset="0"/>
-                        <a:ea typeface="Calibri" panose="020F0502020204030204" pitchFamily="34" charset="0"/>
-                        <a:cs typeface="Times New Roman" panose="02020603050405020304" pitchFamily="18" charset="0"/>
-                      </a:endParaRPr>
-                    </a:p>
-                  </a:txBody>
-                  <a:tcPr marL="68580" marR="68580" marT="0" marB="0"/>
-                </a:tc>
-                <a:tc gridSpan="4">
-                  <a:txBody>
-                    <a:bodyPr/>
-                    <a:lstStyle/>
-                    <a:p>
-                      <a:pPr marL="0" marR="0" algn="ctr">
-                        <a:lnSpc>
-                          <a:spcPct val="150000"/>
-                        </a:lnSpc>
-                        <a:spcBef>
-                          <a:spcPts val="0"/>
-                        </a:spcBef>
-                        <a:spcAft>
-                          <a:spcPts val="0"/>
-                        </a:spcAft>
-                        <a:tabLst>
-                          <a:tab pos="571500" algn="l"/>
-                          <a:tab pos="6343650" algn="l"/>
-                        </a:tabLst>
-                      </a:pPr>
-                      <a:r>
-                        <a:rPr lang="en-US" sz="1200" u="none" strike="noStrike">
-                          <a:effectLst/>
-                        </a:rPr>
-                        <a:t> </a:t>
-                      </a:r>
-                      <a:endParaRPr lang="en-US" sz="1100">
-                        <a:effectLst/>
-                        <a:latin typeface="Calibri" panose="020F0502020204030204" pitchFamily="34" charset="0"/>
-                        <a:ea typeface="Calibri" panose="020F0502020204030204" pitchFamily="34" charset="0"/>
-                        <a:cs typeface="Times New Roman" panose="02020603050405020304" pitchFamily="18" charset="0"/>
-                      </a:endParaRPr>
-                    </a:p>
-                  </a:txBody>
-                  <a:tcPr marL="68580" marR="68580" marT="0" marB="0"/>
-                </a:tc>
-                <a:tc hMerge="1">
-                  <a:txBody>
-                    <a:bodyPr/>
-                    <a:lstStyle/>
-                    <a:p>
-                      <a:endParaRPr lang="en-US"/>
-                    </a:p>
-                  </a:txBody>
-                  <a:tcPr/>
-                </a:tc>
-                <a:tc hMerge="1">
-                  <a:txBody>
-                    <a:bodyPr/>
-                    <a:lstStyle/>
-                    <a:p>
-                      <a:endParaRPr lang="en-US"/>
-                    </a:p>
-                  </a:txBody>
-                  <a:tcPr/>
-                </a:tc>
-                <a:tc hMerge="1">
-                  <a:txBody>
-                    <a:bodyPr/>
-                    <a:lstStyle/>
-                    <a:p>
-                      <a:endParaRPr lang="en-US"/>
-                    </a:p>
-                  </a:txBody>
-                  <a:tcPr/>
-                </a:tc>
-                <a:tc>
-                  <a:txBody>
-                    <a:bodyPr/>
-                    <a:lstStyle/>
-                    <a:p>
-                      <a:pPr marL="0" marR="0" algn="ctr">
-                        <a:lnSpc>
-                          <a:spcPct val="150000"/>
-                        </a:lnSpc>
-                        <a:spcBef>
-                          <a:spcPts val="0"/>
-                        </a:spcBef>
-                        <a:spcAft>
-                          <a:spcPts val="0"/>
-                        </a:spcAft>
-                        <a:tabLst>
-                          <a:tab pos="571500" algn="l"/>
-                          <a:tab pos="6343650" algn="l"/>
-                        </a:tabLst>
-                      </a:pPr>
-                      <a:r>
-                        <a:rPr lang="en-US" sz="1200" u="none" strike="noStrike">
-                          <a:effectLst/>
-                        </a:rPr>
-                        <a:t> </a:t>
-                      </a:r>
-                      <a:endParaRPr lang="en-US" sz="1100">
-                        <a:effectLst/>
-                        <a:latin typeface="Calibri" panose="020F0502020204030204" pitchFamily="34" charset="0"/>
-                        <a:ea typeface="Calibri" panose="020F0502020204030204" pitchFamily="34" charset="0"/>
-                        <a:cs typeface="Times New Roman" panose="02020603050405020304" pitchFamily="18" charset="0"/>
-                      </a:endParaRPr>
-                    </a:p>
-                  </a:txBody>
-                  <a:tcPr marL="68580" marR="68580" marT="0" marB="0"/>
-                </a:tc>
-                <a:tc>
-                  <a:txBody>
-                    <a:bodyPr/>
-                    <a:lstStyle/>
-                    <a:p>
-                      <a:pPr marL="0" marR="0" algn="ctr">
-                        <a:lnSpc>
-                          <a:spcPct val="150000"/>
-                        </a:lnSpc>
-                        <a:spcBef>
-                          <a:spcPts val="0"/>
-                        </a:spcBef>
-                        <a:spcAft>
-                          <a:spcPts val="0"/>
-                        </a:spcAft>
-                        <a:tabLst>
-                          <a:tab pos="571500" algn="l"/>
-                          <a:tab pos="6343650" algn="l"/>
-                        </a:tabLst>
-                      </a:pPr>
-                      <a:r>
-                        <a:rPr lang="en-US" sz="1200" u="none" strike="noStrike">
-                          <a:effectLst/>
-                        </a:rPr>
-                        <a:t> </a:t>
-                      </a:r>
-                      <a:endParaRPr lang="en-US" sz="1100">
-                        <a:effectLst/>
-                        <a:latin typeface="Calibri" panose="020F0502020204030204" pitchFamily="34" charset="0"/>
-                        <a:ea typeface="Calibri" panose="020F0502020204030204" pitchFamily="34" charset="0"/>
-                        <a:cs typeface="Times New Roman" panose="02020603050405020304" pitchFamily="18" charset="0"/>
-                      </a:endParaRPr>
-                    </a:p>
-                  </a:txBody>
-                  <a:tcPr marL="68580" marR="68580" marT="0" marB="0"/>
-                </a:tc>
-                <a:tc>
-                  <a:txBody>
-                    <a:bodyPr/>
-                    <a:lstStyle/>
-                    <a:p>
-                      <a:pPr marL="0" marR="0" algn="ctr">
-                        <a:lnSpc>
-                          <a:spcPct val="150000"/>
-                        </a:lnSpc>
-                        <a:spcBef>
-                          <a:spcPts val="0"/>
-                        </a:spcBef>
-                        <a:spcAft>
-                          <a:spcPts val="0"/>
-                        </a:spcAft>
-                        <a:tabLst>
-                          <a:tab pos="571500" algn="l"/>
-                          <a:tab pos="6343650" algn="l"/>
-                        </a:tabLst>
-                      </a:pPr>
-                      <a:r>
-                        <a:rPr lang="en-US" sz="1200" u="none" strike="noStrike">
-                          <a:effectLst/>
-                        </a:rPr>
-                        <a:t> </a:t>
-                      </a:r>
-                      <a:endParaRPr lang="en-US" sz="1100">
-                        <a:effectLst/>
-                        <a:latin typeface="Calibri" panose="020F0502020204030204" pitchFamily="34" charset="0"/>
-                        <a:ea typeface="Calibri" panose="020F0502020204030204" pitchFamily="34" charset="0"/>
-                        <a:cs typeface="Times New Roman" panose="02020603050405020304" pitchFamily="18" charset="0"/>
-                      </a:endParaRPr>
-                    </a:p>
-                  </a:txBody>
-                  <a:tcPr marL="68580" marR="68580" marT="0" marB="0"/>
-                </a:tc>
-                <a:tc>
-                  <a:txBody>
-                    <a:bodyPr/>
-                    <a:lstStyle/>
-                    <a:p>
-                      <a:pPr marL="0" marR="0" algn="ctr">
-                        <a:lnSpc>
-                          <a:spcPct val="150000"/>
-                        </a:lnSpc>
-                        <a:spcBef>
-                          <a:spcPts val="0"/>
-                        </a:spcBef>
-                        <a:spcAft>
-                          <a:spcPts val="0"/>
-                        </a:spcAft>
-                        <a:tabLst>
-                          <a:tab pos="571500" algn="l"/>
-                          <a:tab pos="6343650" algn="l"/>
-                        </a:tabLst>
-                      </a:pPr>
-                      <a:r>
-                        <a:rPr lang="en-US" sz="1200" u="none" strike="noStrike">
-                          <a:effectLst/>
-                        </a:rPr>
-                        <a:t> </a:t>
-                      </a:r>
-                      <a:endParaRPr lang="en-US" sz="1100">
-                        <a:effectLst/>
-                        <a:latin typeface="Calibri" panose="020F0502020204030204" pitchFamily="34" charset="0"/>
-                        <a:ea typeface="Calibri" panose="020F0502020204030204" pitchFamily="34" charset="0"/>
-                        <a:cs typeface="Times New Roman" panose="02020603050405020304" pitchFamily="18" charset="0"/>
-                      </a:endParaRPr>
-                    </a:p>
-                  </a:txBody>
-                  <a:tcPr marL="68580" marR="68580" marT="0" marB="0"/>
-                </a:tc>
-                <a:extLst>
-                  <a:ext uri="{0D108BD9-81ED-4DB2-BD59-A6C34878D82A}">
-                    <a16:rowId xmlns:a16="http://schemas.microsoft.com/office/drawing/2014/main" val="4173078584"/>
-                  </a:ext>
-                </a:extLst>
-              </a:tr>
-              <a:tr h="238125">
-                <a:tc>
-                  <a:txBody>
-                    <a:bodyPr/>
-                    <a:lstStyle/>
-                    <a:p>
-                      <a:pPr marL="0" marR="0" algn="ctr">
-                        <a:lnSpc>
-                          <a:spcPct val="150000"/>
-                        </a:lnSpc>
-                        <a:spcBef>
-                          <a:spcPts val="0"/>
-                        </a:spcBef>
-                        <a:spcAft>
-                          <a:spcPts val="0"/>
-                        </a:spcAft>
-                        <a:tabLst>
-                          <a:tab pos="571500" algn="l"/>
-                          <a:tab pos="6343650" algn="l"/>
-                        </a:tabLst>
-                      </a:pPr>
-                      <a:r>
-                        <a:rPr lang="en-US" sz="1200">
-                          <a:effectLst/>
-                        </a:rPr>
-                        <a:t>Documentation</a:t>
-                      </a:r>
-                      <a:endParaRPr lang="en-US" sz="1100">
-                        <a:effectLst/>
-                        <a:latin typeface="Calibri" panose="020F0502020204030204" pitchFamily="34" charset="0"/>
-                        <a:ea typeface="Calibri" panose="020F0502020204030204" pitchFamily="34" charset="0"/>
-                        <a:cs typeface="Times New Roman" panose="02020603050405020304" pitchFamily="18" charset="0"/>
-                      </a:endParaRPr>
-                    </a:p>
-                  </a:txBody>
-                  <a:tcPr marL="68580" marR="68580" marT="0" marB="0"/>
-                </a:tc>
-                <a:tc>
-                  <a:txBody>
-                    <a:bodyPr/>
-                    <a:lstStyle/>
-                    <a:p>
-                      <a:pPr marL="0" marR="0" algn="ctr">
-                        <a:lnSpc>
-                          <a:spcPct val="150000"/>
-                        </a:lnSpc>
-                        <a:spcBef>
-                          <a:spcPts val="0"/>
-                        </a:spcBef>
-                        <a:spcAft>
-                          <a:spcPts val="0"/>
-                        </a:spcAft>
-                        <a:tabLst>
-                          <a:tab pos="571500" algn="l"/>
-                          <a:tab pos="6343650" algn="l"/>
-                        </a:tabLst>
-                      </a:pPr>
-                      <a:r>
-                        <a:rPr lang="en-US" sz="1200" u="none" strike="noStrike">
-                          <a:effectLst/>
-                        </a:rPr>
-                        <a:t> </a:t>
-                      </a:r>
-                      <a:endParaRPr lang="en-US" sz="1100">
-                        <a:effectLst/>
-                        <a:latin typeface="Calibri" panose="020F0502020204030204" pitchFamily="34" charset="0"/>
-                        <a:ea typeface="Calibri" panose="020F0502020204030204" pitchFamily="34" charset="0"/>
-                        <a:cs typeface="Times New Roman" panose="02020603050405020304" pitchFamily="18" charset="0"/>
-                      </a:endParaRPr>
-                    </a:p>
-                  </a:txBody>
-                  <a:tcPr marL="68580" marR="68580" marT="0" marB="0"/>
-                </a:tc>
-                <a:tc gridSpan="3">
-                  <a:txBody>
-                    <a:bodyPr/>
-                    <a:lstStyle/>
-                    <a:p>
-                      <a:pPr marL="0" marR="0" algn="ctr">
-                        <a:lnSpc>
-                          <a:spcPct val="150000"/>
-                        </a:lnSpc>
-                        <a:spcBef>
-                          <a:spcPts val="0"/>
-                        </a:spcBef>
-                        <a:spcAft>
-                          <a:spcPts val="0"/>
-                        </a:spcAft>
-                        <a:tabLst>
-                          <a:tab pos="571500" algn="l"/>
-                          <a:tab pos="6343650" algn="l"/>
-                        </a:tabLst>
-                      </a:pPr>
-                      <a:r>
-                        <a:rPr lang="en-US" sz="1200" u="none" strike="noStrike">
-                          <a:effectLst/>
-                        </a:rPr>
-                        <a:t> </a:t>
-                      </a:r>
-                      <a:endParaRPr lang="en-US" sz="1100">
-                        <a:effectLst/>
-                        <a:latin typeface="Calibri" panose="020F0502020204030204" pitchFamily="34" charset="0"/>
-                        <a:ea typeface="Calibri" panose="020F0502020204030204" pitchFamily="34" charset="0"/>
-                        <a:cs typeface="Times New Roman" panose="02020603050405020304" pitchFamily="18" charset="0"/>
-                      </a:endParaRPr>
-                    </a:p>
-                  </a:txBody>
-                  <a:tcPr marL="68580" marR="68580" marT="0" marB="0"/>
-                </a:tc>
-                <a:tc hMerge="1">
-                  <a:txBody>
-                    <a:bodyPr/>
-                    <a:lstStyle/>
-                    <a:p>
-                      <a:endParaRPr lang="en-US"/>
-                    </a:p>
-                  </a:txBody>
-                  <a:tcPr/>
-                </a:tc>
-                <a:tc hMerge="1">
-                  <a:txBody>
-                    <a:bodyPr/>
-                    <a:lstStyle/>
-                    <a:p>
-                      <a:endParaRPr lang="en-US"/>
-                    </a:p>
-                  </a:txBody>
-                  <a:tcPr/>
-                </a:tc>
-                <a:tc>
-                  <a:txBody>
-                    <a:bodyPr/>
-                    <a:lstStyle/>
-                    <a:p>
-                      <a:pPr marL="0" marR="0" algn="ctr">
-                        <a:lnSpc>
-                          <a:spcPct val="150000"/>
-                        </a:lnSpc>
-                        <a:spcBef>
-                          <a:spcPts val="0"/>
-                        </a:spcBef>
-                        <a:spcAft>
-                          <a:spcPts val="0"/>
-                        </a:spcAft>
-                        <a:tabLst>
-                          <a:tab pos="571500" algn="l"/>
-                          <a:tab pos="6343650" algn="l"/>
-                        </a:tabLst>
-                      </a:pPr>
-                      <a:r>
-                        <a:rPr lang="en-US" sz="1200" u="none" strike="noStrike">
-                          <a:effectLst/>
-                        </a:rPr>
-                        <a:t> </a:t>
-                      </a:r>
-                      <a:endParaRPr lang="en-US" sz="1100">
-                        <a:effectLst/>
-                        <a:latin typeface="Calibri" panose="020F0502020204030204" pitchFamily="34" charset="0"/>
-                        <a:ea typeface="Calibri" panose="020F0502020204030204" pitchFamily="34" charset="0"/>
-                        <a:cs typeface="Times New Roman" panose="02020603050405020304" pitchFamily="18" charset="0"/>
-                      </a:endParaRPr>
-                    </a:p>
-                  </a:txBody>
-                  <a:tcPr marL="68580" marR="68580" marT="0" marB="0"/>
-                </a:tc>
-                <a:tc>
-                  <a:txBody>
-                    <a:bodyPr/>
-                    <a:lstStyle/>
-                    <a:p>
-                      <a:pPr marL="0" marR="0" algn="ctr">
-                        <a:lnSpc>
-                          <a:spcPct val="150000"/>
-                        </a:lnSpc>
-                        <a:spcBef>
-                          <a:spcPts val="0"/>
-                        </a:spcBef>
-                        <a:spcAft>
-                          <a:spcPts val="0"/>
-                        </a:spcAft>
-                        <a:tabLst>
-                          <a:tab pos="571500" algn="l"/>
-                          <a:tab pos="6343650" algn="l"/>
-                        </a:tabLst>
-                      </a:pPr>
-                      <a:r>
-                        <a:rPr lang="en-US" sz="1200" u="none" strike="noStrike">
-                          <a:effectLst/>
-                        </a:rPr>
-                        <a:t> </a:t>
-                      </a:r>
-                      <a:endParaRPr lang="en-US" sz="1100">
-                        <a:effectLst/>
-                        <a:latin typeface="Calibri" panose="020F0502020204030204" pitchFamily="34" charset="0"/>
-                        <a:ea typeface="Calibri" panose="020F0502020204030204" pitchFamily="34" charset="0"/>
-                        <a:cs typeface="Times New Roman" panose="02020603050405020304" pitchFamily="18" charset="0"/>
-                      </a:endParaRPr>
-                    </a:p>
-                  </a:txBody>
-                  <a:tcPr marL="68580" marR="68580" marT="0" marB="0"/>
-                </a:tc>
-                <a:tc gridSpan="4">
-                  <a:txBody>
-                    <a:bodyPr/>
-                    <a:lstStyle/>
-                    <a:p>
-                      <a:pPr marL="0" marR="0" algn="l">
-                        <a:lnSpc>
-                          <a:spcPct val="150000"/>
-                        </a:lnSpc>
-                        <a:spcBef>
-                          <a:spcPts val="0"/>
-                        </a:spcBef>
-                        <a:spcAft>
-                          <a:spcPts val="0"/>
-                        </a:spcAft>
-                        <a:tabLst>
-                          <a:tab pos="571500" algn="l"/>
-                          <a:tab pos="6343650" algn="l"/>
-                        </a:tabLst>
-                      </a:pPr>
-                      <a:r>
-                        <a:rPr lang="en-US" sz="1200" u="none" strike="noStrike">
-                          <a:effectLst/>
-                        </a:rPr>
-                        <a:t> </a:t>
-                      </a:r>
-                      <a:endParaRPr lang="en-US" sz="1100">
-                        <a:effectLst/>
-                        <a:latin typeface="Calibri" panose="020F0502020204030204" pitchFamily="34" charset="0"/>
-                        <a:ea typeface="Calibri" panose="020F0502020204030204" pitchFamily="34" charset="0"/>
-                        <a:cs typeface="Times New Roman" panose="02020603050405020304" pitchFamily="18" charset="0"/>
-                      </a:endParaRPr>
-                    </a:p>
-                  </a:txBody>
-                  <a:tcPr marL="68580" marR="68580" marT="0" marB="0"/>
-                </a:tc>
-                <a:tc hMerge="1">
-                  <a:txBody>
-                    <a:bodyPr/>
-                    <a:lstStyle/>
-                    <a:p>
-                      <a:endParaRPr lang="en-US"/>
-                    </a:p>
-                  </a:txBody>
-                  <a:tcPr/>
-                </a:tc>
-                <a:tc hMerge="1">
-                  <a:txBody>
-                    <a:bodyPr/>
-                    <a:lstStyle/>
-                    <a:p>
-                      <a:endParaRPr lang="en-US"/>
-                    </a:p>
-                  </a:txBody>
-                  <a:tcPr/>
-                </a:tc>
-                <a:tc hMerge="1">
-                  <a:txBody>
-                    <a:bodyPr/>
-                    <a:lstStyle/>
-                    <a:p>
-                      <a:endParaRPr lang="en-US"/>
-                    </a:p>
-                  </a:txBody>
-                  <a:tcPr/>
-                </a:tc>
-                <a:tc gridSpan="2">
-                  <a:txBody>
-                    <a:bodyPr/>
-                    <a:lstStyle/>
-                    <a:p>
-                      <a:pPr marL="0" marR="0" algn="ctr">
-                        <a:lnSpc>
-                          <a:spcPct val="150000"/>
-                        </a:lnSpc>
-                        <a:spcBef>
-                          <a:spcPts val="0"/>
-                        </a:spcBef>
-                        <a:spcAft>
-                          <a:spcPts val="0"/>
-                        </a:spcAft>
-                        <a:tabLst>
-                          <a:tab pos="571500" algn="l"/>
-                          <a:tab pos="6343650" algn="l"/>
-                        </a:tabLst>
-                      </a:pPr>
-                      <a:r>
-                        <a:rPr lang="en-US" sz="1200" u="none" strike="noStrike">
-                          <a:effectLst/>
-                        </a:rPr>
-                        <a:t> </a:t>
-                      </a:r>
-                      <a:endParaRPr lang="en-US" sz="1100">
-                        <a:effectLst/>
-                        <a:latin typeface="Calibri" panose="020F0502020204030204" pitchFamily="34" charset="0"/>
-                        <a:ea typeface="Calibri" panose="020F0502020204030204" pitchFamily="34" charset="0"/>
-                        <a:cs typeface="Times New Roman" panose="02020603050405020304" pitchFamily="18" charset="0"/>
-                      </a:endParaRPr>
-                    </a:p>
-                  </a:txBody>
-                  <a:tcPr marL="68580" marR="68580" marT="0" marB="0"/>
-                </a:tc>
-                <a:tc hMerge="1">
-                  <a:txBody>
-                    <a:bodyPr/>
-                    <a:lstStyle/>
-                    <a:p>
-                      <a:endParaRPr lang="en-US"/>
-                    </a:p>
-                  </a:txBody>
-                  <a:tcPr/>
-                </a:tc>
-                <a:tc>
-                  <a:txBody>
-                    <a:bodyPr/>
-                    <a:lstStyle/>
-                    <a:p>
-                      <a:pPr marL="0" marR="0" algn="ctr">
-                        <a:lnSpc>
-                          <a:spcPct val="150000"/>
-                        </a:lnSpc>
-                        <a:spcBef>
-                          <a:spcPts val="0"/>
-                        </a:spcBef>
-                        <a:spcAft>
-                          <a:spcPts val="0"/>
-                        </a:spcAft>
-                        <a:tabLst>
-                          <a:tab pos="571500" algn="l"/>
-                          <a:tab pos="6343650" algn="l"/>
-                        </a:tabLst>
-                      </a:pPr>
-                      <a:r>
-                        <a:rPr lang="en-US" sz="1200" u="none" strike="noStrike">
-                          <a:effectLst/>
-                        </a:rPr>
-                        <a:t> </a:t>
-                      </a:r>
-                      <a:endParaRPr lang="en-US" sz="1100">
-                        <a:effectLst/>
-                        <a:latin typeface="Calibri" panose="020F0502020204030204" pitchFamily="34" charset="0"/>
-                        <a:ea typeface="Calibri" panose="020F0502020204030204" pitchFamily="34" charset="0"/>
-                        <a:cs typeface="Times New Roman" panose="02020603050405020304" pitchFamily="18" charset="0"/>
-                      </a:endParaRPr>
-                    </a:p>
-                  </a:txBody>
-                  <a:tcPr marL="68580" marR="68580" marT="0" marB="0"/>
-                </a:tc>
-                <a:tc>
-                  <a:txBody>
-                    <a:bodyPr/>
-                    <a:lstStyle/>
-                    <a:p>
-                      <a:pPr marL="0" marR="0" algn="ctr">
-                        <a:lnSpc>
-                          <a:spcPct val="150000"/>
-                        </a:lnSpc>
-                        <a:spcBef>
-                          <a:spcPts val="0"/>
-                        </a:spcBef>
-                        <a:spcAft>
-                          <a:spcPts val="0"/>
-                        </a:spcAft>
-                        <a:tabLst>
-                          <a:tab pos="571500" algn="l"/>
-                          <a:tab pos="6343650" algn="l"/>
-                        </a:tabLst>
-                      </a:pPr>
-                      <a:r>
-                        <a:rPr lang="en-US" sz="1200" u="none" strike="noStrike">
-                          <a:effectLst/>
-                        </a:rPr>
-                        <a:t> </a:t>
-                      </a:r>
-                      <a:endParaRPr lang="en-US" sz="1100">
-                        <a:effectLst/>
-                        <a:latin typeface="Calibri" panose="020F0502020204030204" pitchFamily="34" charset="0"/>
-                        <a:ea typeface="Calibri" panose="020F0502020204030204" pitchFamily="34" charset="0"/>
-                        <a:cs typeface="Times New Roman" panose="02020603050405020304" pitchFamily="18" charset="0"/>
-                      </a:endParaRPr>
-                    </a:p>
-                  </a:txBody>
-                  <a:tcPr marL="68580" marR="68580" marT="0" marB="0"/>
-                </a:tc>
-                <a:extLst>
-                  <a:ext uri="{0D108BD9-81ED-4DB2-BD59-A6C34878D82A}">
-                    <a16:rowId xmlns:a16="http://schemas.microsoft.com/office/drawing/2014/main" val="3990292797"/>
-                  </a:ext>
-                </a:extLst>
-              </a:tr>
-              <a:tr h="238125">
-                <a:tc>
-                  <a:txBody>
-                    <a:bodyPr/>
-                    <a:lstStyle/>
-                    <a:p>
-                      <a:pPr marL="0" marR="0" algn="ctr">
-                        <a:lnSpc>
-                          <a:spcPct val="150000"/>
-                        </a:lnSpc>
-                        <a:spcBef>
-                          <a:spcPts val="0"/>
-                        </a:spcBef>
-                        <a:spcAft>
-                          <a:spcPts val="0"/>
-                        </a:spcAft>
-                        <a:tabLst>
-                          <a:tab pos="571500" algn="l"/>
-                          <a:tab pos="6343650" algn="l"/>
-                        </a:tabLst>
-                      </a:pPr>
-                      <a:r>
-                        <a:rPr lang="en-US" sz="1200">
-                          <a:effectLst/>
-                        </a:rPr>
-                        <a:t> </a:t>
-                      </a:r>
-                      <a:endParaRPr lang="en-US" sz="1100">
-                        <a:effectLst/>
-                        <a:latin typeface="Calibri" panose="020F0502020204030204" pitchFamily="34" charset="0"/>
-                        <a:ea typeface="Calibri" panose="020F0502020204030204" pitchFamily="34" charset="0"/>
-                        <a:cs typeface="Times New Roman" panose="02020603050405020304" pitchFamily="18" charset="0"/>
-                      </a:endParaRPr>
-                    </a:p>
-                  </a:txBody>
-                  <a:tcPr marL="68580" marR="68580" marT="0" marB="0"/>
-                </a:tc>
-                <a:tc>
-                  <a:txBody>
-                    <a:bodyPr/>
-                    <a:lstStyle/>
-                    <a:p>
-                      <a:pPr marL="0" marR="0" algn="ctr">
-                        <a:lnSpc>
-                          <a:spcPct val="150000"/>
-                        </a:lnSpc>
-                        <a:spcBef>
-                          <a:spcPts val="0"/>
-                        </a:spcBef>
-                        <a:spcAft>
-                          <a:spcPts val="0"/>
-                        </a:spcAft>
-                        <a:tabLst>
-                          <a:tab pos="571500" algn="l"/>
-                          <a:tab pos="6343650" algn="l"/>
-                        </a:tabLst>
-                      </a:pPr>
-                      <a:r>
-                        <a:rPr lang="en-US" sz="1200" u="none" strike="noStrike">
-                          <a:effectLst/>
-                        </a:rPr>
-                        <a:t> </a:t>
-                      </a:r>
-                      <a:endParaRPr lang="en-US" sz="1100">
-                        <a:effectLst/>
-                        <a:latin typeface="Calibri" panose="020F0502020204030204" pitchFamily="34" charset="0"/>
-                        <a:ea typeface="Calibri" panose="020F0502020204030204" pitchFamily="34" charset="0"/>
-                        <a:cs typeface="Times New Roman" panose="02020603050405020304" pitchFamily="18" charset="0"/>
-                      </a:endParaRPr>
-                    </a:p>
-                  </a:txBody>
-                  <a:tcPr marL="68580" marR="68580" marT="0" marB="0"/>
-                </a:tc>
-                <a:tc gridSpan="3">
-                  <a:txBody>
-                    <a:bodyPr/>
-                    <a:lstStyle/>
-                    <a:p>
-                      <a:pPr marL="0" marR="0" algn="ctr">
-                        <a:lnSpc>
-                          <a:spcPct val="150000"/>
-                        </a:lnSpc>
-                        <a:spcBef>
-                          <a:spcPts val="0"/>
-                        </a:spcBef>
-                        <a:spcAft>
-                          <a:spcPts val="0"/>
-                        </a:spcAft>
-                        <a:tabLst>
-                          <a:tab pos="571500" algn="l"/>
-                          <a:tab pos="6343650" algn="l"/>
-                        </a:tabLst>
-                      </a:pPr>
-                      <a:r>
-                        <a:rPr lang="en-US" sz="1200" u="none" strike="noStrike">
-                          <a:effectLst/>
-                        </a:rPr>
-                        <a:t> </a:t>
-                      </a:r>
-                      <a:endParaRPr lang="en-US" sz="1100">
-                        <a:effectLst/>
-                        <a:latin typeface="Calibri" panose="020F0502020204030204" pitchFamily="34" charset="0"/>
-                        <a:ea typeface="Calibri" panose="020F0502020204030204" pitchFamily="34" charset="0"/>
-                        <a:cs typeface="Times New Roman" panose="02020603050405020304" pitchFamily="18" charset="0"/>
-                      </a:endParaRPr>
-                    </a:p>
-                  </a:txBody>
-                  <a:tcPr marL="68580" marR="68580" marT="0" marB="0"/>
-                </a:tc>
-                <a:tc hMerge="1">
-                  <a:txBody>
-                    <a:bodyPr/>
-                    <a:lstStyle/>
-                    <a:p>
-                      <a:endParaRPr lang="en-US"/>
-                    </a:p>
-                  </a:txBody>
-                  <a:tcPr/>
-                </a:tc>
-                <a:tc hMerge="1">
-                  <a:txBody>
-                    <a:bodyPr/>
-                    <a:lstStyle/>
-                    <a:p>
-                      <a:endParaRPr lang="en-US"/>
-                    </a:p>
-                  </a:txBody>
-                  <a:tcPr/>
-                </a:tc>
-                <a:tc>
-                  <a:txBody>
-                    <a:bodyPr/>
-                    <a:lstStyle/>
-                    <a:p>
-                      <a:pPr marL="0" marR="0" algn="ctr">
-                        <a:lnSpc>
-                          <a:spcPct val="150000"/>
-                        </a:lnSpc>
-                        <a:spcBef>
-                          <a:spcPts val="0"/>
-                        </a:spcBef>
-                        <a:spcAft>
-                          <a:spcPts val="0"/>
-                        </a:spcAft>
-                        <a:tabLst>
-                          <a:tab pos="571500" algn="l"/>
-                          <a:tab pos="6343650" algn="l"/>
-                        </a:tabLst>
-                      </a:pPr>
-                      <a:r>
-                        <a:rPr lang="en-US" sz="1200" u="none" strike="noStrike">
-                          <a:effectLst/>
-                        </a:rPr>
-                        <a:t> </a:t>
-                      </a:r>
-                      <a:endParaRPr lang="en-US" sz="1100">
-                        <a:effectLst/>
-                        <a:latin typeface="Calibri" panose="020F0502020204030204" pitchFamily="34" charset="0"/>
-                        <a:ea typeface="Calibri" panose="020F0502020204030204" pitchFamily="34" charset="0"/>
-                        <a:cs typeface="Times New Roman" panose="02020603050405020304" pitchFamily="18" charset="0"/>
-                      </a:endParaRPr>
-                    </a:p>
-                  </a:txBody>
-                  <a:tcPr marL="68580" marR="68580" marT="0" marB="0"/>
-                </a:tc>
-                <a:tc>
-                  <a:txBody>
-                    <a:bodyPr/>
-                    <a:lstStyle/>
-                    <a:p>
-                      <a:pPr marL="0" marR="0" algn="ctr">
-                        <a:lnSpc>
-                          <a:spcPct val="150000"/>
-                        </a:lnSpc>
-                        <a:spcBef>
-                          <a:spcPts val="0"/>
-                        </a:spcBef>
-                        <a:spcAft>
-                          <a:spcPts val="0"/>
-                        </a:spcAft>
-                        <a:tabLst>
-                          <a:tab pos="571500" algn="l"/>
-                          <a:tab pos="6343650" algn="l"/>
-                        </a:tabLst>
-                      </a:pPr>
-                      <a:r>
-                        <a:rPr lang="en-US" sz="1200" u="none" strike="noStrike">
-                          <a:effectLst/>
-                        </a:rPr>
-                        <a:t> </a:t>
-                      </a:r>
-                      <a:endParaRPr lang="en-US" sz="1100">
-                        <a:effectLst/>
-                        <a:latin typeface="Calibri" panose="020F0502020204030204" pitchFamily="34" charset="0"/>
-                        <a:ea typeface="Calibri" panose="020F0502020204030204" pitchFamily="34" charset="0"/>
-                        <a:cs typeface="Times New Roman" panose="02020603050405020304" pitchFamily="18" charset="0"/>
-                      </a:endParaRPr>
-                    </a:p>
-                  </a:txBody>
-                  <a:tcPr marL="68580" marR="68580" marT="0" marB="0"/>
-                </a:tc>
-                <a:tc gridSpan="4">
-                  <a:txBody>
-                    <a:bodyPr/>
-                    <a:lstStyle/>
-                    <a:p>
-                      <a:pPr marL="0" marR="0" algn="ctr">
-                        <a:lnSpc>
-                          <a:spcPct val="150000"/>
-                        </a:lnSpc>
-                        <a:spcBef>
-                          <a:spcPts val="0"/>
-                        </a:spcBef>
-                        <a:spcAft>
-                          <a:spcPts val="0"/>
-                        </a:spcAft>
-                        <a:tabLst>
-                          <a:tab pos="571500" algn="l"/>
-                          <a:tab pos="6343650" algn="l"/>
-                        </a:tabLst>
-                      </a:pPr>
-                      <a:r>
-                        <a:rPr lang="en-US" sz="1200" u="none" strike="noStrike">
-                          <a:effectLst/>
-                        </a:rPr>
-                        <a:t> </a:t>
-                      </a:r>
-                      <a:endParaRPr lang="en-US" sz="1100">
-                        <a:effectLst/>
-                        <a:latin typeface="Calibri" panose="020F0502020204030204" pitchFamily="34" charset="0"/>
-                        <a:ea typeface="Calibri" panose="020F0502020204030204" pitchFamily="34" charset="0"/>
-                        <a:cs typeface="Times New Roman" panose="02020603050405020304" pitchFamily="18" charset="0"/>
-                      </a:endParaRPr>
-                    </a:p>
-                  </a:txBody>
-                  <a:tcPr marL="68580" marR="68580" marT="0" marB="0"/>
-                </a:tc>
-                <a:tc hMerge="1">
-                  <a:txBody>
-                    <a:bodyPr/>
-                    <a:lstStyle/>
-                    <a:p>
-                      <a:endParaRPr lang="en-US"/>
-                    </a:p>
-                  </a:txBody>
-                  <a:tcPr/>
-                </a:tc>
-                <a:tc hMerge="1">
-                  <a:txBody>
-                    <a:bodyPr/>
-                    <a:lstStyle/>
-                    <a:p>
-                      <a:endParaRPr lang="en-US"/>
-                    </a:p>
-                  </a:txBody>
-                  <a:tcPr/>
-                </a:tc>
-                <a:tc hMerge="1">
-                  <a:txBody>
-                    <a:bodyPr/>
-                    <a:lstStyle/>
-                    <a:p>
-                      <a:endParaRPr lang="en-US"/>
-                    </a:p>
-                  </a:txBody>
-                  <a:tcPr/>
-                </a:tc>
-                <a:tc gridSpan="2">
-                  <a:txBody>
-                    <a:bodyPr/>
-                    <a:lstStyle/>
-                    <a:p>
-                      <a:pPr marL="0" marR="0" algn="ctr">
-                        <a:lnSpc>
-                          <a:spcPct val="150000"/>
-                        </a:lnSpc>
-                        <a:spcBef>
-                          <a:spcPts val="0"/>
-                        </a:spcBef>
-                        <a:spcAft>
-                          <a:spcPts val="0"/>
-                        </a:spcAft>
-                        <a:tabLst>
-                          <a:tab pos="571500" algn="l"/>
-                          <a:tab pos="6343650" algn="l"/>
-                        </a:tabLst>
-                      </a:pPr>
-                      <a:r>
-                        <a:rPr lang="en-US" sz="1200" u="none" strike="noStrike">
-                          <a:effectLst/>
-                        </a:rPr>
-                        <a:t> </a:t>
-                      </a:r>
-                      <a:endParaRPr lang="en-US" sz="1100">
-                        <a:effectLst/>
-                        <a:latin typeface="Calibri" panose="020F0502020204030204" pitchFamily="34" charset="0"/>
-                        <a:ea typeface="Calibri" panose="020F0502020204030204" pitchFamily="34" charset="0"/>
-                        <a:cs typeface="Times New Roman" panose="02020603050405020304" pitchFamily="18" charset="0"/>
-                      </a:endParaRPr>
-                    </a:p>
-                  </a:txBody>
-                  <a:tcPr marL="68580" marR="68580" marT="0" marB="0"/>
-                </a:tc>
-                <a:tc hMerge="1">
-                  <a:txBody>
-                    <a:bodyPr/>
-                    <a:lstStyle/>
-                    <a:p>
-                      <a:endParaRPr lang="en-US"/>
-                    </a:p>
-                  </a:txBody>
-                  <a:tcPr/>
-                </a:tc>
-                <a:tc>
-                  <a:txBody>
-                    <a:bodyPr/>
-                    <a:lstStyle/>
-                    <a:p>
-                      <a:pPr marL="0" marR="0" algn="ctr">
-                        <a:lnSpc>
-                          <a:spcPct val="150000"/>
-                        </a:lnSpc>
-                        <a:spcBef>
-                          <a:spcPts val="0"/>
-                        </a:spcBef>
-                        <a:spcAft>
-                          <a:spcPts val="0"/>
-                        </a:spcAft>
-                        <a:tabLst>
-                          <a:tab pos="571500" algn="l"/>
-                          <a:tab pos="6343650" algn="l"/>
-                        </a:tabLst>
-                      </a:pPr>
-                      <a:r>
-                        <a:rPr lang="en-US" sz="1200" u="none" strike="noStrike">
-                          <a:effectLst/>
-                        </a:rPr>
-                        <a:t> </a:t>
-                      </a:r>
-                      <a:endParaRPr lang="en-US" sz="1100">
-                        <a:effectLst/>
-                        <a:latin typeface="Calibri" panose="020F0502020204030204" pitchFamily="34" charset="0"/>
-                        <a:ea typeface="Calibri" panose="020F0502020204030204" pitchFamily="34" charset="0"/>
-                        <a:cs typeface="Times New Roman" panose="02020603050405020304" pitchFamily="18" charset="0"/>
-                      </a:endParaRPr>
-                    </a:p>
-                  </a:txBody>
-                  <a:tcPr marL="68580" marR="68580" marT="0" marB="0"/>
-                </a:tc>
-                <a:tc>
-                  <a:txBody>
-                    <a:bodyPr/>
-                    <a:lstStyle/>
-                    <a:p>
-                      <a:pPr marL="0" marR="0" algn="ctr">
-                        <a:lnSpc>
-                          <a:spcPct val="150000"/>
-                        </a:lnSpc>
-                        <a:spcBef>
-                          <a:spcPts val="0"/>
-                        </a:spcBef>
-                        <a:spcAft>
-                          <a:spcPts val="0"/>
-                        </a:spcAft>
-                        <a:tabLst>
-                          <a:tab pos="571500" algn="l"/>
-                          <a:tab pos="6343650" algn="l"/>
-                        </a:tabLst>
-                      </a:pPr>
-                      <a:r>
-                        <a:rPr lang="en-US" sz="1200" u="none" strike="noStrike" dirty="0">
-                          <a:effectLst/>
-                        </a:rPr>
-                        <a:t> </a:t>
-                      </a:r>
-                      <a:endParaRPr lang="en-US" sz="1100" dirty="0">
-                        <a:effectLst/>
-                        <a:latin typeface="Calibri" panose="020F0502020204030204" pitchFamily="34" charset="0"/>
-                        <a:ea typeface="Calibri" panose="020F0502020204030204" pitchFamily="34" charset="0"/>
-                        <a:cs typeface="Times New Roman" panose="02020603050405020304" pitchFamily="18" charset="0"/>
-                      </a:endParaRPr>
-                    </a:p>
-                  </a:txBody>
-                  <a:tcPr marL="68580" marR="68580" marT="0" marB="0"/>
-                </a:tc>
-                <a:extLst>
-                  <a:ext uri="{0D108BD9-81ED-4DB2-BD59-A6C34878D82A}">
-                    <a16:rowId xmlns:a16="http://schemas.microsoft.com/office/drawing/2014/main" val="3647162715"/>
-                  </a:ext>
-                </a:extLst>
-              </a:tr>
-            </a:tbl>
-          </a:graphicData>
-        </a:graphic>
-      </p:graphicFrame>
       <p:sp>
         <p:nvSpPr>
           <p:cNvPr id="5" name="Rectangle 2"/>
@@ -15061,6 +6795,30 @@
           </a:p>
         </p:txBody>
       </p:sp>
+      <p:pic>
+        <p:nvPicPr>
+          <p:cNvPr id="2" name="Picture 1"/>
+          <p:cNvPicPr>
+            <a:picLocks noChangeAspect="1"/>
+          </p:cNvPicPr>
+          <p:nvPr/>
+        </p:nvPicPr>
+        <p:blipFill>
+          <a:blip r:embed="rId2"/>
+          <a:stretch>
+            <a:fillRect/>
+          </a:stretch>
+        </p:blipFill>
+        <p:spPr>
+          <a:xfrm>
+            <a:off x="564996" y="1055509"/>
+            <a:ext cx="8055038" cy="3551228"/>
+          </a:xfrm>
+          <a:prstGeom prst="rect">
+            <a:avLst/>
+          </a:prstGeom>
+        </p:spPr>
+      </p:pic>
     </p:spTree>
     <p:extLst>
       <p:ext uri="{BB962C8B-B14F-4D97-AF65-F5344CB8AC3E}">
@@ -16304,10 +8062,6 @@
               </a:rPr>
               <a:t>The developed system can provide basic information regarding the organization which generates more useful methods on the basis of giving the newly updates information provided by the organization.</a:t>
             </a:r>
-            <a:endParaRPr lang="en-US" dirty="0">
-              <a:latin typeface="Times New Roman" panose="02020603050405020304" pitchFamily="18" charset="0"/>
-              <a:cs typeface="Times New Roman" panose="02020603050405020304" pitchFamily="18" charset="0"/>
-            </a:endParaRPr>
           </a:p>
         </p:txBody>
       </p:sp>
@@ -16674,10 +8428,6 @@
               </a:rPr>
               <a:t>The main problem that occurred during the project is to create and maintain the databases of different entities involved in this process</a:t>
             </a:r>
-            <a:endParaRPr lang="en-US" dirty="0">
-              <a:latin typeface="Times New Roman" panose="02020603050405020304" pitchFamily="18" charset="0"/>
-              <a:cs typeface="Times New Roman" panose="02020603050405020304" pitchFamily="18" charset="0"/>
-            </a:endParaRPr>
           </a:p>
         </p:txBody>
       </p:sp>
@@ -17355,10 +9105,6 @@
               </a:rPr>
               <a:t>teachers and students are using a manual and traditional file-based system for their college related work. </a:t>
             </a:r>
-            <a:endParaRPr lang="en-US" dirty="0">
-              <a:latin typeface="Times New Roman" panose="02020603050405020304" pitchFamily="18" charset="0"/>
-              <a:cs typeface="Times New Roman" panose="02020603050405020304" pitchFamily="18" charset="0"/>
-            </a:endParaRPr>
           </a:p>
           <a:p>
             <a:pPr algn="just">
